--- a/DotNetTricks/06Sep2020_.NetCore_WebAPI/Documentation/ASP.NETCore_WebAPI_EFCore_SQL_CosmosDb.pptx
+++ b/DotNetTricks/06Sep2020_.NetCore_WebAPI/Documentation/ASP.NETCore_WebAPI_EFCore_SQL_CosmosDb.pptx
@@ -5,29 +5,28 @@
     <p:sldMasterId id="2147483648" r:id="rId1"/>
   </p:sldMasterIdLst>
   <p:notesMasterIdLst>
-    <p:notesMasterId r:id="rId22"/>
+    <p:notesMasterId r:id="rId21"/>
   </p:notesMasterIdLst>
   <p:sldIdLst>
     <p:sldId id="256" r:id="rId2"/>
     <p:sldId id="283" r:id="rId3"/>
     <p:sldId id="290" r:id="rId4"/>
     <p:sldId id="309" r:id="rId5"/>
-    <p:sldId id="316" r:id="rId6"/>
-    <p:sldId id="312" r:id="rId7"/>
-    <p:sldId id="315" r:id="rId8"/>
-    <p:sldId id="319" r:id="rId9"/>
-    <p:sldId id="320" r:id="rId10"/>
-    <p:sldId id="308" r:id="rId11"/>
-    <p:sldId id="321" r:id="rId12"/>
-    <p:sldId id="298" r:id="rId13"/>
-    <p:sldId id="311" r:id="rId14"/>
-    <p:sldId id="322" r:id="rId15"/>
-    <p:sldId id="310" r:id="rId16"/>
-    <p:sldId id="323" r:id="rId17"/>
-    <p:sldId id="324" r:id="rId18"/>
-    <p:sldId id="259" r:id="rId19"/>
-    <p:sldId id="292" r:id="rId20"/>
-    <p:sldId id="258" r:id="rId21"/>
+    <p:sldId id="312" r:id="rId6"/>
+    <p:sldId id="315" r:id="rId7"/>
+    <p:sldId id="319" r:id="rId8"/>
+    <p:sldId id="320" r:id="rId9"/>
+    <p:sldId id="308" r:id="rId10"/>
+    <p:sldId id="321" r:id="rId11"/>
+    <p:sldId id="298" r:id="rId12"/>
+    <p:sldId id="311" r:id="rId13"/>
+    <p:sldId id="322" r:id="rId14"/>
+    <p:sldId id="310" r:id="rId15"/>
+    <p:sldId id="323" r:id="rId16"/>
+    <p:sldId id="324" r:id="rId17"/>
+    <p:sldId id="259" r:id="rId18"/>
+    <p:sldId id="292" r:id="rId19"/>
+    <p:sldId id="258" r:id="rId20"/>
   </p:sldIdLst>
   <p:sldSz cx="12192000" cy="6858000"/>
   <p:notesSz cx="6858000" cy="9144000"/>
@@ -228,7 +227,7 @@
           <a:p>
             <a:fld id="{289D7669-2C4F-4057-B198-13E596C98571}" type="datetimeFigureOut">
               <a:rPr lang="en-IN" smtClean="0"/>
-              <a:t>06-09-2020</a:t>
+              <a:t>07-09-2020</a:t>
             </a:fld>
             <a:endParaRPr lang="en-IN"/>
           </a:p>
@@ -645,7 +644,7 @@
           <a:p>
             <a:fld id="{AAAFDAC1-E73E-4D41-B9D9-D9AB5226AECC}" type="datetimeFigureOut">
               <a:rPr lang="en-IN" smtClean="0"/>
-              <a:t>06-09-2020</a:t>
+              <a:t>07-09-2020</a:t>
             </a:fld>
             <a:endParaRPr lang="en-IN"/>
           </a:p>
@@ -845,7 +844,7 @@
           <a:p>
             <a:fld id="{AAAFDAC1-E73E-4D41-B9D9-D9AB5226AECC}" type="datetimeFigureOut">
               <a:rPr lang="en-IN" smtClean="0"/>
-              <a:t>06-09-2020</a:t>
+              <a:t>07-09-2020</a:t>
             </a:fld>
             <a:endParaRPr lang="en-IN"/>
           </a:p>
@@ -1055,7 +1054,7 @@
           <a:p>
             <a:fld id="{AAAFDAC1-E73E-4D41-B9D9-D9AB5226AECC}" type="datetimeFigureOut">
               <a:rPr lang="en-IN" smtClean="0"/>
-              <a:t>06-09-2020</a:t>
+              <a:t>07-09-2020</a:t>
             </a:fld>
             <a:endParaRPr lang="en-IN"/>
           </a:p>
@@ -1255,7 +1254,7 @@
           <a:p>
             <a:fld id="{AAAFDAC1-E73E-4D41-B9D9-D9AB5226AECC}" type="datetimeFigureOut">
               <a:rPr lang="en-IN" smtClean="0"/>
-              <a:t>06-09-2020</a:t>
+              <a:t>07-09-2020</a:t>
             </a:fld>
             <a:endParaRPr lang="en-IN"/>
           </a:p>
@@ -1531,7 +1530,7 @@
           <a:p>
             <a:fld id="{AAAFDAC1-E73E-4D41-B9D9-D9AB5226AECC}" type="datetimeFigureOut">
               <a:rPr lang="en-IN" smtClean="0"/>
-              <a:t>06-09-2020</a:t>
+              <a:t>07-09-2020</a:t>
             </a:fld>
             <a:endParaRPr lang="en-IN"/>
           </a:p>
@@ -1799,7 +1798,7 @@
           <a:p>
             <a:fld id="{AAAFDAC1-E73E-4D41-B9D9-D9AB5226AECC}" type="datetimeFigureOut">
               <a:rPr lang="en-IN" smtClean="0"/>
-              <a:t>06-09-2020</a:t>
+              <a:t>07-09-2020</a:t>
             </a:fld>
             <a:endParaRPr lang="en-IN"/>
           </a:p>
@@ -2214,7 +2213,7 @@
           <a:p>
             <a:fld id="{AAAFDAC1-E73E-4D41-B9D9-D9AB5226AECC}" type="datetimeFigureOut">
               <a:rPr lang="en-IN" smtClean="0"/>
-              <a:t>06-09-2020</a:t>
+              <a:t>07-09-2020</a:t>
             </a:fld>
             <a:endParaRPr lang="en-IN"/>
           </a:p>
@@ -2356,7 +2355,7 @@
           <a:p>
             <a:fld id="{AAAFDAC1-E73E-4D41-B9D9-D9AB5226AECC}" type="datetimeFigureOut">
               <a:rPr lang="en-IN" smtClean="0"/>
-              <a:t>06-09-2020</a:t>
+              <a:t>07-09-2020</a:t>
             </a:fld>
             <a:endParaRPr lang="en-IN"/>
           </a:p>
@@ -2469,7 +2468,7 @@
           <a:p>
             <a:fld id="{AAAFDAC1-E73E-4D41-B9D9-D9AB5226AECC}" type="datetimeFigureOut">
               <a:rPr lang="en-IN" smtClean="0"/>
-              <a:t>06-09-2020</a:t>
+              <a:t>07-09-2020</a:t>
             </a:fld>
             <a:endParaRPr lang="en-IN"/>
           </a:p>
@@ -2782,7 +2781,7 @@
           <a:p>
             <a:fld id="{AAAFDAC1-E73E-4D41-B9D9-D9AB5226AECC}" type="datetimeFigureOut">
               <a:rPr lang="en-IN" smtClean="0"/>
-              <a:t>06-09-2020</a:t>
+              <a:t>07-09-2020</a:t>
             </a:fld>
             <a:endParaRPr lang="en-IN"/>
           </a:p>
@@ -3071,7 +3070,7 @@
           <a:p>
             <a:fld id="{AAAFDAC1-E73E-4D41-B9D9-D9AB5226AECC}" type="datetimeFigureOut">
               <a:rPr lang="en-IN" smtClean="0"/>
-              <a:t>06-09-2020</a:t>
+              <a:t>07-09-2020</a:t>
             </a:fld>
             <a:endParaRPr lang="en-IN"/>
           </a:p>
@@ -3314,7 +3313,7 @@
           <a:p>
             <a:fld id="{AAAFDAC1-E73E-4D41-B9D9-D9AB5226AECC}" type="datetimeFigureOut">
               <a:rPr lang="en-IN" smtClean="0"/>
-              <a:t>06-09-2020</a:t>
+              <a:t>07-09-2020</a:t>
             </a:fld>
             <a:endParaRPr lang="en-IN"/>
           </a:p>
@@ -4446,6 +4445,13 @@
           <a:lstStyle/>
           <a:p>
             <a:pPr algn="ctr"/>
+            <a:r>
+              <a:rPr lang="en-US" b="1" dirty="0">
+                <a:latin typeface="Verdana" panose="020B0604030504040204" pitchFamily="34" charset="0"/>
+                <a:ea typeface="Verdana" panose="020B0604030504040204" pitchFamily="34" charset="0"/>
+              </a:rPr>
+              <a:t>Web API Template</a:t>
+            </a:r>
             <a:endParaRPr lang="en-IN" b="1" dirty="0">
               <a:latin typeface="Verdana" panose="020B0604030504040204" pitchFamily="34" charset="0"/>
               <a:ea typeface="Verdana" panose="020B0604030504040204" pitchFamily="34" charset="0"/>
@@ -4764,7 +4770,7 @@
           <p:cNvPr id="2" name="Picture 1">
             <a:extLst>
               <a:ext uri="{FF2B5EF4-FFF2-40B4-BE49-F238E27FC236}">
-                <a16:creationId xmlns:a16="http://schemas.microsoft.com/office/drawing/2014/main" id="{5E2FBD10-4D9F-4DFE-BDFD-0E9105BD7836}"/>
+                <a16:creationId xmlns:a16="http://schemas.microsoft.com/office/drawing/2014/main" id="{385DC3ED-E106-484B-8180-F1731898AE03}"/>
               </a:ext>
             </a:extLst>
           </p:cNvPr>
@@ -4781,80 +4787,23 @@
         </p:blipFill>
         <p:spPr>
           <a:xfrm>
-            <a:off x="3634201" y="1717553"/>
-            <a:ext cx="4781550" cy="3600450"/>
+            <a:off x="97654" y="561073"/>
+            <a:ext cx="11995961" cy="5765378"/>
           </a:xfrm>
           <a:prstGeom prst="rect">
             <a:avLst/>
           </a:prstGeom>
+          <a:ln>
+            <a:solidFill>
+              <a:schemeClr val="accent1"/>
+            </a:solidFill>
+          </a:ln>
         </p:spPr>
       </p:pic>
-      <p:sp>
-        <p:nvSpPr>
-          <p:cNvPr id="14" name="Rectangle 13">
-            <a:extLst>
-              <a:ext uri="{FF2B5EF4-FFF2-40B4-BE49-F238E27FC236}">
-                <a16:creationId xmlns:a16="http://schemas.microsoft.com/office/drawing/2014/main" id="{75C033DB-F1B9-4A03-8E7D-8A90E1EB0C86}"/>
-              </a:ext>
-            </a:extLst>
-          </p:cNvPr>
-          <p:cNvSpPr/>
-          <p:nvPr/>
-        </p:nvSpPr>
-        <p:spPr>
-          <a:xfrm>
-            <a:off x="486254" y="580577"/>
-            <a:ext cx="11226150" cy="923330"/>
-          </a:xfrm>
-          <a:prstGeom prst="rect">
-            <a:avLst/>
-          </a:prstGeom>
-          <a:noFill/>
-        </p:spPr>
-        <p:txBody>
-          <a:bodyPr wrap="none" lIns="91440" tIns="45720" rIns="91440" bIns="45720">
-            <a:spAutoFit/>
-            <a:scene3d>
-              <a:camera prst="orthographicFront"/>
-              <a:lightRig rig="soft" dir="t">
-                <a:rot lat="0" lon="0" rev="15600000"/>
-              </a:lightRig>
-            </a:scene3d>
-            <a:sp3d extrusionH="57150" prstMaterial="softEdge">
-              <a:bevelT w="25400" h="38100"/>
-            </a:sp3d>
-          </a:bodyPr>
-          <a:lstStyle/>
-          <a:p>
-            <a:pPr algn="ctr"/>
-            <a:r>
-              <a:rPr lang="en-US" sz="5400" b="1" cap="none" spc="0" dirty="0">
-                <a:ln/>
-                <a:solidFill>
-                  <a:schemeClr val="accent4"/>
-                </a:solidFill>
-                <a:effectLst/>
-                <a:latin typeface="Verdana" panose="020B0604030504040204" pitchFamily="34" charset="0"/>
-                <a:ea typeface="Verdana" panose="020B0604030504040204" pitchFamily="34" charset="0"/>
-              </a:rPr>
-              <a:t>Let’s make our hands dirt !!!</a:t>
-            </a:r>
-            <a:endParaRPr lang="en-IN" sz="5400" b="1" cap="none" spc="0" dirty="0">
-              <a:ln/>
-              <a:solidFill>
-                <a:schemeClr val="accent4"/>
-              </a:solidFill>
-              <a:effectLst/>
-              <a:latin typeface="Verdana" panose="020B0604030504040204" pitchFamily="34" charset="0"/>
-              <a:ea typeface="Verdana" panose="020B0604030504040204" pitchFamily="34" charset="0"/>
-            </a:endParaRPr>
-          </a:p>
-        </p:txBody>
-      </p:sp>
     </p:spTree>
     <p:extLst>
       <p:ext uri="{BB962C8B-B14F-4D97-AF65-F5344CB8AC3E}">
-        <p14:creationId xmlns:p14="http://schemas.microsoft.com/office/powerpoint/2010/main" val="2844915735"/>
+        <p14:creationId xmlns:p14="http://schemas.microsoft.com/office/powerpoint/2010/main" val="157985980"/>
       </p:ext>
     </p:extLst>
   </p:cSld>
@@ -4931,7 +4880,7 @@
                 <a:latin typeface="Verdana" panose="020B0604030504040204" pitchFamily="34" charset="0"/>
                 <a:ea typeface="Verdana" panose="020B0604030504040204" pitchFamily="34" charset="0"/>
               </a:rPr>
-              <a:t>Web API Template</a:t>
+              <a:t>Creating our Web API</a:t>
             </a:r>
             <a:endParaRPr lang="en-IN" b="1" dirty="0">
               <a:latin typeface="Verdana" panose="020B0604030504040204" pitchFamily="34" charset="0"/>
@@ -5210,12 +5159,170 @@
           </a:p>
         </p:txBody>
       </p:sp>
+      <p:sp>
+        <p:nvSpPr>
+          <p:cNvPr id="11" name="Rectangle 10">
+            <a:extLst>
+              <a:ext uri="{FF2B5EF4-FFF2-40B4-BE49-F238E27FC236}">
+                <a16:creationId xmlns:a16="http://schemas.microsoft.com/office/drawing/2014/main" id="{F60D9B38-5067-4841-9B4A-CE7786A2CB4A}"/>
+              </a:ext>
+            </a:extLst>
+          </p:cNvPr>
+          <p:cNvSpPr/>
+          <p:nvPr/>
+        </p:nvSpPr>
+        <p:spPr>
+          <a:xfrm>
+            <a:off x="2096241" y="588106"/>
+            <a:ext cx="7964040" cy="3020699"/>
+          </a:xfrm>
+          <a:prstGeom prst="rect">
+            <a:avLst/>
+          </a:prstGeom>
+          <a:noFill/>
+        </p:spPr>
+        <p:txBody>
+          <a:bodyPr wrap="none" lIns="91440" tIns="45720" rIns="91440" bIns="45720">
+            <a:spAutoFit/>
+          </a:bodyPr>
+          <a:lstStyle/>
+          <a:p>
+            <a:pPr algn="ctr"/>
+            <a:r>
+              <a:rPr lang="en-US" sz="8800" b="1" cap="none" spc="0" dirty="0">
+                <a:ln w="9525">
+                  <a:solidFill>
+                    <a:schemeClr val="bg1"/>
+                  </a:solidFill>
+                  <a:prstDash val="solid"/>
+                </a:ln>
+                <a:solidFill>
+                  <a:schemeClr val="accent5"/>
+                </a:solidFill>
+                <a:effectLst>
+                  <a:outerShdw blurRad="12700" dist="38100" dir="2700000" algn="tl" rotWithShape="0">
+                    <a:schemeClr val="accent5">
+                      <a:lumMod val="60000"/>
+                      <a:lumOff val="40000"/>
+                    </a:schemeClr>
+                  </a:outerShdw>
+                </a:effectLst>
+                <a:latin typeface="Verdana" panose="020B0604030504040204" pitchFamily="34" charset="0"/>
+                <a:ea typeface="Verdana" panose="020B0604030504040204" pitchFamily="34" charset="0"/>
+              </a:rPr>
+              <a:t>Demo</a:t>
+            </a:r>
+          </a:p>
+          <a:p>
+            <a:pPr marL="1371600" indent="-1371600" algn="ctr">
+              <a:buAutoNum type="arabicPeriod"/>
+            </a:pPr>
+            <a:endParaRPr lang="en-US" sz="4000" b="1" cap="none" spc="0" dirty="0">
+              <a:ln w="9525">
+                <a:solidFill>
+                  <a:schemeClr val="bg1"/>
+                </a:solidFill>
+                <a:prstDash val="solid"/>
+              </a:ln>
+              <a:solidFill>
+                <a:schemeClr val="accent5"/>
+              </a:solidFill>
+              <a:effectLst>
+                <a:outerShdw blurRad="12700" dist="38100" dir="2700000" algn="tl" rotWithShape="0">
+                  <a:schemeClr val="accent5">
+                    <a:lumMod val="60000"/>
+                    <a:lumOff val="40000"/>
+                  </a:schemeClr>
+                </a:outerShdw>
+              </a:effectLst>
+              <a:latin typeface="Verdana" panose="020B0604030504040204" pitchFamily="34" charset="0"/>
+              <a:ea typeface="Verdana" panose="020B0604030504040204" pitchFamily="34" charset="0"/>
+            </a:endParaRPr>
+          </a:p>
+          <a:p>
+            <a:pPr algn="ctr">
+              <a:lnSpc>
+                <a:spcPct val="150000"/>
+              </a:lnSpc>
+            </a:pPr>
+            <a:r>
+              <a:rPr lang="en-US" sz="4800" b="1" dirty="0">
+                <a:ln w="9525">
+                  <a:solidFill>
+                    <a:schemeClr val="bg1"/>
+                  </a:solidFill>
+                  <a:prstDash val="solid"/>
+                </a:ln>
+                <a:solidFill>
+                  <a:schemeClr val="accent5"/>
+                </a:solidFill>
+                <a:effectLst>
+                  <a:outerShdw blurRad="12700" dist="38100" dir="2700000" algn="tl" rotWithShape="0">
+                    <a:schemeClr val="accent5">
+                      <a:lumMod val="60000"/>
+                      <a:lumOff val="40000"/>
+                    </a:schemeClr>
+                  </a:outerShdw>
+                </a:effectLst>
+                <a:latin typeface="Verdana" panose="020B0604030504040204" pitchFamily="34" charset="0"/>
+                <a:ea typeface="Verdana" panose="020B0604030504040204" pitchFamily="34" charset="0"/>
+              </a:rPr>
+              <a:t>Creating First Web </a:t>
+            </a:r>
+            <a:r>
+              <a:rPr lang="en-US" sz="4800" b="1" dirty="0" err="1">
+                <a:ln w="9525">
+                  <a:solidFill>
+                    <a:schemeClr val="bg1"/>
+                  </a:solidFill>
+                  <a:prstDash val="solid"/>
+                </a:ln>
+                <a:solidFill>
+                  <a:schemeClr val="accent5"/>
+                </a:solidFill>
+                <a:effectLst>
+                  <a:outerShdw blurRad="12700" dist="38100" dir="2700000" algn="tl" rotWithShape="0">
+                    <a:schemeClr val="accent5">
+                      <a:lumMod val="60000"/>
+                      <a:lumOff val="40000"/>
+                    </a:schemeClr>
+                  </a:outerShdw>
+                </a:effectLst>
+                <a:latin typeface="Verdana" panose="020B0604030504040204" pitchFamily="34" charset="0"/>
+                <a:ea typeface="Verdana" panose="020B0604030504040204" pitchFamily="34" charset="0"/>
+              </a:rPr>
+              <a:t>Api</a:t>
+            </a:r>
+            <a:endParaRPr lang="en-US" sz="4800" b="1" dirty="0">
+              <a:ln w="9525">
+                <a:solidFill>
+                  <a:schemeClr val="bg1"/>
+                </a:solidFill>
+                <a:prstDash val="solid"/>
+              </a:ln>
+              <a:solidFill>
+                <a:schemeClr val="accent5"/>
+              </a:solidFill>
+              <a:effectLst>
+                <a:outerShdw blurRad="12700" dist="38100" dir="2700000" algn="tl" rotWithShape="0">
+                  <a:schemeClr val="accent5">
+                    <a:lumMod val="60000"/>
+                    <a:lumOff val="40000"/>
+                  </a:schemeClr>
+                </a:outerShdw>
+              </a:effectLst>
+              <a:latin typeface="Verdana" panose="020B0604030504040204" pitchFamily="34" charset="0"/>
+              <a:ea typeface="Verdana" panose="020B0604030504040204" pitchFamily="34" charset="0"/>
+            </a:endParaRPr>
+          </a:p>
+        </p:txBody>
+      </p:sp>
       <p:pic>
         <p:nvPicPr>
-          <p:cNvPr id="11" name="Picture 10">
-            <a:extLst>
-              <a:ext uri="{FF2B5EF4-FFF2-40B4-BE49-F238E27FC236}">
-                <a16:creationId xmlns:a16="http://schemas.microsoft.com/office/drawing/2014/main" id="{BAFAC024-A197-4E14-81E6-8E7B8CCD3120}"/>
+          <p:cNvPr id="10" name="Picture 9">
+            <a:extLst>
+              <a:ext uri="{FF2B5EF4-FFF2-40B4-BE49-F238E27FC236}">
+                <a16:creationId xmlns:a16="http://schemas.microsoft.com/office/drawing/2014/main" id="{8C5DE781-E3CB-4111-9997-7D34C7E0D6CA}"/>
               </a:ext>
             </a:extLst>
           </p:cNvPr>
@@ -5238,53 +5345,18 @@
         </p:blipFill>
         <p:spPr>
           <a:xfrm>
-            <a:off x="189019" y="6488466"/>
+            <a:off x="189019" y="6497344"/>
             <a:ext cx="1905000" cy="342900"/>
           </a:xfrm>
           <a:prstGeom prst="rect">
             <a:avLst/>
           </a:prstGeom>
-        </p:spPr>
-      </p:pic>
-      <p:pic>
-        <p:nvPicPr>
-          <p:cNvPr id="2" name="Picture 1">
-            <a:extLst>
-              <a:ext uri="{FF2B5EF4-FFF2-40B4-BE49-F238E27FC236}">
-                <a16:creationId xmlns:a16="http://schemas.microsoft.com/office/drawing/2014/main" id="{385DC3ED-E106-484B-8180-F1731898AE03}"/>
-              </a:ext>
-            </a:extLst>
-          </p:cNvPr>
-          <p:cNvPicPr>
-            <a:picLocks noChangeAspect="1"/>
-          </p:cNvPicPr>
-          <p:nvPr/>
-        </p:nvPicPr>
-        <p:blipFill>
-          <a:blip r:embed="rId3"/>
-          <a:stretch>
-            <a:fillRect/>
-          </a:stretch>
-        </p:blipFill>
-        <p:spPr>
-          <a:xfrm>
-            <a:off x="97654" y="561073"/>
-            <a:ext cx="11995961" cy="5765378"/>
-          </a:xfrm>
-          <a:prstGeom prst="rect">
-            <a:avLst/>
-          </a:prstGeom>
-          <a:ln>
-            <a:solidFill>
-              <a:schemeClr val="accent1"/>
-            </a:solidFill>
-          </a:ln>
         </p:spPr>
       </p:pic>
     </p:spTree>
     <p:extLst>
       <p:ext uri="{BB962C8B-B14F-4D97-AF65-F5344CB8AC3E}">
-        <p14:creationId xmlns:p14="http://schemas.microsoft.com/office/powerpoint/2010/main" val="157985980"/>
+        <p14:creationId xmlns:p14="http://schemas.microsoft.com/office/powerpoint/2010/main" val="310383154"/>
       </p:ext>
     </p:extLst>
   </p:cSld>
@@ -5361,7 +5433,7 @@
                 <a:latin typeface="Verdana" panose="020B0604030504040204" pitchFamily="34" charset="0"/>
                 <a:ea typeface="Verdana" panose="020B0604030504040204" pitchFamily="34" charset="0"/>
               </a:rPr>
-              <a:t>Creating our Web API</a:t>
+              <a:t>Executing using IIS Express / Kestrel</a:t>
             </a:r>
             <a:endParaRPr lang="en-IN" b="1" dirty="0">
               <a:latin typeface="Verdana" panose="020B0604030504040204" pitchFamily="34" charset="0"/>
@@ -5640,170 +5712,12 @@
           </a:p>
         </p:txBody>
       </p:sp>
-      <p:sp>
-        <p:nvSpPr>
-          <p:cNvPr id="11" name="Rectangle 10">
-            <a:extLst>
-              <a:ext uri="{FF2B5EF4-FFF2-40B4-BE49-F238E27FC236}">
-                <a16:creationId xmlns:a16="http://schemas.microsoft.com/office/drawing/2014/main" id="{F60D9B38-5067-4841-9B4A-CE7786A2CB4A}"/>
-              </a:ext>
-            </a:extLst>
-          </p:cNvPr>
-          <p:cNvSpPr/>
-          <p:nvPr/>
-        </p:nvSpPr>
-        <p:spPr>
-          <a:xfrm>
-            <a:off x="2096241" y="588106"/>
-            <a:ext cx="7964040" cy="3020699"/>
-          </a:xfrm>
-          <a:prstGeom prst="rect">
-            <a:avLst/>
-          </a:prstGeom>
-          <a:noFill/>
-        </p:spPr>
-        <p:txBody>
-          <a:bodyPr wrap="none" lIns="91440" tIns="45720" rIns="91440" bIns="45720">
-            <a:spAutoFit/>
-          </a:bodyPr>
-          <a:lstStyle/>
-          <a:p>
-            <a:pPr algn="ctr"/>
-            <a:r>
-              <a:rPr lang="en-US" sz="8800" b="1" cap="none" spc="0" dirty="0">
-                <a:ln w="9525">
-                  <a:solidFill>
-                    <a:schemeClr val="bg1"/>
-                  </a:solidFill>
-                  <a:prstDash val="solid"/>
-                </a:ln>
-                <a:solidFill>
-                  <a:schemeClr val="accent5"/>
-                </a:solidFill>
-                <a:effectLst>
-                  <a:outerShdw blurRad="12700" dist="38100" dir="2700000" algn="tl" rotWithShape="0">
-                    <a:schemeClr val="accent5">
-                      <a:lumMod val="60000"/>
-                      <a:lumOff val="40000"/>
-                    </a:schemeClr>
-                  </a:outerShdw>
-                </a:effectLst>
-                <a:latin typeface="Verdana" panose="020B0604030504040204" pitchFamily="34" charset="0"/>
-                <a:ea typeface="Verdana" panose="020B0604030504040204" pitchFamily="34" charset="0"/>
-              </a:rPr>
-              <a:t>Demo</a:t>
-            </a:r>
-          </a:p>
-          <a:p>
-            <a:pPr marL="1371600" indent="-1371600" algn="ctr">
-              <a:buAutoNum type="arabicPeriod"/>
-            </a:pPr>
-            <a:endParaRPr lang="en-US" sz="4000" b="1" cap="none" spc="0" dirty="0">
-              <a:ln w="9525">
-                <a:solidFill>
-                  <a:schemeClr val="bg1"/>
-                </a:solidFill>
-                <a:prstDash val="solid"/>
-              </a:ln>
-              <a:solidFill>
-                <a:schemeClr val="accent5"/>
-              </a:solidFill>
-              <a:effectLst>
-                <a:outerShdw blurRad="12700" dist="38100" dir="2700000" algn="tl" rotWithShape="0">
-                  <a:schemeClr val="accent5">
-                    <a:lumMod val="60000"/>
-                    <a:lumOff val="40000"/>
-                  </a:schemeClr>
-                </a:outerShdw>
-              </a:effectLst>
-              <a:latin typeface="Verdana" panose="020B0604030504040204" pitchFamily="34" charset="0"/>
-              <a:ea typeface="Verdana" panose="020B0604030504040204" pitchFamily="34" charset="0"/>
-            </a:endParaRPr>
-          </a:p>
-          <a:p>
-            <a:pPr algn="ctr">
-              <a:lnSpc>
-                <a:spcPct val="150000"/>
-              </a:lnSpc>
-            </a:pPr>
-            <a:r>
-              <a:rPr lang="en-US" sz="4800" b="1" dirty="0">
-                <a:ln w="9525">
-                  <a:solidFill>
-                    <a:schemeClr val="bg1"/>
-                  </a:solidFill>
-                  <a:prstDash val="solid"/>
-                </a:ln>
-                <a:solidFill>
-                  <a:schemeClr val="accent5"/>
-                </a:solidFill>
-                <a:effectLst>
-                  <a:outerShdw blurRad="12700" dist="38100" dir="2700000" algn="tl" rotWithShape="0">
-                    <a:schemeClr val="accent5">
-                      <a:lumMod val="60000"/>
-                      <a:lumOff val="40000"/>
-                    </a:schemeClr>
-                  </a:outerShdw>
-                </a:effectLst>
-                <a:latin typeface="Verdana" panose="020B0604030504040204" pitchFamily="34" charset="0"/>
-                <a:ea typeface="Verdana" panose="020B0604030504040204" pitchFamily="34" charset="0"/>
-              </a:rPr>
-              <a:t>Creating First Web </a:t>
-            </a:r>
-            <a:r>
-              <a:rPr lang="en-US" sz="4800" b="1" dirty="0" err="1">
-                <a:ln w="9525">
-                  <a:solidFill>
-                    <a:schemeClr val="bg1"/>
-                  </a:solidFill>
-                  <a:prstDash val="solid"/>
-                </a:ln>
-                <a:solidFill>
-                  <a:schemeClr val="accent5"/>
-                </a:solidFill>
-                <a:effectLst>
-                  <a:outerShdw blurRad="12700" dist="38100" dir="2700000" algn="tl" rotWithShape="0">
-                    <a:schemeClr val="accent5">
-                      <a:lumMod val="60000"/>
-                      <a:lumOff val="40000"/>
-                    </a:schemeClr>
-                  </a:outerShdw>
-                </a:effectLst>
-                <a:latin typeface="Verdana" panose="020B0604030504040204" pitchFamily="34" charset="0"/>
-                <a:ea typeface="Verdana" panose="020B0604030504040204" pitchFamily="34" charset="0"/>
-              </a:rPr>
-              <a:t>Api</a:t>
-            </a:r>
-            <a:endParaRPr lang="en-US" sz="4800" b="1" dirty="0">
-              <a:ln w="9525">
-                <a:solidFill>
-                  <a:schemeClr val="bg1"/>
-                </a:solidFill>
-                <a:prstDash val="solid"/>
-              </a:ln>
-              <a:solidFill>
-                <a:schemeClr val="accent5"/>
-              </a:solidFill>
-              <a:effectLst>
-                <a:outerShdw blurRad="12700" dist="38100" dir="2700000" algn="tl" rotWithShape="0">
-                  <a:schemeClr val="accent5">
-                    <a:lumMod val="60000"/>
-                    <a:lumOff val="40000"/>
-                  </a:schemeClr>
-                </a:outerShdw>
-              </a:effectLst>
-              <a:latin typeface="Verdana" panose="020B0604030504040204" pitchFamily="34" charset="0"/>
-              <a:ea typeface="Verdana" panose="020B0604030504040204" pitchFamily="34" charset="0"/>
-            </a:endParaRPr>
-          </a:p>
-        </p:txBody>
-      </p:sp>
       <p:pic>
         <p:nvPicPr>
-          <p:cNvPr id="10" name="Picture 9">
-            <a:extLst>
-              <a:ext uri="{FF2B5EF4-FFF2-40B4-BE49-F238E27FC236}">
-                <a16:creationId xmlns:a16="http://schemas.microsoft.com/office/drawing/2014/main" id="{8C5DE781-E3CB-4111-9997-7D34C7E0D6CA}"/>
+          <p:cNvPr id="11" name="Picture 10">
+            <a:extLst>
+              <a:ext uri="{FF2B5EF4-FFF2-40B4-BE49-F238E27FC236}">
+                <a16:creationId xmlns:a16="http://schemas.microsoft.com/office/drawing/2014/main" id="{BAFAC024-A197-4E14-81E6-8E7B8CCD3120}"/>
               </a:ext>
             </a:extLst>
           </p:cNvPr>
@@ -5826,7 +5740,7 @@
         </p:blipFill>
         <p:spPr>
           <a:xfrm>
-            <a:off x="189019" y="6497344"/>
+            <a:off x="189019" y="6488466"/>
             <a:ext cx="1905000" cy="342900"/>
           </a:xfrm>
           <a:prstGeom prst="rect">
@@ -5834,10 +5748,139 @@
           </a:prstGeom>
         </p:spPr>
       </p:pic>
+      <p:pic>
+        <p:nvPicPr>
+          <p:cNvPr id="2" name="Picture 1">
+            <a:extLst>
+              <a:ext uri="{FF2B5EF4-FFF2-40B4-BE49-F238E27FC236}">
+                <a16:creationId xmlns:a16="http://schemas.microsoft.com/office/drawing/2014/main" id="{E1DC4E16-504D-47E6-9FB7-33389A025185}"/>
+              </a:ext>
+            </a:extLst>
+          </p:cNvPr>
+          <p:cNvPicPr>
+            <a:picLocks noChangeAspect="1"/>
+          </p:cNvPicPr>
+          <p:nvPr/>
+        </p:nvPicPr>
+        <p:blipFill>
+          <a:blip r:embed="rId3"/>
+          <a:stretch>
+            <a:fillRect/>
+          </a:stretch>
+        </p:blipFill>
+        <p:spPr>
+          <a:xfrm>
+            <a:off x="71750" y="1269507"/>
+            <a:ext cx="12055147" cy="5055836"/>
+          </a:xfrm>
+          <a:prstGeom prst="rect">
+            <a:avLst/>
+          </a:prstGeom>
+          <a:ln>
+            <a:solidFill>
+              <a:schemeClr val="accent1"/>
+            </a:solidFill>
+          </a:ln>
+        </p:spPr>
+      </p:pic>
+      <p:sp>
+        <p:nvSpPr>
+          <p:cNvPr id="13" name="TextBox 12">
+            <a:extLst>
+              <a:ext uri="{FF2B5EF4-FFF2-40B4-BE49-F238E27FC236}">
+                <a16:creationId xmlns:a16="http://schemas.microsoft.com/office/drawing/2014/main" id="{AB92CE2C-8CD0-4815-A6DE-913E185548B6}"/>
+              </a:ext>
+            </a:extLst>
+          </p:cNvPr>
+          <p:cNvSpPr txBox="1"/>
+          <p:nvPr/>
+        </p:nvSpPr>
+        <p:spPr>
+          <a:xfrm>
+            <a:off x="80629" y="557824"/>
+            <a:ext cx="12037390" cy="695127"/>
+          </a:xfrm>
+          <a:prstGeom prst="rect">
+            <a:avLst/>
+          </a:prstGeom>
+          <a:noFill/>
+        </p:spPr>
+        <p:txBody>
+          <a:bodyPr wrap="square" rtlCol="0">
+            <a:spAutoFit/>
+          </a:bodyPr>
+          <a:lstStyle/>
+          <a:p>
+            <a:pPr marL="171450" indent="-171450">
+              <a:lnSpc>
+                <a:spcPct val="150000"/>
+              </a:lnSpc>
+              <a:buFont typeface="Wingdings" panose="05000000000000000000" pitchFamily="2" charset="2"/>
+              <a:buChar char="Ø"/>
+            </a:pPr>
+            <a:r>
+              <a:rPr lang="en-US" sz="1400" dirty="0">
+                <a:solidFill>
+                  <a:srgbClr val="002060"/>
+                </a:solidFill>
+                <a:latin typeface="Verdana" panose="020B0604030504040204" pitchFamily="34" charset="0"/>
+                <a:ea typeface="Verdana" panose="020B0604030504040204" pitchFamily="34" charset="0"/>
+              </a:rPr>
+              <a:t>Executing the Web API using IIS Express and Kestrel.</a:t>
+            </a:r>
+          </a:p>
+          <a:p>
+            <a:pPr marL="171450" indent="-171450">
+              <a:lnSpc>
+                <a:spcPct val="150000"/>
+              </a:lnSpc>
+              <a:buFont typeface="Wingdings" panose="05000000000000000000" pitchFamily="2" charset="2"/>
+              <a:buChar char="Ø"/>
+            </a:pPr>
+            <a:r>
+              <a:rPr lang="en-US" sz="1400" dirty="0">
+                <a:solidFill>
+                  <a:srgbClr val="002060"/>
+                </a:solidFill>
+                <a:latin typeface="Verdana" panose="020B0604030504040204" pitchFamily="34" charset="0"/>
+                <a:ea typeface="Verdana" panose="020B0604030504040204" pitchFamily="34" charset="0"/>
+              </a:rPr>
+              <a:t>Modifying the “</a:t>
+            </a:r>
+            <a:r>
+              <a:rPr lang="en-US" sz="1400" dirty="0" err="1">
+                <a:solidFill>
+                  <a:srgbClr val="002060"/>
+                </a:solidFill>
+                <a:latin typeface="Verdana" panose="020B0604030504040204" pitchFamily="34" charset="0"/>
+                <a:ea typeface="Verdana" panose="020B0604030504040204" pitchFamily="34" charset="0"/>
+              </a:rPr>
+              <a:t>launchSettings.json</a:t>
+            </a:r>
+            <a:r>
+              <a:rPr lang="en-US" sz="1400" dirty="0">
+                <a:solidFill>
+                  <a:srgbClr val="002060"/>
+                </a:solidFill>
+                <a:latin typeface="Verdana" panose="020B0604030504040204" pitchFamily="34" charset="0"/>
+                <a:ea typeface="Verdana" panose="020B0604030504040204" pitchFamily="34" charset="0"/>
+              </a:rPr>
+              <a:t>”.</a:t>
+            </a:r>
+            <a:endParaRPr lang="en-US" sz="1400" dirty="0">
+              <a:solidFill>
+                <a:srgbClr val="0070C0"/>
+              </a:solidFill>
+              <a:latin typeface="Verdana" panose="020B0604030504040204" pitchFamily="34" charset="0"/>
+              <a:ea typeface="Verdana" panose="020B0604030504040204" pitchFamily="34" charset="0"/>
+            </a:endParaRPr>
+          </a:p>
+        </p:txBody>
+      </p:sp>
     </p:spTree>
     <p:extLst>
       <p:ext uri="{BB962C8B-B14F-4D97-AF65-F5344CB8AC3E}">
-        <p14:creationId xmlns:p14="http://schemas.microsoft.com/office/powerpoint/2010/main" val="310383154"/>
+        <p14:creationId xmlns:p14="http://schemas.microsoft.com/office/powerpoint/2010/main" val="2913591982"/>
       </p:ext>
     </p:extLst>
   </p:cSld>
@@ -5914,7 +5957,7 @@
                 <a:latin typeface="Verdana" panose="020B0604030504040204" pitchFamily="34" charset="0"/>
                 <a:ea typeface="Verdana" panose="020B0604030504040204" pitchFamily="34" charset="0"/>
               </a:rPr>
-              <a:t>Executing using IIS Express / Kestrel</a:t>
+              <a:t>Creating our Web API</a:t>
             </a:r>
             <a:endParaRPr lang="en-IN" b="1" dirty="0">
               <a:latin typeface="Verdana" panose="020B0604030504040204" pitchFamily="34" charset="0"/>
@@ -6193,12 +6236,280 @@
           </a:p>
         </p:txBody>
       </p:sp>
+      <p:sp>
+        <p:nvSpPr>
+          <p:cNvPr id="11" name="Rectangle 10">
+            <a:extLst>
+              <a:ext uri="{FF2B5EF4-FFF2-40B4-BE49-F238E27FC236}">
+                <a16:creationId xmlns:a16="http://schemas.microsoft.com/office/drawing/2014/main" id="{F60D9B38-5067-4841-9B4A-CE7786A2CB4A}"/>
+              </a:ext>
+            </a:extLst>
+          </p:cNvPr>
+          <p:cNvSpPr/>
+          <p:nvPr/>
+        </p:nvSpPr>
+        <p:spPr>
+          <a:xfrm>
+            <a:off x="759341" y="588106"/>
+            <a:ext cx="10637849" cy="5236690"/>
+          </a:xfrm>
+          <a:prstGeom prst="rect">
+            <a:avLst/>
+          </a:prstGeom>
+          <a:noFill/>
+        </p:spPr>
+        <p:txBody>
+          <a:bodyPr wrap="none" lIns="91440" tIns="45720" rIns="91440" bIns="45720">
+            <a:spAutoFit/>
+          </a:bodyPr>
+          <a:lstStyle/>
+          <a:p>
+            <a:pPr algn="ctr"/>
+            <a:r>
+              <a:rPr lang="en-US" sz="8800" b="1" cap="none" spc="0" dirty="0">
+                <a:ln w="9525">
+                  <a:solidFill>
+                    <a:schemeClr val="bg1"/>
+                  </a:solidFill>
+                  <a:prstDash val="solid"/>
+                </a:ln>
+                <a:solidFill>
+                  <a:schemeClr val="accent5"/>
+                </a:solidFill>
+                <a:effectLst>
+                  <a:outerShdw blurRad="12700" dist="38100" dir="2700000" algn="tl" rotWithShape="0">
+                    <a:schemeClr val="accent5">
+                      <a:lumMod val="60000"/>
+                      <a:lumOff val="40000"/>
+                    </a:schemeClr>
+                  </a:outerShdw>
+                </a:effectLst>
+                <a:latin typeface="Verdana" panose="020B0604030504040204" pitchFamily="34" charset="0"/>
+                <a:ea typeface="Verdana" panose="020B0604030504040204" pitchFamily="34" charset="0"/>
+              </a:rPr>
+              <a:t>Demo</a:t>
+            </a:r>
+          </a:p>
+          <a:p>
+            <a:pPr marL="1371600" indent="-1371600" algn="ctr">
+              <a:buAutoNum type="arabicPeriod"/>
+            </a:pPr>
+            <a:endParaRPr lang="en-US" sz="4000" b="1" cap="none" spc="0" dirty="0">
+              <a:ln w="9525">
+                <a:solidFill>
+                  <a:schemeClr val="bg1"/>
+                </a:solidFill>
+                <a:prstDash val="solid"/>
+              </a:ln>
+              <a:solidFill>
+                <a:schemeClr val="accent5"/>
+              </a:solidFill>
+              <a:effectLst>
+                <a:outerShdw blurRad="12700" dist="38100" dir="2700000" algn="tl" rotWithShape="0">
+                  <a:schemeClr val="accent5">
+                    <a:lumMod val="60000"/>
+                    <a:lumOff val="40000"/>
+                  </a:schemeClr>
+                </a:outerShdw>
+              </a:effectLst>
+              <a:latin typeface="Verdana" panose="020B0604030504040204" pitchFamily="34" charset="0"/>
+              <a:ea typeface="Verdana" panose="020B0604030504040204" pitchFamily="34" charset="0"/>
+            </a:endParaRPr>
+          </a:p>
+          <a:p>
+            <a:pPr algn="ctr">
+              <a:lnSpc>
+                <a:spcPct val="150000"/>
+              </a:lnSpc>
+            </a:pPr>
+            <a:r>
+              <a:rPr lang="en-US" sz="4800" b="1" dirty="0">
+                <a:ln w="9525">
+                  <a:solidFill>
+                    <a:schemeClr val="bg1"/>
+                  </a:solidFill>
+                  <a:prstDash val="solid"/>
+                </a:ln>
+                <a:solidFill>
+                  <a:schemeClr val="accent5"/>
+                </a:solidFill>
+                <a:effectLst>
+                  <a:outerShdw blurRad="12700" dist="38100" dir="2700000" algn="tl" rotWithShape="0">
+                    <a:schemeClr val="accent5">
+                      <a:lumMod val="60000"/>
+                      <a:lumOff val="40000"/>
+                    </a:schemeClr>
+                  </a:outerShdw>
+                </a:effectLst>
+                <a:latin typeface="Verdana" panose="020B0604030504040204" pitchFamily="34" charset="0"/>
+                <a:ea typeface="Verdana" panose="020B0604030504040204" pitchFamily="34" charset="0"/>
+              </a:rPr>
+              <a:t>Executing Web </a:t>
+            </a:r>
+            <a:r>
+              <a:rPr lang="en-US" sz="4800" b="1" dirty="0" err="1">
+                <a:ln w="9525">
+                  <a:solidFill>
+                    <a:schemeClr val="bg1"/>
+                  </a:solidFill>
+                  <a:prstDash val="solid"/>
+                </a:ln>
+                <a:solidFill>
+                  <a:schemeClr val="accent5"/>
+                </a:solidFill>
+                <a:effectLst>
+                  <a:outerShdw blurRad="12700" dist="38100" dir="2700000" algn="tl" rotWithShape="0">
+                    <a:schemeClr val="accent5">
+                      <a:lumMod val="60000"/>
+                      <a:lumOff val="40000"/>
+                    </a:schemeClr>
+                  </a:outerShdw>
+                </a:effectLst>
+                <a:latin typeface="Verdana" panose="020B0604030504040204" pitchFamily="34" charset="0"/>
+                <a:ea typeface="Verdana" panose="020B0604030504040204" pitchFamily="34" charset="0"/>
+              </a:rPr>
+              <a:t>Api</a:t>
+            </a:r>
+            <a:r>
+              <a:rPr lang="en-US" sz="4800" b="1" dirty="0">
+                <a:ln w="9525">
+                  <a:solidFill>
+                    <a:schemeClr val="bg1"/>
+                  </a:solidFill>
+                  <a:prstDash val="solid"/>
+                </a:ln>
+                <a:solidFill>
+                  <a:schemeClr val="accent5"/>
+                </a:solidFill>
+                <a:effectLst>
+                  <a:outerShdw blurRad="12700" dist="38100" dir="2700000" algn="tl" rotWithShape="0">
+                    <a:schemeClr val="accent5">
+                      <a:lumMod val="60000"/>
+                      <a:lumOff val="40000"/>
+                    </a:schemeClr>
+                  </a:outerShdw>
+                </a:effectLst>
+                <a:latin typeface="Verdana" panose="020B0604030504040204" pitchFamily="34" charset="0"/>
+                <a:ea typeface="Verdana" panose="020B0604030504040204" pitchFamily="34" charset="0"/>
+              </a:rPr>
+              <a:t> using </a:t>
+            </a:r>
+          </a:p>
+          <a:p>
+            <a:pPr algn="ctr">
+              <a:lnSpc>
+                <a:spcPct val="150000"/>
+              </a:lnSpc>
+            </a:pPr>
+            <a:r>
+              <a:rPr lang="en-US" sz="4800" b="1" dirty="0">
+                <a:ln w="9525">
+                  <a:solidFill>
+                    <a:schemeClr val="bg1"/>
+                  </a:solidFill>
+                  <a:prstDash val="solid"/>
+                </a:ln>
+                <a:solidFill>
+                  <a:schemeClr val="accent5"/>
+                </a:solidFill>
+                <a:effectLst>
+                  <a:outerShdw blurRad="12700" dist="38100" dir="2700000" algn="tl" rotWithShape="0">
+                    <a:schemeClr val="accent5">
+                      <a:lumMod val="60000"/>
+                      <a:lumOff val="40000"/>
+                    </a:schemeClr>
+                  </a:outerShdw>
+                </a:effectLst>
+                <a:latin typeface="Verdana" panose="020B0604030504040204" pitchFamily="34" charset="0"/>
+                <a:ea typeface="Verdana" panose="020B0604030504040204" pitchFamily="34" charset="0"/>
+              </a:rPr>
+              <a:t>IIS Express, and Kestrel</a:t>
+            </a:r>
+          </a:p>
+          <a:p>
+            <a:pPr algn="ctr">
+              <a:lnSpc>
+                <a:spcPct val="150000"/>
+              </a:lnSpc>
+            </a:pPr>
+            <a:r>
+              <a:rPr lang="en-US" sz="4800" b="1" dirty="0">
+                <a:ln w="9525">
+                  <a:solidFill>
+                    <a:schemeClr val="bg1"/>
+                  </a:solidFill>
+                  <a:prstDash val="solid"/>
+                </a:ln>
+                <a:solidFill>
+                  <a:schemeClr val="accent5"/>
+                </a:solidFill>
+                <a:effectLst>
+                  <a:outerShdw blurRad="12700" dist="38100" dir="2700000" algn="tl" rotWithShape="0">
+                    <a:schemeClr val="accent5">
+                      <a:lumMod val="60000"/>
+                      <a:lumOff val="40000"/>
+                    </a:schemeClr>
+                  </a:outerShdw>
+                </a:effectLst>
+                <a:latin typeface="Verdana" panose="020B0604030504040204" pitchFamily="34" charset="0"/>
+                <a:ea typeface="Verdana" panose="020B0604030504040204" pitchFamily="34" charset="0"/>
+              </a:rPr>
+              <a:t>Modifying </a:t>
+            </a:r>
+            <a:r>
+              <a:rPr lang="en-US" sz="4800" b="1" dirty="0" err="1">
+                <a:ln w="9525">
+                  <a:solidFill>
+                    <a:schemeClr val="bg1"/>
+                  </a:solidFill>
+                  <a:prstDash val="solid"/>
+                </a:ln>
+                <a:solidFill>
+                  <a:schemeClr val="accent5"/>
+                </a:solidFill>
+                <a:effectLst>
+                  <a:outerShdw blurRad="12700" dist="38100" dir="2700000" algn="tl" rotWithShape="0">
+                    <a:schemeClr val="accent5">
+                      <a:lumMod val="60000"/>
+                      <a:lumOff val="40000"/>
+                    </a:schemeClr>
+                  </a:outerShdw>
+                </a:effectLst>
+                <a:latin typeface="Verdana" panose="020B0604030504040204" pitchFamily="34" charset="0"/>
+                <a:ea typeface="Verdana" panose="020B0604030504040204" pitchFamily="34" charset="0"/>
+              </a:rPr>
+              <a:t>launchSettings.json</a:t>
+            </a:r>
+            <a:endParaRPr lang="en-US" sz="4800" b="1" dirty="0">
+              <a:ln w="9525">
+                <a:solidFill>
+                  <a:schemeClr val="bg1"/>
+                </a:solidFill>
+                <a:prstDash val="solid"/>
+              </a:ln>
+              <a:solidFill>
+                <a:schemeClr val="accent5"/>
+              </a:solidFill>
+              <a:effectLst>
+                <a:outerShdw blurRad="12700" dist="38100" dir="2700000" algn="tl" rotWithShape="0">
+                  <a:schemeClr val="accent5">
+                    <a:lumMod val="60000"/>
+                    <a:lumOff val="40000"/>
+                  </a:schemeClr>
+                </a:outerShdw>
+              </a:effectLst>
+              <a:latin typeface="Verdana" panose="020B0604030504040204" pitchFamily="34" charset="0"/>
+              <a:ea typeface="Verdana" panose="020B0604030504040204" pitchFamily="34" charset="0"/>
+            </a:endParaRPr>
+          </a:p>
+        </p:txBody>
+      </p:sp>
       <p:pic>
         <p:nvPicPr>
-          <p:cNvPr id="11" name="Picture 10">
-            <a:extLst>
-              <a:ext uri="{FF2B5EF4-FFF2-40B4-BE49-F238E27FC236}">
-                <a16:creationId xmlns:a16="http://schemas.microsoft.com/office/drawing/2014/main" id="{BAFAC024-A197-4E14-81E6-8E7B8CCD3120}"/>
+          <p:cNvPr id="10" name="Picture 9">
+            <a:extLst>
+              <a:ext uri="{FF2B5EF4-FFF2-40B4-BE49-F238E27FC236}">
+                <a16:creationId xmlns:a16="http://schemas.microsoft.com/office/drawing/2014/main" id="{8C5DE781-E3CB-4111-9997-7D34C7E0D6CA}"/>
               </a:ext>
             </a:extLst>
           </p:cNvPr>
@@ -6221,7 +6532,7 @@
         </p:blipFill>
         <p:spPr>
           <a:xfrm>
-            <a:off x="189019" y="6488466"/>
+            <a:off x="189019" y="6497344"/>
             <a:ext cx="1905000" cy="342900"/>
           </a:xfrm>
           <a:prstGeom prst="rect">
@@ -6229,139 +6540,10 @@
           </a:prstGeom>
         </p:spPr>
       </p:pic>
-      <p:pic>
-        <p:nvPicPr>
-          <p:cNvPr id="2" name="Picture 1">
-            <a:extLst>
-              <a:ext uri="{FF2B5EF4-FFF2-40B4-BE49-F238E27FC236}">
-                <a16:creationId xmlns:a16="http://schemas.microsoft.com/office/drawing/2014/main" id="{E1DC4E16-504D-47E6-9FB7-33389A025185}"/>
-              </a:ext>
-            </a:extLst>
-          </p:cNvPr>
-          <p:cNvPicPr>
-            <a:picLocks noChangeAspect="1"/>
-          </p:cNvPicPr>
-          <p:nvPr/>
-        </p:nvPicPr>
-        <p:blipFill>
-          <a:blip r:embed="rId3"/>
-          <a:stretch>
-            <a:fillRect/>
-          </a:stretch>
-        </p:blipFill>
-        <p:spPr>
-          <a:xfrm>
-            <a:off x="71750" y="1269507"/>
-            <a:ext cx="12055147" cy="5055836"/>
-          </a:xfrm>
-          <a:prstGeom prst="rect">
-            <a:avLst/>
-          </a:prstGeom>
-          <a:ln>
-            <a:solidFill>
-              <a:schemeClr val="accent1"/>
-            </a:solidFill>
-          </a:ln>
-        </p:spPr>
-      </p:pic>
-      <p:sp>
-        <p:nvSpPr>
-          <p:cNvPr id="13" name="TextBox 12">
-            <a:extLst>
-              <a:ext uri="{FF2B5EF4-FFF2-40B4-BE49-F238E27FC236}">
-                <a16:creationId xmlns:a16="http://schemas.microsoft.com/office/drawing/2014/main" id="{AB92CE2C-8CD0-4815-A6DE-913E185548B6}"/>
-              </a:ext>
-            </a:extLst>
-          </p:cNvPr>
-          <p:cNvSpPr txBox="1"/>
-          <p:nvPr/>
-        </p:nvSpPr>
-        <p:spPr>
-          <a:xfrm>
-            <a:off x="80629" y="557824"/>
-            <a:ext cx="12037390" cy="695127"/>
-          </a:xfrm>
-          <a:prstGeom prst="rect">
-            <a:avLst/>
-          </a:prstGeom>
-          <a:noFill/>
-        </p:spPr>
-        <p:txBody>
-          <a:bodyPr wrap="square" rtlCol="0">
-            <a:spAutoFit/>
-          </a:bodyPr>
-          <a:lstStyle/>
-          <a:p>
-            <a:pPr marL="171450" indent="-171450">
-              <a:lnSpc>
-                <a:spcPct val="150000"/>
-              </a:lnSpc>
-              <a:buFont typeface="Wingdings" panose="05000000000000000000" pitchFamily="2" charset="2"/>
-              <a:buChar char="Ø"/>
-            </a:pPr>
-            <a:r>
-              <a:rPr lang="en-US" sz="1400" dirty="0">
-                <a:solidFill>
-                  <a:srgbClr val="002060"/>
-                </a:solidFill>
-                <a:latin typeface="Verdana" panose="020B0604030504040204" pitchFamily="34" charset="0"/>
-                <a:ea typeface="Verdana" panose="020B0604030504040204" pitchFamily="34" charset="0"/>
-              </a:rPr>
-              <a:t>Executing the Web API using IIS Express and Kestrel.</a:t>
-            </a:r>
-          </a:p>
-          <a:p>
-            <a:pPr marL="171450" indent="-171450">
-              <a:lnSpc>
-                <a:spcPct val="150000"/>
-              </a:lnSpc>
-              <a:buFont typeface="Wingdings" panose="05000000000000000000" pitchFamily="2" charset="2"/>
-              <a:buChar char="Ø"/>
-            </a:pPr>
-            <a:r>
-              <a:rPr lang="en-US" sz="1400" dirty="0">
-                <a:solidFill>
-                  <a:srgbClr val="002060"/>
-                </a:solidFill>
-                <a:latin typeface="Verdana" panose="020B0604030504040204" pitchFamily="34" charset="0"/>
-                <a:ea typeface="Verdana" panose="020B0604030504040204" pitchFamily="34" charset="0"/>
-              </a:rPr>
-              <a:t>Modifying the “</a:t>
-            </a:r>
-            <a:r>
-              <a:rPr lang="en-US" sz="1400" dirty="0" err="1">
-                <a:solidFill>
-                  <a:srgbClr val="002060"/>
-                </a:solidFill>
-                <a:latin typeface="Verdana" panose="020B0604030504040204" pitchFamily="34" charset="0"/>
-                <a:ea typeface="Verdana" panose="020B0604030504040204" pitchFamily="34" charset="0"/>
-              </a:rPr>
-              <a:t>launchSettings.json</a:t>
-            </a:r>
-            <a:r>
-              <a:rPr lang="en-US" sz="1400" dirty="0">
-                <a:solidFill>
-                  <a:srgbClr val="002060"/>
-                </a:solidFill>
-                <a:latin typeface="Verdana" panose="020B0604030504040204" pitchFamily="34" charset="0"/>
-                <a:ea typeface="Verdana" panose="020B0604030504040204" pitchFamily="34" charset="0"/>
-              </a:rPr>
-              <a:t>”.</a:t>
-            </a:r>
-            <a:endParaRPr lang="en-US" sz="1400" dirty="0">
-              <a:solidFill>
-                <a:srgbClr val="0070C0"/>
-              </a:solidFill>
-              <a:latin typeface="Verdana" panose="020B0604030504040204" pitchFamily="34" charset="0"/>
-              <a:ea typeface="Verdana" panose="020B0604030504040204" pitchFamily="34" charset="0"/>
-            </a:endParaRPr>
-          </a:p>
-        </p:txBody>
-      </p:sp>
     </p:spTree>
     <p:extLst>
       <p:ext uri="{BB962C8B-B14F-4D97-AF65-F5344CB8AC3E}">
-        <p14:creationId xmlns:p14="http://schemas.microsoft.com/office/powerpoint/2010/main" val="2913591982"/>
+        <p14:creationId xmlns:p14="http://schemas.microsoft.com/office/powerpoint/2010/main" val="990809182"/>
       </p:ext>
     </p:extLst>
   </p:cSld>
@@ -6438,7 +6620,7 @@
                 <a:latin typeface="Verdana" panose="020B0604030504040204" pitchFamily="34" charset="0"/>
                 <a:ea typeface="Verdana" panose="020B0604030504040204" pitchFamily="34" charset="0"/>
               </a:rPr>
-              <a:t>Creating our Web API</a:t>
+              <a:t>Building Professors Controller</a:t>
             </a:r>
             <a:endParaRPr lang="en-IN" b="1" dirty="0">
               <a:latin typeface="Verdana" panose="020B0604030504040204" pitchFamily="34" charset="0"/>
@@ -6717,280 +6899,12 @@
           </a:p>
         </p:txBody>
       </p:sp>
-      <p:sp>
-        <p:nvSpPr>
-          <p:cNvPr id="11" name="Rectangle 10">
-            <a:extLst>
-              <a:ext uri="{FF2B5EF4-FFF2-40B4-BE49-F238E27FC236}">
-                <a16:creationId xmlns:a16="http://schemas.microsoft.com/office/drawing/2014/main" id="{F60D9B38-5067-4841-9B4A-CE7786A2CB4A}"/>
-              </a:ext>
-            </a:extLst>
-          </p:cNvPr>
-          <p:cNvSpPr/>
-          <p:nvPr/>
-        </p:nvSpPr>
-        <p:spPr>
-          <a:xfrm>
-            <a:off x="759341" y="588106"/>
-            <a:ext cx="10637849" cy="5236690"/>
-          </a:xfrm>
-          <a:prstGeom prst="rect">
-            <a:avLst/>
-          </a:prstGeom>
-          <a:noFill/>
-        </p:spPr>
-        <p:txBody>
-          <a:bodyPr wrap="none" lIns="91440" tIns="45720" rIns="91440" bIns="45720">
-            <a:spAutoFit/>
-          </a:bodyPr>
-          <a:lstStyle/>
-          <a:p>
-            <a:pPr algn="ctr"/>
-            <a:r>
-              <a:rPr lang="en-US" sz="8800" b="1" cap="none" spc="0" dirty="0">
-                <a:ln w="9525">
-                  <a:solidFill>
-                    <a:schemeClr val="bg1"/>
-                  </a:solidFill>
-                  <a:prstDash val="solid"/>
-                </a:ln>
-                <a:solidFill>
-                  <a:schemeClr val="accent5"/>
-                </a:solidFill>
-                <a:effectLst>
-                  <a:outerShdw blurRad="12700" dist="38100" dir="2700000" algn="tl" rotWithShape="0">
-                    <a:schemeClr val="accent5">
-                      <a:lumMod val="60000"/>
-                      <a:lumOff val="40000"/>
-                    </a:schemeClr>
-                  </a:outerShdw>
-                </a:effectLst>
-                <a:latin typeface="Verdana" panose="020B0604030504040204" pitchFamily="34" charset="0"/>
-                <a:ea typeface="Verdana" panose="020B0604030504040204" pitchFamily="34" charset="0"/>
-              </a:rPr>
-              <a:t>Demo</a:t>
-            </a:r>
-          </a:p>
-          <a:p>
-            <a:pPr marL="1371600" indent="-1371600" algn="ctr">
-              <a:buAutoNum type="arabicPeriod"/>
-            </a:pPr>
-            <a:endParaRPr lang="en-US" sz="4000" b="1" cap="none" spc="0" dirty="0">
-              <a:ln w="9525">
-                <a:solidFill>
-                  <a:schemeClr val="bg1"/>
-                </a:solidFill>
-                <a:prstDash val="solid"/>
-              </a:ln>
-              <a:solidFill>
-                <a:schemeClr val="accent5"/>
-              </a:solidFill>
-              <a:effectLst>
-                <a:outerShdw blurRad="12700" dist="38100" dir="2700000" algn="tl" rotWithShape="0">
-                  <a:schemeClr val="accent5">
-                    <a:lumMod val="60000"/>
-                    <a:lumOff val="40000"/>
-                  </a:schemeClr>
-                </a:outerShdw>
-              </a:effectLst>
-              <a:latin typeface="Verdana" panose="020B0604030504040204" pitchFamily="34" charset="0"/>
-              <a:ea typeface="Verdana" panose="020B0604030504040204" pitchFamily="34" charset="0"/>
-            </a:endParaRPr>
-          </a:p>
-          <a:p>
-            <a:pPr algn="ctr">
-              <a:lnSpc>
-                <a:spcPct val="150000"/>
-              </a:lnSpc>
-            </a:pPr>
-            <a:r>
-              <a:rPr lang="en-US" sz="4800" b="1" dirty="0">
-                <a:ln w="9525">
-                  <a:solidFill>
-                    <a:schemeClr val="bg1"/>
-                  </a:solidFill>
-                  <a:prstDash val="solid"/>
-                </a:ln>
-                <a:solidFill>
-                  <a:schemeClr val="accent5"/>
-                </a:solidFill>
-                <a:effectLst>
-                  <a:outerShdw blurRad="12700" dist="38100" dir="2700000" algn="tl" rotWithShape="0">
-                    <a:schemeClr val="accent5">
-                      <a:lumMod val="60000"/>
-                      <a:lumOff val="40000"/>
-                    </a:schemeClr>
-                  </a:outerShdw>
-                </a:effectLst>
-                <a:latin typeface="Verdana" panose="020B0604030504040204" pitchFamily="34" charset="0"/>
-                <a:ea typeface="Verdana" panose="020B0604030504040204" pitchFamily="34" charset="0"/>
-              </a:rPr>
-              <a:t>Executing Web </a:t>
-            </a:r>
-            <a:r>
-              <a:rPr lang="en-US" sz="4800" b="1" dirty="0" err="1">
-                <a:ln w="9525">
-                  <a:solidFill>
-                    <a:schemeClr val="bg1"/>
-                  </a:solidFill>
-                  <a:prstDash val="solid"/>
-                </a:ln>
-                <a:solidFill>
-                  <a:schemeClr val="accent5"/>
-                </a:solidFill>
-                <a:effectLst>
-                  <a:outerShdw blurRad="12700" dist="38100" dir="2700000" algn="tl" rotWithShape="0">
-                    <a:schemeClr val="accent5">
-                      <a:lumMod val="60000"/>
-                      <a:lumOff val="40000"/>
-                    </a:schemeClr>
-                  </a:outerShdw>
-                </a:effectLst>
-                <a:latin typeface="Verdana" panose="020B0604030504040204" pitchFamily="34" charset="0"/>
-                <a:ea typeface="Verdana" panose="020B0604030504040204" pitchFamily="34" charset="0"/>
-              </a:rPr>
-              <a:t>Api</a:t>
-            </a:r>
-            <a:r>
-              <a:rPr lang="en-US" sz="4800" b="1" dirty="0">
-                <a:ln w="9525">
-                  <a:solidFill>
-                    <a:schemeClr val="bg1"/>
-                  </a:solidFill>
-                  <a:prstDash val="solid"/>
-                </a:ln>
-                <a:solidFill>
-                  <a:schemeClr val="accent5"/>
-                </a:solidFill>
-                <a:effectLst>
-                  <a:outerShdw blurRad="12700" dist="38100" dir="2700000" algn="tl" rotWithShape="0">
-                    <a:schemeClr val="accent5">
-                      <a:lumMod val="60000"/>
-                      <a:lumOff val="40000"/>
-                    </a:schemeClr>
-                  </a:outerShdw>
-                </a:effectLst>
-                <a:latin typeface="Verdana" panose="020B0604030504040204" pitchFamily="34" charset="0"/>
-                <a:ea typeface="Verdana" panose="020B0604030504040204" pitchFamily="34" charset="0"/>
-              </a:rPr>
-              <a:t> using </a:t>
-            </a:r>
-          </a:p>
-          <a:p>
-            <a:pPr algn="ctr">
-              <a:lnSpc>
-                <a:spcPct val="150000"/>
-              </a:lnSpc>
-            </a:pPr>
-            <a:r>
-              <a:rPr lang="en-US" sz="4800" b="1" dirty="0">
-                <a:ln w="9525">
-                  <a:solidFill>
-                    <a:schemeClr val="bg1"/>
-                  </a:solidFill>
-                  <a:prstDash val="solid"/>
-                </a:ln>
-                <a:solidFill>
-                  <a:schemeClr val="accent5"/>
-                </a:solidFill>
-                <a:effectLst>
-                  <a:outerShdw blurRad="12700" dist="38100" dir="2700000" algn="tl" rotWithShape="0">
-                    <a:schemeClr val="accent5">
-                      <a:lumMod val="60000"/>
-                      <a:lumOff val="40000"/>
-                    </a:schemeClr>
-                  </a:outerShdw>
-                </a:effectLst>
-                <a:latin typeface="Verdana" panose="020B0604030504040204" pitchFamily="34" charset="0"/>
-                <a:ea typeface="Verdana" panose="020B0604030504040204" pitchFamily="34" charset="0"/>
-              </a:rPr>
-              <a:t>IIS Express, and Kestrel</a:t>
-            </a:r>
-          </a:p>
-          <a:p>
-            <a:pPr algn="ctr">
-              <a:lnSpc>
-                <a:spcPct val="150000"/>
-              </a:lnSpc>
-            </a:pPr>
-            <a:r>
-              <a:rPr lang="en-US" sz="4800" b="1" dirty="0">
-                <a:ln w="9525">
-                  <a:solidFill>
-                    <a:schemeClr val="bg1"/>
-                  </a:solidFill>
-                  <a:prstDash val="solid"/>
-                </a:ln>
-                <a:solidFill>
-                  <a:schemeClr val="accent5"/>
-                </a:solidFill>
-                <a:effectLst>
-                  <a:outerShdw blurRad="12700" dist="38100" dir="2700000" algn="tl" rotWithShape="0">
-                    <a:schemeClr val="accent5">
-                      <a:lumMod val="60000"/>
-                      <a:lumOff val="40000"/>
-                    </a:schemeClr>
-                  </a:outerShdw>
-                </a:effectLst>
-                <a:latin typeface="Verdana" panose="020B0604030504040204" pitchFamily="34" charset="0"/>
-                <a:ea typeface="Verdana" panose="020B0604030504040204" pitchFamily="34" charset="0"/>
-              </a:rPr>
-              <a:t>Modifying </a:t>
-            </a:r>
-            <a:r>
-              <a:rPr lang="en-US" sz="4800" b="1" dirty="0" err="1">
-                <a:ln w="9525">
-                  <a:solidFill>
-                    <a:schemeClr val="bg1"/>
-                  </a:solidFill>
-                  <a:prstDash val="solid"/>
-                </a:ln>
-                <a:solidFill>
-                  <a:schemeClr val="accent5"/>
-                </a:solidFill>
-                <a:effectLst>
-                  <a:outerShdw blurRad="12700" dist="38100" dir="2700000" algn="tl" rotWithShape="0">
-                    <a:schemeClr val="accent5">
-                      <a:lumMod val="60000"/>
-                      <a:lumOff val="40000"/>
-                    </a:schemeClr>
-                  </a:outerShdw>
-                </a:effectLst>
-                <a:latin typeface="Verdana" panose="020B0604030504040204" pitchFamily="34" charset="0"/>
-                <a:ea typeface="Verdana" panose="020B0604030504040204" pitchFamily="34" charset="0"/>
-              </a:rPr>
-              <a:t>launchSettings.json</a:t>
-            </a:r>
-            <a:endParaRPr lang="en-US" sz="4800" b="1" dirty="0">
-              <a:ln w="9525">
-                <a:solidFill>
-                  <a:schemeClr val="bg1"/>
-                </a:solidFill>
-                <a:prstDash val="solid"/>
-              </a:ln>
-              <a:solidFill>
-                <a:schemeClr val="accent5"/>
-              </a:solidFill>
-              <a:effectLst>
-                <a:outerShdw blurRad="12700" dist="38100" dir="2700000" algn="tl" rotWithShape="0">
-                  <a:schemeClr val="accent5">
-                    <a:lumMod val="60000"/>
-                    <a:lumOff val="40000"/>
-                  </a:schemeClr>
-                </a:outerShdw>
-              </a:effectLst>
-              <a:latin typeface="Verdana" panose="020B0604030504040204" pitchFamily="34" charset="0"/>
-              <a:ea typeface="Verdana" panose="020B0604030504040204" pitchFamily="34" charset="0"/>
-            </a:endParaRPr>
-          </a:p>
-        </p:txBody>
-      </p:sp>
       <p:pic>
         <p:nvPicPr>
-          <p:cNvPr id="10" name="Picture 9">
-            <a:extLst>
-              <a:ext uri="{FF2B5EF4-FFF2-40B4-BE49-F238E27FC236}">
-                <a16:creationId xmlns:a16="http://schemas.microsoft.com/office/drawing/2014/main" id="{8C5DE781-E3CB-4111-9997-7D34C7E0D6CA}"/>
+          <p:cNvPr id="11" name="Picture 10">
+            <a:extLst>
+              <a:ext uri="{FF2B5EF4-FFF2-40B4-BE49-F238E27FC236}">
+                <a16:creationId xmlns:a16="http://schemas.microsoft.com/office/drawing/2014/main" id="{BAFAC024-A197-4E14-81E6-8E7B8CCD3120}"/>
               </a:ext>
             </a:extLst>
           </p:cNvPr>
@@ -7013,18 +6927,53 @@
         </p:blipFill>
         <p:spPr>
           <a:xfrm>
-            <a:off x="189019" y="6497344"/>
+            <a:off x="189019" y="6488466"/>
             <a:ext cx="1905000" cy="342900"/>
           </a:xfrm>
           <a:prstGeom prst="rect">
             <a:avLst/>
           </a:prstGeom>
+        </p:spPr>
+      </p:pic>
+      <p:pic>
+        <p:nvPicPr>
+          <p:cNvPr id="2" name="Picture 1">
+            <a:extLst>
+              <a:ext uri="{FF2B5EF4-FFF2-40B4-BE49-F238E27FC236}">
+                <a16:creationId xmlns:a16="http://schemas.microsoft.com/office/drawing/2014/main" id="{BB4993D0-F075-4F0C-9AFC-65A4DD45C788}"/>
+              </a:ext>
+            </a:extLst>
+          </p:cNvPr>
+          <p:cNvPicPr>
+            <a:picLocks noChangeAspect="1"/>
+          </p:cNvPicPr>
+          <p:nvPr/>
+        </p:nvPicPr>
+        <p:blipFill>
+          <a:blip r:embed="rId3"/>
+          <a:stretch>
+            <a:fillRect/>
+          </a:stretch>
+        </p:blipFill>
+        <p:spPr>
+          <a:xfrm>
+            <a:off x="79897" y="568170"/>
+            <a:ext cx="12040347" cy="5758281"/>
+          </a:xfrm>
+          <a:prstGeom prst="rect">
+            <a:avLst/>
+          </a:prstGeom>
+          <a:ln>
+            <a:solidFill>
+              <a:schemeClr val="accent1"/>
+            </a:solidFill>
+          </a:ln>
         </p:spPr>
       </p:pic>
     </p:spTree>
     <p:extLst>
       <p:ext uri="{BB962C8B-B14F-4D97-AF65-F5344CB8AC3E}">
-        <p14:creationId xmlns:p14="http://schemas.microsoft.com/office/powerpoint/2010/main" val="990809182"/>
+        <p14:creationId xmlns:p14="http://schemas.microsoft.com/office/powerpoint/2010/main" val="4240994765"/>
       </p:ext>
     </p:extLst>
   </p:cSld>
@@ -7101,7 +7050,7 @@
                 <a:latin typeface="Verdana" panose="020B0604030504040204" pitchFamily="34" charset="0"/>
                 <a:ea typeface="Verdana" panose="020B0604030504040204" pitchFamily="34" charset="0"/>
               </a:rPr>
-              <a:t>Building Professors Controller</a:t>
+              <a:t>Postman Tool and creating Postman Collections</a:t>
             </a:r>
             <a:endParaRPr lang="en-IN" b="1" dirty="0">
               <a:latin typeface="Verdana" panose="020B0604030504040204" pitchFamily="34" charset="0"/>
@@ -7421,7 +7370,7 @@
           <p:cNvPr id="2" name="Picture 1">
             <a:extLst>
               <a:ext uri="{FF2B5EF4-FFF2-40B4-BE49-F238E27FC236}">
-                <a16:creationId xmlns:a16="http://schemas.microsoft.com/office/drawing/2014/main" id="{BB4993D0-F075-4F0C-9AFC-65A4DD45C788}"/>
+                <a16:creationId xmlns:a16="http://schemas.microsoft.com/office/drawing/2014/main" id="{124A4EA7-92F1-4FF7-84B3-F70EA4560122}"/>
               </a:ext>
             </a:extLst>
           </p:cNvPr>
@@ -7438,8 +7387,8 @@
         </p:blipFill>
         <p:spPr>
           <a:xfrm>
-            <a:off x="79897" y="568170"/>
-            <a:ext cx="12040347" cy="5758281"/>
+            <a:off x="71750" y="580964"/>
+            <a:ext cx="12058103" cy="5696661"/>
           </a:xfrm>
           <a:prstGeom prst="rect">
             <a:avLst/>
@@ -7454,7 +7403,7 @@
     </p:spTree>
     <p:extLst>
       <p:ext uri="{BB962C8B-B14F-4D97-AF65-F5344CB8AC3E}">
-        <p14:creationId xmlns:p14="http://schemas.microsoft.com/office/powerpoint/2010/main" val="4240994765"/>
+        <p14:creationId xmlns:p14="http://schemas.microsoft.com/office/powerpoint/2010/main" val="2094961212"/>
       </p:ext>
     </p:extLst>
   </p:cSld>
@@ -7483,10 +7432,10 @@
       </p:grpSpPr>
       <p:sp>
         <p:nvSpPr>
-          <p:cNvPr id="4" name="Rectangle 3">
-            <a:extLst>
-              <a:ext uri="{FF2B5EF4-FFF2-40B4-BE49-F238E27FC236}">
-                <a16:creationId xmlns:a16="http://schemas.microsoft.com/office/drawing/2014/main" id="{055C22F7-3FD1-4C1B-8D0C-0C2F7FB61DBE}"/>
+          <p:cNvPr id="4" name="Flowchart: Magnetic Disk 3">
+            <a:extLst>
+              <a:ext uri="{FF2B5EF4-FFF2-40B4-BE49-F238E27FC236}">
+                <a16:creationId xmlns:a16="http://schemas.microsoft.com/office/drawing/2014/main" id="{D0F09A51-AE65-4559-AB47-503A749B2A20}"/>
               </a:ext>
             </a:extLst>
           </p:cNvPr>
@@ -7495,14 +7444,14 @@
         </p:nvSpPr>
         <p:spPr>
           <a:xfrm>
-            <a:off x="0" y="8878"/>
-            <a:ext cx="12183122" cy="497150"/>
-          </a:xfrm>
-          <a:prstGeom prst="rect">
+            <a:off x="8637973" y="2858610"/>
+            <a:ext cx="914400" cy="1322773"/>
+          </a:xfrm>
+          <a:prstGeom prst="flowChartMagneticDisk">
             <a:avLst/>
           </a:prstGeom>
           <a:solidFill>
-            <a:srgbClr val="0070C0"/>
+            <a:schemeClr val="accent4"/>
           </a:solidFill>
         </p:spPr>
         <p:style>
@@ -7527,25 +7476,18 @@
           <a:p>
             <a:pPr algn="ctr"/>
             <a:r>
-              <a:rPr lang="en-US" b="1" dirty="0">
-                <a:latin typeface="Verdana" panose="020B0604030504040204" pitchFamily="34" charset="0"/>
-                <a:ea typeface="Verdana" panose="020B0604030504040204" pitchFamily="34" charset="0"/>
-              </a:rPr>
-              <a:t>Postman Tool and creating Postman Collections</a:t>
-            </a:r>
-            <a:endParaRPr lang="en-IN" b="1" dirty="0">
-              <a:latin typeface="Verdana" panose="020B0604030504040204" pitchFamily="34" charset="0"/>
-              <a:ea typeface="Verdana" panose="020B0604030504040204" pitchFamily="34" charset="0"/>
-            </a:endParaRPr>
-          </a:p>
-        </p:txBody>
-      </p:sp>
-      <p:sp>
-        <p:nvSpPr>
-          <p:cNvPr id="7" name="Rectangle 6">
-            <a:extLst>
-              <a:ext uri="{FF2B5EF4-FFF2-40B4-BE49-F238E27FC236}">
-                <a16:creationId xmlns:a16="http://schemas.microsoft.com/office/drawing/2014/main" id="{B10720DE-FD2A-4FE5-B9FB-74854D01A659}"/>
+              <a:rPr lang="en-IN" dirty="0"/>
+              <a:t>Store</a:t>
+            </a:r>
+          </a:p>
+        </p:txBody>
+      </p:sp>
+      <p:sp>
+        <p:nvSpPr>
+          <p:cNvPr id="5" name="Rectangle: Rounded Corners 4">
+            <a:extLst>
+              <a:ext uri="{FF2B5EF4-FFF2-40B4-BE49-F238E27FC236}">
+                <a16:creationId xmlns:a16="http://schemas.microsoft.com/office/drawing/2014/main" id="{9C5720F1-7A60-47B9-A250-B82434BEF14B}"/>
               </a:ext>
             </a:extLst>
           </p:cNvPr>
@@ -7554,14 +7496,14 @@
         </p:nvSpPr>
         <p:spPr>
           <a:xfrm>
-            <a:off x="0" y="6383046"/>
-            <a:ext cx="12183122" cy="57703"/>
-          </a:xfrm>
-          <a:prstGeom prst="rect">
+            <a:off x="6800295" y="2858610"/>
+            <a:ext cx="1100831" cy="1322773"/>
+          </a:xfrm>
+          <a:prstGeom prst="roundRect">
             <a:avLst/>
           </a:prstGeom>
           <a:solidFill>
-            <a:srgbClr val="0070C0"/>
+            <a:schemeClr val="accent4"/>
           </a:solidFill>
         </p:spPr>
         <p:style>
@@ -7585,338 +7527,19 @@
           <a:lstStyle/>
           <a:p>
             <a:pPr algn="ctr"/>
-            <a:endParaRPr lang="en-IN" sz="1000" dirty="0">
-              <a:latin typeface="Verdana" panose="020B0604030504040204" pitchFamily="34" charset="0"/>
-              <a:ea typeface="Verdana" panose="020B0604030504040204" pitchFamily="34" charset="0"/>
-            </a:endParaRPr>
-          </a:p>
-        </p:txBody>
-      </p:sp>
-      <p:sp>
-        <p:nvSpPr>
-          <p:cNvPr id="8" name="Footer Placeholder 7">
-            <a:extLst>
-              <a:ext uri="{FF2B5EF4-FFF2-40B4-BE49-F238E27FC236}">
-                <a16:creationId xmlns:a16="http://schemas.microsoft.com/office/drawing/2014/main" id="{DD2A19CA-EC18-432D-8F8F-17079808F38B}"/>
-              </a:ext>
-            </a:extLst>
-          </p:cNvPr>
-          <p:cNvSpPr>
-            <a:spLocks noGrp="1"/>
-          </p:cNvSpPr>
-          <p:nvPr>
-            <p:ph type="ftr" sz="quarter" idx="11"/>
-          </p:nvPr>
-        </p:nvSpPr>
-        <p:spPr>
-          <a:xfrm>
-            <a:off x="4038600" y="6427374"/>
-            <a:ext cx="4114800" cy="365125"/>
-          </a:xfrm>
-        </p:spPr>
-        <p:txBody>
-          <a:bodyPr/>
-          <a:lstStyle/>
-          <a:p>
-            <a:r>
-              <a:rPr lang="en-IN" b="1" dirty="0">
-                <a:solidFill>
-                  <a:srgbClr val="002060"/>
-                </a:solidFill>
-                <a:latin typeface="Verdana" panose="020B0604030504040204" pitchFamily="34" charset="0"/>
-                <a:ea typeface="Verdana" panose="020B0604030504040204" pitchFamily="34" charset="0"/>
-              </a:rPr>
-              <a:t>06-Sep-2020</a:t>
-            </a:r>
-          </a:p>
-        </p:txBody>
-      </p:sp>
-      <p:sp>
-        <p:nvSpPr>
-          <p:cNvPr id="9" name="Slide Number Placeholder 8">
-            <a:extLst>
-              <a:ext uri="{FF2B5EF4-FFF2-40B4-BE49-F238E27FC236}">
-                <a16:creationId xmlns:a16="http://schemas.microsoft.com/office/drawing/2014/main" id="{8162625C-0B1F-42E0-BE7C-D99A08FED7A3}"/>
-              </a:ext>
-            </a:extLst>
-          </p:cNvPr>
-          <p:cNvSpPr>
-            <a:spLocks noGrp="1"/>
-          </p:cNvSpPr>
-          <p:nvPr>
-            <p:ph type="sldNum" sz="quarter" idx="12"/>
-          </p:nvPr>
-        </p:nvSpPr>
-        <p:spPr>
-          <a:xfrm>
-            <a:off x="8610600" y="6427374"/>
-            <a:ext cx="2743200" cy="365125"/>
-          </a:xfrm>
-        </p:spPr>
-        <p:txBody>
-          <a:bodyPr/>
-          <a:lstStyle/>
-          <a:p>
-            <a:fld id="{30AF63FB-5233-4811-A918-B572E3A55817}" type="slidenum">
-              <a:rPr lang="en-IN" b="1" smtClean="0">
-                <a:solidFill>
-                  <a:srgbClr val="002060"/>
-                </a:solidFill>
-                <a:latin typeface="Verdana" panose="020B0604030504040204" pitchFamily="34" charset="0"/>
-                <a:ea typeface="Verdana" panose="020B0604030504040204" pitchFamily="34" charset="0"/>
-              </a:rPr>
-              <a:t>16</a:t>
-            </a:fld>
-            <a:endParaRPr lang="en-IN" b="1" dirty="0">
-              <a:solidFill>
-                <a:srgbClr val="002060"/>
-              </a:solidFill>
-              <a:latin typeface="Verdana" panose="020B0604030504040204" pitchFamily="34" charset="0"/>
-              <a:ea typeface="Verdana" panose="020B0604030504040204" pitchFamily="34" charset="0"/>
-            </a:endParaRPr>
-          </a:p>
-        </p:txBody>
-      </p:sp>
-      <p:sp>
-        <p:nvSpPr>
-          <p:cNvPr id="12" name="Footer Placeholder 7">
-            <a:extLst>
-              <a:ext uri="{FF2B5EF4-FFF2-40B4-BE49-F238E27FC236}">
-                <a16:creationId xmlns:a16="http://schemas.microsoft.com/office/drawing/2014/main" id="{64C57949-E349-47D3-A505-A098233AF49D}"/>
-              </a:ext>
-            </a:extLst>
-          </p:cNvPr>
-          <p:cNvSpPr txBox="1">
-            <a:spLocks/>
-          </p:cNvSpPr>
-          <p:nvPr/>
-        </p:nvSpPr>
-        <p:spPr>
-          <a:xfrm>
-            <a:off x="133897" y="6428848"/>
-            <a:ext cx="4114800" cy="365125"/>
-          </a:xfrm>
-          <a:prstGeom prst="rect">
-            <a:avLst/>
-          </a:prstGeom>
-        </p:spPr>
-        <p:txBody>
-          <a:bodyPr vert="horz" lIns="91440" tIns="45720" rIns="91440" bIns="45720" rtlCol="0" anchor="ctr"/>
-          <a:lstStyle>
-            <a:defPPr>
-              <a:defRPr lang="en-US"/>
-            </a:defPPr>
-            <a:lvl1pPr marL="0" algn="ctr" defTabSz="914400" rtl="0" eaLnBrk="1" latinLnBrk="0" hangingPunct="1">
-              <a:defRPr sz="1200" kern="1200">
-                <a:solidFill>
-                  <a:schemeClr val="tx1">
-                    <a:tint val="75000"/>
-                  </a:schemeClr>
-                </a:solidFill>
-                <a:latin typeface="+mn-lt"/>
-                <a:ea typeface="+mn-ea"/>
-                <a:cs typeface="+mn-cs"/>
-              </a:defRPr>
-            </a:lvl1pPr>
-            <a:lvl2pPr marL="457200" algn="l" defTabSz="914400" rtl="0" eaLnBrk="1" latinLnBrk="0" hangingPunct="1">
-              <a:defRPr sz="1800" kern="1200">
-                <a:solidFill>
-                  <a:schemeClr val="tx1"/>
-                </a:solidFill>
-                <a:latin typeface="+mn-lt"/>
-                <a:ea typeface="+mn-ea"/>
-                <a:cs typeface="+mn-cs"/>
-              </a:defRPr>
-            </a:lvl2pPr>
-            <a:lvl3pPr marL="914400" algn="l" defTabSz="914400" rtl="0" eaLnBrk="1" latinLnBrk="0" hangingPunct="1">
-              <a:defRPr sz="1800" kern="1200">
-                <a:solidFill>
-                  <a:schemeClr val="tx1"/>
-                </a:solidFill>
-                <a:latin typeface="+mn-lt"/>
-                <a:ea typeface="+mn-ea"/>
-                <a:cs typeface="+mn-cs"/>
-              </a:defRPr>
-            </a:lvl3pPr>
-            <a:lvl4pPr marL="1371600" algn="l" defTabSz="914400" rtl="0" eaLnBrk="1" latinLnBrk="0" hangingPunct="1">
-              <a:defRPr sz="1800" kern="1200">
-                <a:solidFill>
-                  <a:schemeClr val="tx1"/>
-                </a:solidFill>
-                <a:latin typeface="+mn-lt"/>
-                <a:ea typeface="+mn-ea"/>
-                <a:cs typeface="+mn-cs"/>
-              </a:defRPr>
-            </a:lvl4pPr>
-            <a:lvl5pPr marL="1828800" algn="l" defTabSz="914400" rtl="0" eaLnBrk="1" latinLnBrk="0" hangingPunct="1">
-              <a:defRPr sz="1800" kern="1200">
-                <a:solidFill>
-                  <a:schemeClr val="tx1"/>
-                </a:solidFill>
-                <a:latin typeface="+mn-lt"/>
-                <a:ea typeface="+mn-ea"/>
-                <a:cs typeface="+mn-cs"/>
-              </a:defRPr>
-            </a:lvl5pPr>
-            <a:lvl6pPr marL="2286000" algn="l" defTabSz="914400" rtl="0" eaLnBrk="1" latinLnBrk="0" hangingPunct="1">
-              <a:defRPr sz="1800" kern="1200">
-                <a:solidFill>
-                  <a:schemeClr val="tx1"/>
-                </a:solidFill>
-                <a:latin typeface="+mn-lt"/>
-                <a:ea typeface="+mn-ea"/>
-                <a:cs typeface="+mn-cs"/>
-              </a:defRPr>
-            </a:lvl6pPr>
-            <a:lvl7pPr marL="2743200" algn="l" defTabSz="914400" rtl="0" eaLnBrk="1" latinLnBrk="0" hangingPunct="1">
-              <a:defRPr sz="1800" kern="1200">
-                <a:solidFill>
-                  <a:schemeClr val="tx1"/>
-                </a:solidFill>
-                <a:latin typeface="+mn-lt"/>
-                <a:ea typeface="+mn-ea"/>
-                <a:cs typeface="+mn-cs"/>
-              </a:defRPr>
-            </a:lvl7pPr>
-            <a:lvl8pPr marL="3200400" algn="l" defTabSz="914400" rtl="0" eaLnBrk="1" latinLnBrk="0" hangingPunct="1">
-              <a:defRPr sz="1800" kern="1200">
-                <a:solidFill>
-                  <a:schemeClr val="tx1"/>
-                </a:solidFill>
-                <a:latin typeface="+mn-lt"/>
-                <a:ea typeface="+mn-ea"/>
-                <a:cs typeface="+mn-cs"/>
-              </a:defRPr>
-            </a:lvl8pPr>
-            <a:lvl9pPr marL="3657600" algn="l" defTabSz="914400" rtl="0" eaLnBrk="1" latinLnBrk="0" hangingPunct="1">
-              <a:defRPr sz="1800" kern="1200">
-                <a:solidFill>
-                  <a:schemeClr val="tx1"/>
-                </a:solidFill>
-                <a:latin typeface="+mn-lt"/>
-                <a:ea typeface="+mn-ea"/>
-                <a:cs typeface="+mn-cs"/>
-              </a:defRPr>
-            </a:lvl9pPr>
-          </a:lstStyle>
-          <a:p>
-            <a:endParaRPr lang="en-IN" b="1" dirty="0">
-              <a:solidFill>
-                <a:srgbClr val="002060"/>
-              </a:solidFill>
-              <a:latin typeface="Verdana" panose="020B0604030504040204" pitchFamily="34" charset="0"/>
-              <a:ea typeface="Verdana" panose="020B0604030504040204" pitchFamily="34" charset="0"/>
-            </a:endParaRPr>
-          </a:p>
-        </p:txBody>
-      </p:sp>
-      <p:pic>
-        <p:nvPicPr>
-          <p:cNvPr id="11" name="Picture 10">
-            <a:extLst>
-              <a:ext uri="{FF2B5EF4-FFF2-40B4-BE49-F238E27FC236}">
-                <a16:creationId xmlns:a16="http://schemas.microsoft.com/office/drawing/2014/main" id="{BAFAC024-A197-4E14-81E6-8E7B8CCD3120}"/>
-              </a:ext>
-            </a:extLst>
-          </p:cNvPr>
-          <p:cNvPicPr>
-            <a:picLocks noChangeAspect="1"/>
-          </p:cNvPicPr>
-          <p:nvPr/>
-        </p:nvPicPr>
-        <p:blipFill>
-          <a:blip r:embed="rId2">
-            <a:extLst>
-              <a:ext uri="{28A0092B-C50C-407E-A947-70E740481C1C}">
-                <a14:useLocalDpi xmlns:a14="http://schemas.microsoft.com/office/drawing/2010/main" val="0"/>
-              </a:ext>
-            </a:extLst>
-          </a:blip>
-          <a:stretch>
-            <a:fillRect/>
-          </a:stretch>
-        </p:blipFill>
-        <p:spPr>
-          <a:xfrm>
-            <a:off x="189019" y="6488466"/>
-            <a:ext cx="1905000" cy="342900"/>
-          </a:xfrm>
-          <a:prstGeom prst="rect">
-            <a:avLst/>
-          </a:prstGeom>
-        </p:spPr>
-      </p:pic>
-      <p:pic>
-        <p:nvPicPr>
-          <p:cNvPr id="2" name="Picture 1">
-            <a:extLst>
-              <a:ext uri="{FF2B5EF4-FFF2-40B4-BE49-F238E27FC236}">
-                <a16:creationId xmlns:a16="http://schemas.microsoft.com/office/drawing/2014/main" id="{124A4EA7-92F1-4FF7-84B3-F70EA4560122}"/>
-              </a:ext>
-            </a:extLst>
-          </p:cNvPr>
-          <p:cNvPicPr>
-            <a:picLocks noChangeAspect="1"/>
-          </p:cNvPicPr>
-          <p:nvPr/>
-        </p:nvPicPr>
-        <p:blipFill>
-          <a:blip r:embed="rId3"/>
-          <a:stretch>
-            <a:fillRect/>
-          </a:stretch>
-        </p:blipFill>
-        <p:spPr>
-          <a:xfrm>
-            <a:off x="71750" y="580964"/>
-            <a:ext cx="12058103" cy="5696661"/>
-          </a:xfrm>
-          <a:prstGeom prst="rect">
-            <a:avLst/>
-          </a:prstGeom>
-          <a:ln>
-            <a:solidFill>
-              <a:schemeClr val="accent1"/>
-            </a:solidFill>
-          </a:ln>
-        </p:spPr>
-      </p:pic>
-    </p:spTree>
-    <p:extLst>
-      <p:ext uri="{BB962C8B-B14F-4D97-AF65-F5344CB8AC3E}">
-        <p14:creationId xmlns:p14="http://schemas.microsoft.com/office/powerpoint/2010/main" val="2094961212"/>
-      </p:ext>
-    </p:extLst>
-  </p:cSld>
-  <p:clrMapOvr>
-    <a:masterClrMapping/>
-  </p:clrMapOvr>
-</p:sld>
-</file>
-
-<file path=ppt/slides/slide17.xml><?xml version="1.0" encoding="utf-8"?>
-<p:sld xmlns:a="http://schemas.openxmlformats.org/drawingml/2006/main" xmlns:r="http://schemas.openxmlformats.org/officeDocument/2006/relationships" xmlns:p="http://schemas.openxmlformats.org/presentationml/2006/main">
-  <p:cSld>
-    <p:spTree>
-      <p:nvGrpSpPr>
-        <p:cNvPr id="1" name=""/>
-        <p:cNvGrpSpPr/>
-        <p:nvPr/>
-      </p:nvGrpSpPr>
-      <p:grpSpPr>
-        <a:xfrm>
-          <a:off x="0" y="0"/>
-          <a:ext cx="0" cy="0"/>
-          <a:chOff x="0" y="0"/>
-          <a:chExt cx="0" cy="0"/>
-        </a:xfrm>
-      </p:grpSpPr>
-      <p:sp>
-        <p:nvSpPr>
-          <p:cNvPr id="4" name="Flowchart: Magnetic Disk 3">
-            <a:extLst>
-              <a:ext uri="{FF2B5EF4-FFF2-40B4-BE49-F238E27FC236}">
-                <a16:creationId xmlns:a16="http://schemas.microsoft.com/office/drawing/2014/main" id="{D0F09A51-AE65-4559-AB47-503A749B2A20}"/>
+            <a:r>
+              <a:rPr lang="en-IN" dirty="0"/>
+              <a:t>Db Context</a:t>
+            </a:r>
+          </a:p>
+        </p:txBody>
+      </p:sp>
+      <p:sp>
+        <p:nvSpPr>
+          <p:cNvPr id="6" name="Rectangle: Rounded Corners 5">
+            <a:extLst>
+              <a:ext uri="{FF2B5EF4-FFF2-40B4-BE49-F238E27FC236}">
+                <a16:creationId xmlns:a16="http://schemas.microsoft.com/office/drawing/2014/main" id="{C7C8A18A-3DAF-48CE-9302-AEB277146F20}"/>
               </a:ext>
             </a:extLst>
           </p:cNvPr>
@@ -7925,10 +7548,10 @@
         </p:nvSpPr>
         <p:spPr>
           <a:xfrm>
-            <a:off x="9818703" y="1961965"/>
-            <a:ext cx="914400" cy="1322773"/>
-          </a:xfrm>
-          <a:prstGeom prst="flowChartMagneticDisk">
+            <a:off x="5228948" y="2929631"/>
+            <a:ext cx="1012054" cy="1251752"/>
+          </a:xfrm>
+          <a:prstGeom prst="roundRect">
             <a:avLst/>
           </a:prstGeom>
           <a:solidFill>
@@ -7958,17 +7581,17 @@
             <a:pPr algn="ctr"/>
             <a:r>
               <a:rPr lang="en-IN" dirty="0"/>
-              <a:t>Store</a:t>
-            </a:r>
-          </a:p>
-        </p:txBody>
-      </p:sp>
-      <p:sp>
-        <p:nvSpPr>
-          <p:cNvPr id="5" name="Rectangle: Rounded Corners 4">
-            <a:extLst>
-              <a:ext uri="{FF2B5EF4-FFF2-40B4-BE49-F238E27FC236}">
-                <a16:creationId xmlns:a16="http://schemas.microsoft.com/office/drawing/2014/main" id="{9C5720F1-7A60-47B9-A250-B82434BEF14B}"/>
+              <a:t>DAL</a:t>
+            </a:r>
+          </a:p>
+        </p:txBody>
+      </p:sp>
+      <p:sp>
+        <p:nvSpPr>
+          <p:cNvPr id="7" name="Rectangle: Rounded Corners 6">
+            <a:extLst>
+              <a:ext uri="{FF2B5EF4-FFF2-40B4-BE49-F238E27FC236}">
+                <a16:creationId xmlns:a16="http://schemas.microsoft.com/office/drawing/2014/main" id="{2688AE57-B064-4711-8E5C-3E41D91D5C25}"/>
               </a:ext>
             </a:extLst>
           </p:cNvPr>
@@ -7977,8 +7600,8 @@
         </p:nvSpPr>
         <p:spPr>
           <a:xfrm>
-            <a:off x="7981025" y="1961965"/>
-            <a:ext cx="1100831" cy="1322773"/>
+            <a:off x="3779669" y="2929631"/>
+            <a:ext cx="1012054" cy="1251752"/>
           </a:xfrm>
           <a:prstGeom prst="roundRect">
             <a:avLst/>
@@ -8010,17 +7633,17 @@
             <a:pPr algn="ctr"/>
             <a:r>
               <a:rPr lang="en-IN" dirty="0"/>
-              <a:t>Db Context</a:t>
-            </a:r>
-          </a:p>
-        </p:txBody>
-      </p:sp>
-      <p:sp>
-        <p:nvSpPr>
-          <p:cNvPr id="6" name="Rectangle: Rounded Corners 5">
-            <a:extLst>
-              <a:ext uri="{FF2B5EF4-FFF2-40B4-BE49-F238E27FC236}">
-                <a16:creationId xmlns:a16="http://schemas.microsoft.com/office/drawing/2014/main" id="{C7C8A18A-3DAF-48CE-9302-AEB277146F20}"/>
+              <a:t>BLL</a:t>
+            </a:r>
+          </a:p>
+        </p:txBody>
+      </p:sp>
+      <p:sp>
+        <p:nvSpPr>
+          <p:cNvPr id="8" name="Rectangle: Rounded Corners 7">
+            <a:extLst>
+              <a:ext uri="{FF2B5EF4-FFF2-40B4-BE49-F238E27FC236}">
+                <a16:creationId xmlns:a16="http://schemas.microsoft.com/office/drawing/2014/main" id="{99A95446-2477-4C8D-95C4-AA5A6AB5F755}"/>
               </a:ext>
             </a:extLst>
           </p:cNvPr>
@@ -8029,7 +7652,7 @@
         </p:nvSpPr>
         <p:spPr>
           <a:xfrm>
-            <a:off x="6409678" y="2032986"/>
+            <a:off x="2267137" y="2894120"/>
             <a:ext cx="1012054" cy="1251752"/>
           </a:xfrm>
           <a:prstGeom prst="roundRect">
@@ -8062,110 +7685,6 @@
             <a:pPr algn="ctr"/>
             <a:r>
               <a:rPr lang="en-IN" dirty="0"/>
-              <a:t>DAL</a:t>
-            </a:r>
-          </a:p>
-        </p:txBody>
-      </p:sp>
-      <p:sp>
-        <p:nvSpPr>
-          <p:cNvPr id="7" name="Rectangle: Rounded Corners 6">
-            <a:extLst>
-              <a:ext uri="{FF2B5EF4-FFF2-40B4-BE49-F238E27FC236}">
-                <a16:creationId xmlns:a16="http://schemas.microsoft.com/office/drawing/2014/main" id="{2688AE57-B064-4711-8E5C-3E41D91D5C25}"/>
-              </a:ext>
-            </a:extLst>
-          </p:cNvPr>
-          <p:cNvSpPr/>
-          <p:nvPr/>
-        </p:nvSpPr>
-        <p:spPr>
-          <a:xfrm>
-            <a:off x="4960399" y="2032986"/>
-            <a:ext cx="1012054" cy="1251752"/>
-          </a:xfrm>
-          <a:prstGeom prst="roundRect">
-            <a:avLst/>
-          </a:prstGeom>
-          <a:solidFill>
-            <a:schemeClr val="accent4"/>
-          </a:solidFill>
-        </p:spPr>
-        <p:style>
-          <a:lnRef idx="2">
-            <a:schemeClr val="accent1">
-              <a:shade val="50000"/>
-            </a:schemeClr>
-          </a:lnRef>
-          <a:fillRef idx="1">
-            <a:schemeClr val="accent1"/>
-          </a:fillRef>
-          <a:effectRef idx="0">
-            <a:schemeClr val="accent1"/>
-          </a:effectRef>
-          <a:fontRef idx="minor">
-            <a:schemeClr val="lt1"/>
-          </a:fontRef>
-        </p:style>
-        <p:txBody>
-          <a:bodyPr rtlCol="0" anchor="ctr"/>
-          <a:lstStyle/>
-          <a:p>
-            <a:pPr algn="ctr"/>
-            <a:r>
-              <a:rPr lang="en-IN" dirty="0"/>
-              <a:t>BLL</a:t>
-            </a:r>
-          </a:p>
-        </p:txBody>
-      </p:sp>
-      <p:sp>
-        <p:nvSpPr>
-          <p:cNvPr id="8" name="Rectangle: Rounded Corners 7">
-            <a:extLst>
-              <a:ext uri="{FF2B5EF4-FFF2-40B4-BE49-F238E27FC236}">
-                <a16:creationId xmlns:a16="http://schemas.microsoft.com/office/drawing/2014/main" id="{99A95446-2477-4C8D-95C4-AA5A6AB5F755}"/>
-              </a:ext>
-            </a:extLst>
-          </p:cNvPr>
-          <p:cNvSpPr/>
-          <p:nvPr/>
-        </p:nvSpPr>
-        <p:spPr>
-          <a:xfrm>
-            <a:off x="3447867" y="1997475"/>
-            <a:ext cx="1012054" cy="1251752"/>
-          </a:xfrm>
-          <a:prstGeom prst="roundRect">
-            <a:avLst/>
-          </a:prstGeom>
-          <a:solidFill>
-            <a:schemeClr val="accent4"/>
-          </a:solidFill>
-        </p:spPr>
-        <p:style>
-          <a:lnRef idx="2">
-            <a:schemeClr val="accent1">
-              <a:shade val="50000"/>
-            </a:schemeClr>
-          </a:lnRef>
-          <a:fillRef idx="1">
-            <a:schemeClr val="accent1"/>
-          </a:fillRef>
-          <a:effectRef idx="0">
-            <a:schemeClr val="accent1"/>
-          </a:effectRef>
-          <a:fontRef idx="minor">
-            <a:schemeClr val="lt1"/>
-          </a:fontRef>
-        </p:style>
-        <p:txBody>
-          <a:bodyPr rtlCol="0" anchor="ctr"/>
-          <a:lstStyle/>
-          <a:p>
-            <a:pPr algn="ctr"/>
-            <a:r>
-              <a:rPr lang="en-IN" dirty="0"/>
               <a:t>Controller</a:t>
             </a:r>
           </a:p>
@@ -8188,7 +7707,7 @@
         </p:nvCxnSpPr>
         <p:spPr>
           <a:xfrm>
-            <a:off x="4459921" y="2623351"/>
+            <a:off x="3279191" y="3519996"/>
             <a:ext cx="5358782" cy="1"/>
           </a:xfrm>
           <a:prstGeom prst="straightConnector1">
@@ -8226,6 +7745,365 @@
 </p:sld>
 </file>
 
+<file path=ppt/slides/slide17.xml><?xml version="1.0" encoding="utf-8"?>
+<p:sld xmlns:a="http://schemas.openxmlformats.org/drawingml/2006/main" xmlns:r="http://schemas.openxmlformats.org/officeDocument/2006/relationships" xmlns:p="http://schemas.openxmlformats.org/presentationml/2006/main">
+  <p:cSld>
+    <p:spTree>
+      <p:nvGrpSpPr>
+        <p:cNvPr id="1" name=""/>
+        <p:cNvGrpSpPr/>
+        <p:nvPr/>
+      </p:nvGrpSpPr>
+      <p:grpSpPr>
+        <a:xfrm>
+          <a:off x="0" y="0"/>
+          <a:ext cx="0" cy="0"/>
+          <a:chOff x="0" y="0"/>
+          <a:chExt cx="0" cy="0"/>
+        </a:xfrm>
+      </p:grpSpPr>
+      <p:sp>
+        <p:nvSpPr>
+          <p:cNvPr id="4" name="Rectangle 3">
+            <a:extLst>
+              <a:ext uri="{FF2B5EF4-FFF2-40B4-BE49-F238E27FC236}">
+                <a16:creationId xmlns:a16="http://schemas.microsoft.com/office/drawing/2014/main" id="{055C22F7-3FD1-4C1B-8D0C-0C2F7FB61DBE}"/>
+              </a:ext>
+            </a:extLst>
+          </p:cNvPr>
+          <p:cNvSpPr/>
+          <p:nvPr/>
+        </p:nvSpPr>
+        <p:spPr>
+          <a:xfrm>
+            <a:off x="0" y="8878"/>
+            <a:ext cx="12183122" cy="497150"/>
+          </a:xfrm>
+          <a:prstGeom prst="rect">
+            <a:avLst/>
+          </a:prstGeom>
+          <a:solidFill>
+            <a:srgbClr val="0070C0"/>
+          </a:solidFill>
+        </p:spPr>
+        <p:style>
+          <a:lnRef idx="2">
+            <a:schemeClr val="accent1">
+              <a:shade val="50000"/>
+            </a:schemeClr>
+          </a:lnRef>
+          <a:fillRef idx="1">
+            <a:schemeClr val="accent1"/>
+          </a:fillRef>
+          <a:effectRef idx="0">
+            <a:schemeClr val="accent1"/>
+          </a:effectRef>
+          <a:fontRef idx="minor">
+            <a:schemeClr val="lt1"/>
+          </a:fontRef>
+        </p:style>
+        <p:txBody>
+          <a:bodyPr rtlCol="0" anchor="ctr"/>
+          <a:lstStyle/>
+          <a:p>
+            <a:pPr algn="ctr"/>
+            <a:r>
+              <a:rPr lang="en-US" dirty="0">
+                <a:latin typeface="Verdana" panose="020B0604030504040204" pitchFamily="34" charset="0"/>
+                <a:ea typeface="Verdana" panose="020B0604030504040204" pitchFamily="34" charset="0"/>
+              </a:rPr>
+              <a:t>What is next?</a:t>
+            </a:r>
+            <a:endParaRPr lang="en-IN" dirty="0">
+              <a:latin typeface="Verdana" panose="020B0604030504040204" pitchFamily="34" charset="0"/>
+              <a:ea typeface="Verdana" panose="020B0604030504040204" pitchFamily="34" charset="0"/>
+            </a:endParaRPr>
+          </a:p>
+        </p:txBody>
+      </p:sp>
+      <p:sp>
+        <p:nvSpPr>
+          <p:cNvPr id="7" name="Rectangle 6">
+            <a:extLst>
+              <a:ext uri="{FF2B5EF4-FFF2-40B4-BE49-F238E27FC236}">
+                <a16:creationId xmlns:a16="http://schemas.microsoft.com/office/drawing/2014/main" id="{B10720DE-FD2A-4FE5-B9FB-74854D01A659}"/>
+              </a:ext>
+            </a:extLst>
+          </p:cNvPr>
+          <p:cNvSpPr/>
+          <p:nvPr/>
+        </p:nvSpPr>
+        <p:spPr>
+          <a:xfrm>
+            <a:off x="0" y="6383046"/>
+            <a:ext cx="12183122" cy="57703"/>
+          </a:xfrm>
+          <a:prstGeom prst="rect">
+            <a:avLst/>
+          </a:prstGeom>
+          <a:solidFill>
+            <a:srgbClr val="0070C0"/>
+          </a:solidFill>
+        </p:spPr>
+        <p:style>
+          <a:lnRef idx="2">
+            <a:schemeClr val="accent1">
+              <a:shade val="50000"/>
+            </a:schemeClr>
+          </a:lnRef>
+          <a:fillRef idx="1">
+            <a:schemeClr val="accent1"/>
+          </a:fillRef>
+          <a:effectRef idx="0">
+            <a:schemeClr val="accent1"/>
+          </a:effectRef>
+          <a:fontRef idx="minor">
+            <a:schemeClr val="lt1"/>
+          </a:fontRef>
+        </p:style>
+        <p:txBody>
+          <a:bodyPr rtlCol="0" anchor="ctr"/>
+          <a:lstStyle/>
+          <a:p>
+            <a:pPr algn="ctr"/>
+            <a:endParaRPr lang="en-IN" sz="1000" dirty="0">
+              <a:latin typeface="Verdana" panose="020B0604030504040204" pitchFamily="34" charset="0"/>
+              <a:ea typeface="Verdana" panose="020B0604030504040204" pitchFamily="34" charset="0"/>
+            </a:endParaRPr>
+          </a:p>
+        </p:txBody>
+      </p:sp>
+      <p:sp>
+        <p:nvSpPr>
+          <p:cNvPr id="8" name="Footer Placeholder 7">
+            <a:extLst>
+              <a:ext uri="{FF2B5EF4-FFF2-40B4-BE49-F238E27FC236}">
+                <a16:creationId xmlns:a16="http://schemas.microsoft.com/office/drawing/2014/main" id="{DD2A19CA-EC18-432D-8F8F-17079808F38B}"/>
+              </a:ext>
+            </a:extLst>
+          </p:cNvPr>
+          <p:cNvSpPr>
+            <a:spLocks noGrp="1"/>
+          </p:cNvSpPr>
+          <p:nvPr>
+            <p:ph type="ftr" sz="quarter" idx="11"/>
+          </p:nvPr>
+        </p:nvSpPr>
+        <p:spPr>
+          <a:xfrm>
+            <a:off x="4038600" y="6427374"/>
+            <a:ext cx="4114800" cy="365125"/>
+          </a:xfrm>
+        </p:spPr>
+        <p:txBody>
+          <a:bodyPr/>
+          <a:lstStyle/>
+          <a:p>
+            <a:r>
+              <a:rPr lang="en-IN" b="1" dirty="0">
+                <a:solidFill>
+                  <a:srgbClr val="002060"/>
+                </a:solidFill>
+                <a:latin typeface="Verdana" panose="020B0604030504040204" pitchFamily="34" charset="0"/>
+                <a:ea typeface="Verdana" panose="020B0604030504040204" pitchFamily="34" charset="0"/>
+              </a:rPr>
+              <a:t>20-Jun-2020</a:t>
+            </a:r>
+          </a:p>
+        </p:txBody>
+      </p:sp>
+      <p:sp>
+        <p:nvSpPr>
+          <p:cNvPr id="9" name="Slide Number Placeholder 8">
+            <a:extLst>
+              <a:ext uri="{FF2B5EF4-FFF2-40B4-BE49-F238E27FC236}">
+                <a16:creationId xmlns:a16="http://schemas.microsoft.com/office/drawing/2014/main" id="{8162625C-0B1F-42E0-BE7C-D99A08FED7A3}"/>
+              </a:ext>
+            </a:extLst>
+          </p:cNvPr>
+          <p:cNvSpPr>
+            <a:spLocks noGrp="1"/>
+          </p:cNvSpPr>
+          <p:nvPr>
+            <p:ph type="sldNum" sz="quarter" idx="12"/>
+          </p:nvPr>
+        </p:nvSpPr>
+        <p:spPr>
+          <a:xfrm>
+            <a:off x="8610600" y="6427374"/>
+            <a:ext cx="2743200" cy="365125"/>
+          </a:xfrm>
+        </p:spPr>
+        <p:txBody>
+          <a:bodyPr/>
+          <a:lstStyle/>
+          <a:p>
+            <a:fld id="{30AF63FB-5233-4811-A918-B572E3A55817}" type="slidenum">
+              <a:rPr lang="en-IN" b="1" smtClean="0">
+                <a:solidFill>
+                  <a:srgbClr val="002060"/>
+                </a:solidFill>
+                <a:latin typeface="Verdana" panose="020B0604030504040204" pitchFamily="34" charset="0"/>
+                <a:ea typeface="Verdana" panose="020B0604030504040204" pitchFamily="34" charset="0"/>
+              </a:rPr>
+              <a:t>17</a:t>
+            </a:fld>
+            <a:endParaRPr lang="en-IN" b="1" dirty="0">
+              <a:solidFill>
+                <a:srgbClr val="002060"/>
+              </a:solidFill>
+              <a:latin typeface="Verdana" panose="020B0604030504040204" pitchFamily="34" charset="0"/>
+              <a:ea typeface="Verdana" panose="020B0604030504040204" pitchFamily="34" charset="0"/>
+            </a:endParaRPr>
+          </a:p>
+        </p:txBody>
+      </p:sp>
+      <p:sp>
+        <p:nvSpPr>
+          <p:cNvPr id="5" name="Rectangle 4">
+            <a:extLst>
+              <a:ext uri="{FF2B5EF4-FFF2-40B4-BE49-F238E27FC236}">
+                <a16:creationId xmlns:a16="http://schemas.microsoft.com/office/drawing/2014/main" id="{11B56C48-04D4-42D7-A892-61E969B93239}"/>
+              </a:ext>
+            </a:extLst>
+          </p:cNvPr>
+          <p:cNvSpPr/>
+          <p:nvPr/>
+        </p:nvSpPr>
+        <p:spPr>
+          <a:xfrm>
+            <a:off x="2794573" y="474041"/>
+            <a:ext cx="6609502" cy="923330"/>
+          </a:xfrm>
+          <a:prstGeom prst="rect">
+            <a:avLst/>
+          </a:prstGeom>
+          <a:noFill/>
+        </p:spPr>
+        <p:txBody>
+          <a:bodyPr wrap="none" lIns="91440" tIns="45720" rIns="91440" bIns="45720">
+            <a:spAutoFit/>
+            <a:scene3d>
+              <a:camera prst="orthographicFront"/>
+              <a:lightRig rig="soft" dir="t">
+                <a:rot lat="0" lon="0" rev="15600000"/>
+              </a:lightRig>
+            </a:scene3d>
+            <a:sp3d extrusionH="57150" prstMaterial="softEdge">
+              <a:bevelT w="25400" h="38100"/>
+            </a:sp3d>
+          </a:bodyPr>
+          <a:lstStyle/>
+          <a:p>
+            <a:pPr algn="ctr"/>
+            <a:r>
+              <a:rPr lang="en-US" sz="5400" b="1" cap="none" spc="0" dirty="0">
+                <a:ln/>
+                <a:solidFill>
+                  <a:schemeClr val="accent4"/>
+                </a:solidFill>
+                <a:effectLst/>
+                <a:latin typeface="Verdana" panose="020B0604030504040204" pitchFamily="34" charset="0"/>
+                <a:ea typeface="Verdana" panose="020B0604030504040204" pitchFamily="34" charset="0"/>
+              </a:rPr>
+              <a:t>What is next ???</a:t>
+            </a:r>
+            <a:endParaRPr lang="en-IN" sz="5400" b="1" cap="none" spc="0" dirty="0">
+              <a:ln/>
+              <a:solidFill>
+                <a:schemeClr val="accent4"/>
+              </a:solidFill>
+              <a:effectLst/>
+              <a:latin typeface="Verdana" panose="020B0604030504040204" pitchFamily="34" charset="0"/>
+              <a:ea typeface="Verdana" panose="020B0604030504040204" pitchFamily="34" charset="0"/>
+            </a:endParaRPr>
+          </a:p>
+        </p:txBody>
+      </p:sp>
+      <p:pic>
+        <p:nvPicPr>
+          <p:cNvPr id="11" name="Picture 10">
+            <a:extLst>
+              <a:ext uri="{FF2B5EF4-FFF2-40B4-BE49-F238E27FC236}">
+                <a16:creationId xmlns:a16="http://schemas.microsoft.com/office/drawing/2014/main" id="{1C1CB14D-C079-43C2-AAE2-0D3DA491EA87}"/>
+              </a:ext>
+            </a:extLst>
+          </p:cNvPr>
+          <p:cNvPicPr>
+            <a:picLocks noChangeAspect="1"/>
+          </p:cNvPicPr>
+          <p:nvPr/>
+        </p:nvPicPr>
+        <p:blipFill>
+          <a:blip r:embed="rId2">
+            <a:extLst>
+              <a:ext uri="{28A0092B-C50C-407E-A947-70E740481C1C}">
+                <a14:useLocalDpi xmlns:a14="http://schemas.microsoft.com/office/drawing/2010/main" val="0"/>
+              </a:ext>
+            </a:extLst>
+          </a:blip>
+          <a:stretch>
+            <a:fillRect/>
+          </a:stretch>
+        </p:blipFill>
+        <p:spPr>
+          <a:xfrm>
+            <a:off x="189019" y="6488466"/>
+            <a:ext cx="1905000" cy="342900"/>
+          </a:xfrm>
+          <a:prstGeom prst="rect">
+            <a:avLst/>
+          </a:prstGeom>
+        </p:spPr>
+      </p:pic>
+      <p:pic>
+        <p:nvPicPr>
+          <p:cNvPr id="2" name="Picture 1">
+            <a:extLst>
+              <a:ext uri="{FF2B5EF4-FFF2-40B4-BE49-F238E27FC236}">
+                <a16:creationId xmlns:a16="http://schemas.microsoft.com/office/drawing/2014/main" id="{8E27734D-330D-472A-B995-A2A0EDF52B00}"/>
+              </a:ext>
+            </a:extLst>
+          </p:cNvPr>
+          <p:cNvPicPr>
+            <a:picLocks noChangeAspect="1"/>
+          </p:cNvPicPr>
+          <p:nvPr/>
+        </p:nvPicPr>
+        <p:blipFill>
+          <a:blip r:embed="rId3"/>
+          <a:stretch>
+            <a:fillRect/>
+          </a:stretch>
+        </p:blipFill>
+        <p:spPr>
+          <a:xfrm>
+            <a:off x="44386" y="1402672"/>
+            <a:ext cx="12094346" cy="4916764"/>
+          </a:xfrm>
+          <a:prstGeom prst="rect">
+            <a:avLst/>
+          </a:prstGeom>
+          <a:ln>
+            <a:solidFill>
+              <a:schemeClr val="accent1"/>
+            </a:solidFill>
+          </a:ln>
+        </p:spPr>
+      </p:pic>
+    </p:spTree>
+    <p:extLst>
+      <p:ext uri="{BB962C8B-B14F-4D97-AF65-F5344CB8AC3E}">
+        <p14:creationId xmlns:p14="http://schemas.microsoft.com/office/powerpoint/2010/main" val="3499439994"/>
+      </p:ext>
+    </p:extLst>
+  </p:cSld>
+  <p:clrMapOvr>
+    <a:masterClrMapping/>
+  </p:clrMapOvr>
+</p:sld>
+</file>
+
 <file path=ppt/slides/slide18.xml><?xml version="1.0" encoding="utf-8"?>
 <p:sld xmlns:a="http://schemas.openxmlformats.org/drawingml/2006/main" xmlns:r="http://schemas.openxmlformats.org/officeDocument/2006/relationships" xmlns:p="http://schemas.openxmlformats.org/presentationml/2006/main">
   <p:cSld>
@@ -8288,13 +8166,6 @@
           <a:lstStyle/>
           <a:p>
             <a:pPr algn="ctr"/>
-            <a:r>
-              <a:rPr lang="en-US" dirty="0">
-                <a:latin typeface="Verdana" panose="020B0604030504040204" pitchFamily="34" charset="0"/>
-                <a:ea typeface="Verdana" panose="020B0604030504040204" pitchFamily="34" charset="0"/>
-              </a:rPr>
-              <a:t>What is next?</a:t>
-            </a:r>
             <a:endParaRPr lang="en-IN" dirty="0">
               <a:latin typeface="Verdana" panose="020B0604030504040204" pitchFamily="34" charset="0"/>
               <a:ea typeface="Verdana" panose="020B0604030504040204" pitchFamily="34" charset="0"/>
@@ -8388,7 +8259,7 @@
                 <a:latin typeface="Verdana" panose="020B0604030504040204" pitchFamily="34" charset="0"/>
                 <a:ea typeface="Verdana" panose="020B0604030504040204" pitchFamily="34" charset="0"/>
               </a:rPr>
-              <a:t>20-Jun-2020</a:t>
+              <a:t>06-Sep-2020</a:t>
             </a:r>
           </a:p>
         </p:txBody>
@@ -8441,10 +8312,143 @@
       </p:sp>
       <p:sp>
         <p:nvSpPr>
-          <p:cNvPr id="5" name="Rectangle 4">
-            <a:extLst>
-              <a:ext uri="{FF2B5EF4-FFF2-40B4-BE49-F238E27FC236}">
-                <a16:creationId xmlns:a16="http://schemas.microsoft.com/office/drawing/2014/main" id="{11B56C48-04D4-42D7-A892-61E969B93239}"/>
+          <p:cNvPr id="12" name="Footer Placeholder 7">
+            <a:extLst>
+              <a:ext uri="{FF2B5EF4-FFF2-40B4-BE49-F238E27FC236}">
+                <a16:creationId xmlns:a16="http://schemas.microsoft.com/office/drawing/2014/main" id="{64C57949-E349-47D3-A505-A098233AF49D}"/>
+              </a:ext>
+            </a:extLst>
+          </p:cNvPr>
+          <p:cNvSpPr txBox="1">
+            <a:spLocks/>
+          </p:cNvSpPr>
+          <p:nvPr/>
+        </p:nvSpPr>
+        <p:spPr>
+          <a:xfrm>
+            <a:off x="133897" y="6428848"/>
+            <a:ext cx="4114800" cy="365125"/>
+          </a:xfrm>
+          <a:prstGeom prst="rect">
+            <a:avLst/>
+          </a:prstGeom>
+        </p:spPr>
+        <p:txBody>
+          <a:bodyPr vert="horz" lIns="91440" tIns="45720" rIns="91440" bIns="45720" rtlCol="0" anchor="ctr"/>
+          <a:lstStyle>
+            <a:defPPr>
+              <a:defRPr lang="en-US"/>
+            </a:defPPr>
+            <a:lvl1pPr marL="0" algn="ctr" defTabSz="914400" rtl="0" eaLnBrk="1" latinLnBrk="0" hangingPunct="1">
+              <a:defRPr sz="1200" kern="1200">
+                <a:solidFill>
+                  <a:schemeClr val="tx1">
+                    <a:tint val="75000"/>
+                  </a:schemeClr>
+                </a:solidFill>
+                <a:latin typeface="+mn-lt"/>
+                <a:ea typeface="+mn-ea"/>
+                <a:cs typeface="+mn-cs"/>
+              </a:defRPr>
+            </a:lvl1pPr>
+            <a:lvl2pPr marL="457200" algn="l" defTabSz="914400" rtl="0" eaLnBrk="1" latinLnBrk="0" hangingPunct="1">
+              <a:defRPr sz="1800" kern="1200">
+                <a:solidFill>
+                  <a:schemeClr val="tx1"/>
+                </a:solidFill>
+                <a:latin typeface="+mn-lt"/>
+                <a:ea typeface="+mn-ea"/>
+                <a:cs typeface="+mn-cs"/>
+              </a:defRPr>
+            </a:lvl2pPr>
+            <a:lvl3pPr marL="914400" algn="l" defTabSz="914400" rtl="0" eaLnBrk="1" latinLnBrk="0" hangingPunct="1">
+              <a:defRPr sz="1800" kern="1200">
+                <a:solidFill>
+                  <a:schemeClr val="tx1"/>
+                </a:solidFill>
+                <a:latin typeface="+mn-lt"/>
+                <a:ea typeface="+mn-ea"/>
+                <a:cs typeface="+mn-cs"/>
+              </a:defRPr>
+            </a:lvl3pPr>
+            <a:lvl4pPr marL="1371600" algn="l" defTabSz="914400" rtl="0" eaLnBrk="1" latinLnBrk="0" hangingPunct="1">
+              <a:defRPr sz="1800" kern="1200">
+                <a:solidFill>
+                  <a:schemeClr val="tx1"/>
+                </a:solidFill>
+                <a:latin typeface="+mn-lt"/>
+                <a:ea typeface="+mn-ea"/>
+                <a:cs typeface="+mn-cs"/>
+              </a:defRPr>
+            </a:lvl4pPr>
+            <a:lvl5pPr marL="1828800" algn="l" defTabSz="914400" rtl="0" eaLnBrk="1" latinLnBrk="0" hangingPunct="1">
+              <a:defRPr sz="1800" kern="1200">
+                <a:solidFill>
+                  <a:schemeClr val="tx1"/>
+                </a:solidFill>
+                <a:latin typeface="+mn-lt"/>
+                <a:ea typeface="+mn-ea"/>
+                <a:cs typeface="+mn-cs"/>
+              </a:defRPr>
+            </a:lvl5pPr>
+            <a:lvl6pPr marL="2286000" algn="l" defTabSz="914400" rtl="0" eaLnBrk="1" latinLnBrk="0" hangingPunct="1">
+              <a:defRPr sz="1800" kern="1200">
+                <a:solidFill>
+                  <a:schemeClr val="tx1"/>
+                </a:solidFill>
+                <a:latin typeface="+mn-lt"/>
+                <a:ea typeface="+mn-ea"/>
+                <a:cs typeface="+mn-cs"/>
+              </a:defRPr>
+            </a:lvl6pPr>
+            <a:lvl7pPr marL="2743200" algn="l" defTabSz="914400" rtl="0" eaLnBrk="1" latinLnBrk="0" hangingPunct="1">
+              <a:defRPr sz="1800" kern="1200">
+                <a:solidFill>
+                  <a:schemeClr val="tx1"/>
+                </a:solidFill>
+                <a:latin typeface="+mn-lt"/>
+                <a:ea typeface="+mn-ea"/>
+                <a:cs typeface="+mn-cs"/>
+              </a:defRPr>
+            </a:lvl7pPr>
+            <a:lvl8pPr marL="3200400" algn="l" defTabSz="914400" rtl="0" eaLnBrk="1" latinLnBrk="0" hangingPunct="1">
+              <a:defRPr sz="1800" kern="1200">
+                <a:solidFill>
+                  <a:schemeClr val="tx1"/>
+                </a:solidFill>
+                <a:latin typeface="+mn-lt"/>
+                <a:ea typeface="+mn-ea"/>
+                <a:cs typeface="+mn-cs"/>
+              </a:defRPr>
+            </a:lvl8pPr>
+            <a:lvl9pPr marL="3657600" algn="l" defTabSz="914400" rtl="0" eaLnBrk="1" latinLnBrk="0" hangingPunct="1">
+              <a:defRPr sz="1800" kern="1200">
+                <a:solidFill>
+                  <a:schemeClr val="tx1"/>
+                </a:solidFill>
+                <a:latin typeface="+mn-lt"/>
+                <a:ea typeface="+mn-ea"/>
+                <a:cs typeface="+mn-cs"/>
+              </a:defRPr>
+            </a:lvl9pPr>
+          </a:lstStyle>
+          <a:p>
+            <a:endParaRPr lang="en-IN" b="1" dirty="0">
+              <a:solidFill>
+                <a:srgbClr val="002060"/>
+              </a:solidFill>
+              <a:latin typeface="Verdana" panose="020B0604030504040204" pitchFamily="34" charset="0"/>
+              <a:ea typeface="Verdana" panose="020B0604030504040204" pitchFamily="34" charset="0"/>
+            </a:endParaRPr>
+          </a:p>
+        </p:txBody>
+      </p:sp>
+      <p:sp>
+        <p:nvSpPr>
+          <p:cNvPr id="11" name="Rectangle 10">
+            <a:extLst>
+              <a:ext uri="{FF2B5EF4-FFF2-40B4-BE49-F238E27FC236}">
+                <a16:creationId xmlns:a16="http://schemas.microsoft.com/office/drawing/2014/main" id="{D55098C6-1198-4DAB-B484-23DB1A599453}"/>
               </a:ext>
             </a:extLst>
           </p:cNvPr>
@@ -8453,8 +8457,8 @@
         </p:nvSpPr>
         <p:spPr>
           <a:xfrm>
-            <a:off x="2794573" y="474041"/>
-            <a:ext cx="6609502" cy="923330"/>
+            <a:off x="2816470" y="1919767"/>
+            <a:ext cx="6434775" cy="3154710"/>
           </a:xfrm>
           <a:prstGeom prst="rect">
             <a:avLst/>
@@ -8464,49 +8468,41 @@
         <p:txBody>
           <a:bodyPr wrap="none" lIns="91440" tIns="45720" rIns="91440" bIns="45720">
             <a:spAutoFit/>
-            <a:scene3d>
-              <a:camera prst="orthographicFront"/>
-              <a:lightRig rig="soft" dir="t">
-                <a:rot lat="0" lon="0" rev="15600000"/>
-              </a:lightRig>
-            </a:scene3d>
-            <a:sp3d extrusionH="57150" prstMaterial="softEdge">
-              <a:bevelT w="25400" h="38100"/>
-            </a:sp3d>
           </a:bodyPr>
           <a:lstStyle/>
           <a:p>
             <a:pPr algn="ctr"/>
             <a:r>
-              <a:rPr lang="en-US" sz="5400" b="1" cap="none" spc="0" dirty="0">
-                <a:ln/>
-                <a:solidFill>
-                  <a:schemeClr val="accent4"/>
-                </a:solidFill>
-                <a:effectLst/>
-                <a:latin typeface="Verdana" panose="020B0604030504040204" pitchFamily="34" charset="0"/>
-                <a:ea typeface="Verdana" panose="020B0604030504040204" pitchFamily="34" charset="0"/>
-              </a:rPr>
-              <a:t>What is next ???</a:t>
-            </a:r>
-            <a:endParaRPr lang="en-IN" sz="5400" b="1" cap="none" spc="0" dirty="0">
-              <a:ln/>
-              <a:solidFill>
-                <a:schemeClr val="accent4"/>
-              </a:solidFill>
-              <a:effectLst/>
-              <a:latin typeface="Verdana" panose="020B0604030504040204" pitchFamily="34" charset="0"/>
-              <a:ea typeface="Verdana" panose="020B0604030504040204" pitchFamily="34" charset="0"/>
-            </a:endParaRPr>
+              <a:rPr lang="en-US" sz="19900" b="1" cap="none" spc="0" dirty="0">
+                <a:ln w="9525">
+                  <a:solidFill>
+                    <a:schemeClr val="bg1"/>
+                  </a:solidFill>
+                  <a:prstDash val="solid"/>
+                </a:ln>
+                <a:solidFill>
+                  <a:schemeClr val="accent5"/>
+                </a:solidFill>
+                <a:effectLst>
+                  <a:outerShdw blurRad="12700" dist="38100" dir="2700000" algn="tl" rotWithShape="0">
+                    <a:schemeClr val="accent5">
+                      <a:lumMod val="60000"/>
+                      <a:lumOff val="40000"/>
+                    </a:schemeClr>
+                  </a:outerShdw>
+                </a:effectLst>
+              </a:rPr>
+              <a:t>Q &amp; A</a:t>
+            </a:r>
           </a:p>
         </p:txBody>
       </p:sp>
       <p:pic>
         <p:nvPicPr>
-          <p:cNvPr id="11" name="Picture 10">
-            <a:extLst>
-              <a:ext uri="{FF2B5EF4-FFF2-40B4-BE49-F238E27FC236}">
-                <a16:creationId xmlns:a16="http://schemas.microsoft.com/office/drawing/2014/main" id="{1C1CB14D-C079-43C2-AAE2-0D3DA491EA87}"/>
+          <p:cNvPr id="10" name="Picture 9">
+            <a:extLst>
+              <a:ext uri="{FF2B5EF4-FFF2-40B4-BE49-F238E27FC236}">
+                <a16:creationId xmlns:a16="http://schemas.microsoft.com/office/drawing/2014/main" id="{22105438-E534-4B40-94BA-E70CDA7CABD9}"/>
               </a:ext>
             </a:extLst>
           </p:cNvPr>
@@ -8537,45 +8533,10 @@
           </a:prstGeom>
         </p:spPr>
       </p:pic>
-      <p:pic>
-        <p:nvPicPr>
-          <p:cNvPr id="2" name="Picture 1">
-            <a:extLst>
-              <a:ext uri="{FF2B5EF4-FFF2-40B4-BE49-F238E27FC236}">
-                <a16:creationId xmlns:a16="http://schemas.microsoft.com/office/drawing/2014/main" id="{8E27734D-330D-472A-B995-A2A0EDF52B00}"/>
-              </a:ext>
-            </a:extLst>
-          </p:cNvPr>
-          <p:cNvPicPr>
-            <a:picLocks noChangeAspect="1"/>
-          </p:cNvPicPr>
-          <p:nvPr/>
-        </p:nvPicPr>
-        <p:blipFill>
-          <a:blip r:embed="rId3"/>
-          <a:stretch>
-            <a:fillRect/>
-          </a:stretch>
-        </p:blipFill>
-        <p:spPr>
-          <a:xfrm>
-            <a:off x="44386" y="1402672"/>
-            <a:ext cx="12094346" cy="4916764"/>
-          </a:xfrm>
-          <a:prstGeom prst="rect">
-            <a:avLst/>
-          </a:prstGeom>
-          <a:ln>
-            <a:solidFill>
-              <a:schemeClr val="accent1"/>
-            </a:solidFill>
-          </a:ln>
-        </p:spPr>
-      </p:pic>
     </p:spTree>
     <p:extLst>
       <p:ext uri="{BB962C8B-B14F-4D97-AF65-F5344CB8AC3E}">
-        <p14:creationId xmlns:p14="http://schemas.microsoft.com/office/powerpoint/2010/main" val="3499439994"/>
+        <p14:creationId xmlns:p14="http://schemas.microsoft.com/office/powerpoint/2010/main" val="2536284009"/>
       </p:ext>
     </p:extLst>
   </p:cSld>
@@ -8926,10 +8887,10 @@
       </p:sp>
       <p:sp>
         <p:nvSpPr>
-          <p:cNvPr id="11" name="Rectangle 10">
-            <a:extLst>
-              <a:ext uri="{FF2B5EF4-FFF2-40B4-BE49-F238E27FC236}">
-                <a16:creationId xmlns:a16="http://schemas.microsoft.com/office/drawing/2014/main" id="{D55098C6-1198-4DAB-B484-23DB1A599453}"/>
+          <p:cNvPr id="2" name="Rectangle 1">
+            <a:extLst>
+              <a:ext uri="{FF2B5EF4-FFF2-40B4-BE49-F238E27FC236}">
+                <a16:creationId xmlns:a16="http://schemas.microsoft.com/office/drawing/2014/main" id="{EB5F28B2-B9BB-4801-B1DE-9A44957A910C}"/>
               </a:ext>
             </a:extLst>
           </p:cNvPr>
@@ -8938,8 +8899,8 @@
         </p:nvSpPr>
         <p:spPr>
           <a:xfrm>
-            <a:off x="2816470" y="1919767"/>
-            <a:ext cx="6434775" cy="3154710"/>
+            <a:off x="523906" y="1715582"/>
+            <a:ext cx="11108682" cy="3154710"/>
           </a:xfrm>
           <a:prstGeom prst="rect">
             <a:avLst/>
@@ -8973,8 +8934,168 @@
                   </a:outerShdw>
                 </a:effectLst>
               </a:rPr>
-              <a:t>Q &amp; A</a:t>
-            </a:r>
+              <a:t>Thank You</a:t>
+            </a:r>
+          </a:p>
+        </p:txBody>
+      </p:sp>
+      <p:sp>
+        <p:nvSpPr>
+          <p:cNvPr id="11" name="TextBox 10">
+            <a:extLst>
+              <a:ext uri="{FF2B5EF4-FFF2-40B4-BE49-F238E27FC236}">
+                <a16:creationId xmlns:a16="http://schemas.microsoft.com/office/drawing/2014/main" id="{318C71F3-B9B8-4A6F-B98F-C3AFA20E71E5}"/>
+              </a:ext>
+            </a:extLst>
+          </p:cNvPr>
+          <p:cNvSpPr txBox="1"/>
+          <p:nvPr/>
+        </p:nvSpPr>
+        <p:spPr>
+          <a:xfrm>
+            <a:off x="6336049" y="5474812"/>
+            <a:ext cx="5766707" cy="738664"/>
+          </a:xfrm>
+          <a:prstGeom prst="rect">
+            <a:avLst/>
+          </a:prstGeom>
+          <a:solidFill>
+            <a:schemeClr val="accent5">
+              <a:lumMod val="20000"/>
+              <a:lumOff val="80000"/>
+            </a:schemeClr>
+          </a:solidFill>
+          <a:ln w="12700">
+            <a:solidFill>
+              <a:srgbClr val="0070C0"/>
+            </a:solidFill>
+          </a:ln>
+        </p:spPr>
+        <p:txBody>
+          <a:bodyPr wrap="none" rtlCol="0">
+            <a:spAutoFit/>
+          </a:bodyPr>
+          <a:lstStyle/>
+          <a:p>
+            <a:r>
+              <a:rPr lang="en-US" dirty="0">
+                <a:solidFill>
+                  <a:srgbClr val="002060"/>
+                </a:solidFill>
+                <a:latin typeface="Verdana" panose="020B0604030504040204" pitchFamily="34" charset="0"/>
+                <a:ea typeface="Verdana" panose="020B0604030504040204" pitchFamily="34" charset="0"/>
+              </a:rPr>
+              <a:t>Viswanatha Swamy</a:t>
+            </a:r>
+          </a:p>
+          <a:p>
+            <a:r>
+              <a:rPr lang="en-US" sz="1200" dirty="0">
+                <a:solidFill>
+                  <a:srgbClr val="0070C0"/>
+                </a:solidFill>
+                <a:latin typeface="Verdana" panose="020B0604030504040204" pitchFamily="34" charset="0"/>
+                <a:ea typeface="Verdana" panose="020B0604030504040204" pitchFamily="34" charset="0"/>
+              </a:rPr>
+              <a:t>LinkedIn:</a:t>
+            </a:r>
+            <a:r>
+              <a:rPr lang="en-US" sz="1200" dirty="0">
+                <a:solidFill>
+                  <a:srgbClr val="00B0F0"/>
+                </a:solidFill>
+                <a:latin typeface="Verdana" panose="020B0604030504040204" pitchFamily="34" charset="0"/>
+                <a:ea typeface="Verdana" panose="020B0604030504040204" pitchFamily="34" charset="0"/>
+              </a:rPr>
+              <a:t> </a:t>
+            </a:r>
+            <a:r>
+              <a:rPr lang="en-IN" sz="1200" dirty="0">
+                <a:solidFill>
+                  <a:srgbClr val="00B0F0"/>
+                </a:solidFill>
+                <a:latin typeface="Verdana" panose="020B0604030504040204" pitchFamily="34" charset="0"/>
+                <a:ea typeface="Verdana" panose="020B0604030504040204" pitchFamily="34" charset="0"/>
+                <a:hlinkClick r:id="rId2">
+                  <a:extLst>
+                    <a:ext uri="{A12FA001-AC4F-418D-AE19-62706E023703}">
+                      <ahyp:hlinkClr xmlns:ahyp="http://schemas.microsoft.com/office/drawing/2018/hyperlinkcolor" val="tx"/>
+                    </a:ext>
+                  </a:extLst>
+                </a:hlinkClick>
+              </a:rPr>
+              <a:t>https://www.linkedin.com/in/viswanatha-swamy-b57326128/</a:t>
+            </a:r>
+            <a:endParaRPr lang="en-US" sz="1200" dirty="0">
+              <a:solidFill>
+                <a:srgbClr val="00B0F0"/>
+              </a:solidFill>
+              <a:latin typeface="Verdana" panose="020B0604030504040204" pitchFamily="34" charset="0"/>
+              <a:ea typeface="Verdana" panose="020B0604030504040204" pitchFamily="34" charset="0"/>
+            </a:endParaRPr>
+          </a:p>
+          <a:p>
+            <a:r>
+              <a:rPr lang="en-US" sz="1200" dirty="0">
+                <a:solidFill>
+                  <a:srgbClr val="0070C0"/>
+                </a:solidFill>
+                <a:latin typeface="Verdana" panose="020B0604030504040204" pitchFamily="34" charset="0"/>
+                <a:ea typeface="Verdana" panose="020B0604030504040204" pitchFamily="34" charset="0"/>
+              </a:rPr>
+              <a:t>Twitter:</a:t>
+            </a:r>
+            <a:r>
+              <a:rPr lang="en-US" sz="1200" dirty="0">
+                <a:solidFill>
+                  <a:srgbClr val="00B0F0"/>
+                </a:solidFill>
+                <a:latin typeface="Verdana" panose="020B0604030504040204" pitchFamily="34" charset="0"/>
+                <a:ea typeface="Verdana" panose="020B0604030504040204" pitchFamily="34" charset="0"/>
+              </a:rPr>
+              <a:t> </a:t>
+            </a:r>
+            <a:r>
+              <a:rPr lang="en-IN" sz="1200" dirty="0">
+                <a:solidFill>
+                  <a:srgbClr val="00B0F0"/>
+                </a:solidFill>
+                <a:latin typeface="Verdana" panose="020B0604030504040204" pitchFamily="34" charset="0"/>
+                <a:ea typeface="Verdana" panose="020B0604030504040204" pitchFamily="34" charset="0"/>
+                <a:hlinkClick r:id="rId3">
+                  <a:extLst>
+                    <a:ext uri="{A12FA001-AC4F-418D-AE19-62706E023703}">
+                      <ahyp:hlinkClr xmlns:ahyp="http://schemas.microsoft.com/office/drawing/2018/hyperlinkcolor" val="tx"/>
+                    </a:ext>
+                  </a:extLst>
+                </a:hlinkClick>
+              </a:rPr>
+              <a:t>https://twitter.com</a:t>
+            </a:r>
+            <a:r>
+              <a:rPr lang="en-IN" sz="1200">
+                <a:solidFill>
+                  <a:srgbClr val="00B0F0"/>
+                </a:solidFill>
+                <a:latin typeface="Verdana" panose="020B0604030504040204" pitchFamily="34" charset="0"/>
+                <a:ea typeface="Verdana" panose="020B0604030504040204" pitchFamily="34" charset="0"/>
+                <a:hlinkClick r:id="rId3">
+                  <a:extLst>
+                    <a:ext uri="{A12FA001-AC4F-418D-AE19-62706E023703}">
+                      <ahyp:hlinkClr xmlns:ahyp="http://schemas.microsoft.com/office/drawing/2018/hyperlinkcolor" val="tx"/>
+                    </a:ext>
+                  </a:extLst>
+                </a:hlinkClick>
+              </a:rPr>
+              <a:t>/vishipayyallore</a:t>
+            </a:r>
+            <a:endParaRPr lang="en-US" sz="1200" dirty="0">
+              <a:solidFill>
+                <a:srgbClr val="00B0F0"/>
+              </a:solidFill>
+              <a:latin typeface="Verdana" panose="020B0604030504040204" pitchFamily="34" charset="0"/>
+              <a:ea typeface="Verdana" panose="020B0604030504040204" pitchFamily="34" charset="0"/>
+            </a:endParaRPr>
           </a:p>
         </p:txBody>
       </p:sp>
@@ -8983,7 +9104,7 @@
           <p:cNvPr id="10" name="Picture 9">
             <a:extLst>
               <a:ext uri="{FF2B5EF4-FFF2-40B4-BE49-F238E27FC236}">
-                <a16:creationId xmlns:a16="http://schemas.microsoft.com/office/drawing/2014/main" id="{22105438-E534-4B40-94BA-E70CDA7CABD9}"/>
+                <a16:creationId xmlns:a16="http://schemas.microsoft.com/office/drawing/2014/main" id="{8DDA36FE-8A23-444F-9503-314E74615EB7}"/>
               </a:ext>
             </a:extLst>
           </p:cNvPr>
@@ -8993,7 +9114,7 @@
           <p:nvPr/>
         </p:nvPicPr>
         <p:blipFill>
-          <a:blip r:embed="rId2">
+          <a:blip r:embed="rId4">
             <a:extLst>
               <a:ext uri="{28A0092B-C50C-407E-A947-70E740481C1C}">
                 <a14:useLocalDpi xmlns:a14="http://schemas.microsoft.com/office/drawing/2010/main" val="0"/>
@@ -9017,7 +9138,7 @@
     </p:spTree>
     <p:extLst>
       <p:ext uri="{BB962C8B-B14F-4D97-AF65-F5344CB8AC3E}">
-        <p14:creationId xmlns:p14="http://schemas.microsoft.com/office/powerpoint/2010/main" val="2536284009"/>
+        <p14:creationId xmlns:p14="http://schemas.microsoft.com/office/powerpoint/2010/main" val="2437233572"/>
       </p:ext>
     </p:extLst>
   </p:cSld>
@@ -9576,608 +9697,6 @@
     <p:extLst>
       <p:ext uri="{BB962C8B-B14F-4D97-AF65-F5344CB8AC3E}">
         <p14:creationId xmlns:p14="http://schemas.microsoft.com/office/powerpoint/2010/main" val="787546932"/>
-      </p:ext>
-    </p:extLst>
-  </p:cSld>
-  <p:clrMapOvr>
-    <a:masterClrMapping/>
-  </p:clrMapOvr>
-</p:sld>
-</file>
-
-<file path=ppt/slides/slide20.xml><?xml version="1.0" encoding="utf-8"?>
-<p:sld xmlns:a="http://schemas.openxmlformats.org/drawingml/2006/main" xmlns:r="http://schemas.openxmlformats.org/officeDocument/2006/relationships" xmlns:p="http://schemas.openxmlformats.org/presentationml/2006/main">
-  <p:cSld>
-    <p:spTree>
-      <p:nvGrpSpPr>
-        <p:cNvPr id="1" name=""/>
-        <p:cNvGrpSpPr/>
-        <p:nvPr/>
-      </p:nvGrpSpPr>
-      <p:grpSpPr>
-        <a:xfrm>
-          <a:off x="0" y="0"/>
-          <a:ext cx="0" cy="0"/>
-          <a:chOff x="0" y="0"/>
-          <a:chExt cx="0" cy="0"/>
-        </a:xfrm>
-      </p:grpSpPr>
-      <p:sp>
-        <p:nvSpPr>
-          <p:cNvPr id="4" name="Rectangle 3">
-            <a:extLst>
-              <a:ext uri="{FF2B5EF4-FFF2-40B4-BE49-F238E27FC236}">
-                <a16:creationId xmlns:a16="http://schemas.microsoft.com/office/drawing/2014/main" id="{055C22F7-3FD1-4C1B-8D0C-0C2F7FB61DBE}"/>
-              </a:ext>
-            </a:extLst>
-          </p:cNvPr>
-          <p:cNvSpPr/>
-          <p:nvPr/>
-        </p:nvSpPr>
-        <p:spPr>
-          <a:xfrm>
-            <a:off x="0" y="8878"/>
-            <a:ext cx="12183122" cy="497150"/>
-          </a:xfrm>
-          <a:prstGeom prst="rect">
-            <a:avLst/>
-          </a:prstGeom>
-          <a:solidFill>
-            <a:srgbClr val="0070C0"/>
-          </a:solidFill>
-        </p:spPr>
-        <p:style>
-          <a:lnRef idx="2">
-            <a:schemeClr val="accent1">
-              <a:shade val="50000"/>
-            </a:schemeClr>
-          </a:lnRef>
-          <a:fillRef idx="1">
-            <a:schemeClr val="accent1"/>
-          </a:fillRef>
-          <a:effectRef idx="0">
-            <a:schemeClr val="accent1"/>
-          </a:effectRef>
-          <a:fontRef idx="minor">
-            <a:schemeClr val="lt1"/>
-          </a:fontRef>
-        </p:style>
-        <p:txBody>
-          <a:bodyPr rtlCol="0" anchor="ctr"/>
-          <a:lstStyle/>
-          <a:p>
-            <a:pPr algn="ctr"/>
-            <a:endParaRPr lang="en-IN" dirty="0">
-              <a:latin typeface="Verdana" panose="020B0604030504040204" pitchFamily="34" charset="0"/>
-              <a:ea typeface="Verdana" panose="020B0604030504040204" pitchFamily="34" charset="0"/>
-            </a:endParaRPr>
-          </a:p>
-        </p:txBody>
-      </p:sp>
-      <p:sp>
-        <p:nvSpPr>
-          <p:cNvPr id="7" name="Rectangle 6">
-            <a:extLst>
-              <a:ext uri="{FF2B5EF4-FFF2-40B4-BE49-F238E27FC236}">
-                <a16:creationId xmlns:a16="http://schemas.microsoft.com/office/drawing/2014/main" id="{B10720DE-FD2A-4FE5-B9FB-74854D01A659}"/>
-              </a:ext>
-            </a:extLst>
-          </p:cNvPr>
-          <p:cNvSpPr/>
-          <p:nvPr/>
-        </p:nvSpPr>
-        <p:spPr>
-          <a:xfrm>
-            <a:off x="0" y="6383046"/>
-            <a:ext cx="12183122" cy="57703"/>
-          </a:xfrm>
-          <a:prstGeom prst="rect">
-            <a:avLst/>
-          </a:prstGeom>
-          <a:solidFill>
-            <a:srgbClr val="0070C0"/>
-          </a:solidFill>
-        </p:spPr>
-        <p:style>
-          <a:lnRef idx="2">
-            <a:schemeClr val="accent1">
-              <a:shade val="50000"/>
-            </a:schemeClr>
-          </a:lnRef>
-          <a:fillRef idx="1">
-            <a:schemeClr val="accent1"/>
-          </a:fillRef>
-          <a:effectRef idx="0">
-            <a:schemeClr val="accent1"/>
-          </a:effectRef>
-          <a:fontRef idx="minor">
-            <a:schemeClr val="lt1"/>
-          </a:fontRef>
-        </p:style>
-        <p:txBody>
-          <a:bodyPr rtlCol="0" anchor="ctr"/>
-          <a:lstStyle/>
-          <a:p>
-            <a:pPr algn="ctr"/>
-            <a:endParaRPr lang="en-IN" sz="1000" dirty="0">
-              <a:latin typeface="Verdana" panose="020B0604030504040204" pitchFamily="34" charset="0"/>
-              <a:ea typeface="Verdana" panose="020B0604030504040204" pitchFamily="34" charset="0"/>
-            </a:endParaRPr>
-          </a:p>
-        </p:txBody>
-      </p:sp>
-      <p:sp>
-        <p:nvSpPr>
-          <p:cNvPr id="8" name="Footer Placeholder 7">
-            <a:extLst>
-              <a:ext uri="{FF2B5EF4-FFF2-40B4-BE49-F238E27FC236}">
-                <a16:creationId xmlns:a16="http://schemas.microsoft.com/office/drawing/2014/main" id="{DD2A19CA-EC18-432D-8F8F-17079808F38B}"/>
-              </a:ext>
-            </a:extLst>
-          </p:cNvPr>
-          <p:cNvSpPr>
-            <a:spLocks noGrp="1"/>
-          </p:cNvSpPr>
-          <p:nvPr>
-            <p:ph type="ftr" sz="quarter" idx="11"/>
-          </p:nvPr>
-        </p:nvSpPr>
-        <p:spPr>
-          <a:xfrm>
-            <a:off x="4038600" y="6427374"/>
-            <a:ext cx="4114800" cy="365125"/>
-          </a:xfrm>
-        </p:spPr>
-        <p:txBody>
-          <a:bodyPr/>
-          <a:lstStyle/>
-          <a:p>
-            <a:r>
-              <a:rPr lang="en-IN" b="1" dirty="0">
-                <a:solidFill>
-                  <a:srgbClr val="002060"/>
-                </a:solidFill>
-                <a:latin typeface="Verdana" panose="020B0604030504040204" pitchFamily="34" charset="0"/>
-                <a:ea typeface="Verdana" panose="020B0604030504040204" pitchFamily="34" charset="0"/>
-              </a:rPr>
-              <a:t>06-Sep-2020</a:t>
-            </a:r>
-          </a:p>
-        </p:txBody>
-      </p:sp>
-      <p:sp>
-        <p:nvSpPr>
-          <p:cNvPr id="9" name="Slide Number Placeholder 8">
-            <a:extLst>
-              <a:ext uri="{FF2B5EF4-FFF2-40B4-BE49-F238E27FC236}">
-                <a16:creationId xmlns:a16="http://schemas.microsoft.com/office/drawing/2014/main" id="{8162625C-0B1F-42E0-BE7C-D99A08FED7A3}"/>
-              </a:ext>
-            </a:extLst>
-          </p:cNvPr>
-          <p:cNvSpPr>
-            <a:spLocks noGrp="1"/>
-          </p:cNvSpPr>
-          <p:nvPr>
-            <p:ph type="sldNum" sz="quarter" idx="12"/>
-          </p:nvPr>
-        </p:nvSpPr>
-        <p:spPr>
-          <a:xfrm>
-            <a:off x="8610600" y="6427374"/>
-            <a:ext cx="2743200" cy="365125"/>
-          </a:xfrm>
-        </p:spPr>
-        <p:txBody>
-          <a:bodyPr/>
-          <a:lstStyle/>
-          <a:p>
-            <a:fld id="{30AF63FB-5233-4811-A918-B572E3A55817}" type="slidenum">
-              <a:rPr lang="en-IN" b="1" smtClean="0">
-                <a:solidFill>
-                  <a:srgbClr val="002060"/>
-                </a:solidFill>
-                <a:latin typeface="Verdana" panose="020B0604030504040204" pitchFamily="34" charset="0"/>
-                <a:ea typeface="Verdana" panose="020B0604030504040204" pitchFamily="34" charset="0"/>
-              </a:rPr>
-              <a:t>20</a:t>
-            </a:fld>
-            <a:endParaRPr lang="en-IN" b="1" dirty="0">
-              <a:solidFill>
-                <a:srgbClr val="002060"/>
-              </a:solidFill>
-              <a:latin typeface="Verdana" panose="020B0604030504040204" pitchFamily="34" charset="0"/>
-              <a:ea typeface="Verdana" panose="020B0604030504040204" pitchFamily="34" charset="0"/>
-            </a:endParaRPr>
-          </a:p>
-        </p:txBody>
-      </p:sp>
-      <p:sp>
-        <p:nvSpPr>
-          <p:cNvPr id="12" name="Footer Placeholder 7">
-            <a:extLst>
-              <a:ext uri="{FF2B5EF4-FFF2-40B4-BE49-F238E27FC236}">
-                <a16:creationId xmlns:a16="http://schemas.microsoft.com/office/drawing/2014/main" id="{64C57949-E349-47D3-A505-A098233AF49D}"/>
-              </a:ext>
-            </a:extLst>
-          </p:cNvPr>
-          <p:cNvSpPr txBox="1">
-            <a:spLocks/>
-          </p:cNvSpPr>
-          <p:nvPr/>
-        </p:nvSpPr>
-        <p:spPr>
-          <a:xfrm>
-            <a:off x="133897" y="6428848"/>
-            <a:ext cx="4114800" cy="365125"/>
-          </a:xfrm>
-          <a:prstGeom prst="rect">
-            <a:avLst/>
-          </a:prstGeom>
-        </p:spPr>
-        <p:txBody>
-          <a:bodyPr vert="horz" lIns="91440" tIns="45720" rIns="91440" bIns="45720" rtlCol="0" anchor="ctr"/>
-          <a:lstStyle>
-            <a:defPPr>
-              <a:defRPr lang="en-US"/>
-            </a:defPPr>
-            <a:lvl1pPr marL="0" algn="ctr" defTabSz="914400" rtl="0" eaLnBrk="1" latinLnBrk="0" hangingPunct="1">
-              <a:defRPr sz="1200" kern="1200">
-                <a:solidFill>
-                  <a:schemeClr val="tx1">
-                    <a:tint val="75000"/>
-                  </a:schemeClr>
-                </a:solidFill>
-                <a:latin typeface="+mn-lt"/>
-                <a:ea typeface="+mn-ea"/>
-                <a:cs typeface="+mn-cs"/>
-              </a:defRPr>
-            </a:lvl1pPr>
-            <a:lvl2pPr marL="457200" algn="l" defTabSz="914400" rtl="0" eaLnBrk="1" latinLnBrk="0" hangingPunct="1">
-              <a:defRPr sz="1800" kern="1200">
-                <a:solidFill>
-                  <a:schemeClr val="tx1"/>
-                </a:solidFill>
-                <a:latin typeface="+mn-lt"/>
-                <a:ea typeface="+mn-ea"/>
-                <a:cs typeface="+mn-cs"/>
-              </a:defRPr>
-            </a:lvl2pPr>
-            <a:lvl3pPr marL="914400" algn="l" defTabSz="914400" rtl="0" eaLnBrk="1" latinLnBrk="0" hangingPunct="1">
-              <a:defRPr sz="1800" kern="1200">
-                <a:solidFill>
-                  <a:schemeClr val="tx1"/>
-                </a:solidFill>
-                <a:latin typeface="+mn-lt"/>
-                <a:ea typeface="+mn-ea"/>
-                <a:cs typeface="+mn-cs"/>
-              </a:defRPr>
-            </a:lvl3pPr>
-            <a:lvl4pPr marL="1371600" algn="l" defTabSz="914400" rtl="0" eaLnBrk="1" latinLnBrk="0" hangingPunct="1">
-              <a:defRPr sz="1800" kern="1200">
-                <a:solidFill>
-                  <a:schemeClr val="tx1"/>
-                </a:solidFill>
-                <a:latin typeface="+mn-lt"/>
-                <a:ea typeface="+mn-ea"/>
-                <a:cs typeface="+mn-cs"/>
-              </a:defRPr>
-            </a:lvl4pPr>
-            <a:lvl5pPr marL="1828800" algn="l" defTabSz="914400" rtl="0" eaLnBrk="1" latinLnBrk="0" hangingPunct="1">
-              <a:defRPr sz="1800" kern="1200">
-                <a:solidFill>
-                  <a:schemeClr val="tx1"/>
-                </a:solidFill>
-                <a:latin typeface="+mn-lt"/>
-                <a:ea typeface="+mn-ea"/>
-                <a:cs typeface="+mn-cs"/>
-              </a:defRPr>
-            </a:lvl5pPr>
-            <a:lvl6pPr marL="2286000" algn="l" defTabSz="914400" rtl="0" eaLnBrk="1" latinLnBrk="0" hangingPunct="1">
-              <a:defRPr sz="1800" kern="1200">
-                <a:solidFill>
-                  <a:schemeClr val="tx1"/>
-                </a:solidFill>
-                <a:latin typeface="+mn-lt"/>
-                <a:ea typeface="+mn-ea"/>
-                <a:cs typeface="+mn-cs"/>
-              </a:defRPr>
-            </a:lvl6pPr>
-            <a:lvl7pPr marL="2743200" algn="l" defTabSz="914400" rtl="0" eaLnBrk="1" latinLnBrk="0" hangingPunct="1">
-              <a:defRPr sz="1800" kern="1200">
-                <a:solidFill>
-                  <a:schemeClr val="tx1"/>
-                </a:solidFill>
-                <a:latin typeface="+mn-lt"/>
-                <a:ea typeface="+mn-ea"/>
-                <a:cs typeface="+mn-cs"/>
-              </a:defRPr>
-            </a:lvl7pPr>
-            <a:lvl8pPr marL="3200400" algn="l" defTabSz="914400" rtl="0" eaLnBrk="1" latinLnBrk="0" hangingPunct="1">
-              <a:defRPr sz="1800" kern="1200">
-                <a:solidFill>
-                  <a:schemeClr val="tx1"/>
-                </a:solidFill>
-                <a:latin typeface="+mn-lt"/>
-                <a:ea typeface="+mn-ea"/>
-                <a:cs typeface="+mn-cs"/>
-              </a:defRPr>
-            </a:lvl8pPr>
-            <a:lvl9pPr marL="3657600" algn="l" defTabSz="914400" rtl="0" eaLnBrk="1" latinLnBrk="0" hangingPunct="1">
-              <a:defRPr sz="1800" kern="1200">
-                <a:solidFill>
-                  <a:schemeClr val="tx1"/>
-                </a:solidFill>
-                <a:latin typeface="+mn-lt"/>
-                <a:ea typeface="+mn-ea"/>
-                <a:cs typeface="+mn-cs"/>
-              </a:defRPr>
-            </a:lvl9pPr>
-          </a:lstStyle>
-          <a:p>
-            <a:endParaRPr lang="en-IN" b="1" dirty="0">
-              <a:solidFill>
-                <a:srgbClr val="002060"/>
-              </a:solidFill>
-              <a:latin typeface="Verdana" panose="020B0604030504040204" pitchFamily="34" charset="0"/>
-              <a:ea typeface="Verdana" panose="020B0604030504040204" pitchFamily="34" charset="0"/>
-            </a:endParaRPr>
-          </a:p>
-        </p:txBody>
-      </p:sp>
-      <p:sp>
-        <p:nvSpPr>
-          <p:cNvPr id="2" name="Rectangle 1">
-            <a:extLst>
-              <a:ext uri="{FF2B5EF4-FFF2-40B4-BE49-F238E27FC236}">
-                <a16:creationId xmlns:a16="http://schemas.microsoft.com/office/drawing/2014/main" id="{EB5F28B2-B9BB-4801-B1DE-9A44957A910C}"/>
-              </a:ext>
-            </a:extLst>
-          </p:cNvPr>
-          <p:cNvSpPr/>
-          <p:nvPr/>
-        </p:nvSpPr>
-        <p:spPr>
-          <a:xfrm>
-            <a:off x="523906" y="1715582"/>
-            <a:ext cx="11108682" cy="3154710"/>
-          </a:xfrm>
-          <a:prstGeom prst="rect">
-            <a:avLst/>
-          </a:prstGeom>
-          <a:noFill/>
-        </p:spPr>
-        <p:txBody>
-          <a:bodyPr wrap="none" lIns="91440" tIns="45720" rIns="91440" bIns="45720">
-            <a:spAutoFit/>
-          </a:bodyPr>
-          <a:lstStyle/>
-          <a:p>
-            <a:pPr algn="ctr"/>
-            <a:r>
-              <a:rPr lang="en-US" sz="19900" b="1" cap="none" spc="0" dirty="0">
-                <a:ln w="9525">
-                  <a:solidFill>
-                    <a:schemeClr val="bg1"/>
-                  </a:solidFill>
-                  <a:prstDash val="solid"/>
-                </a:ln>
-                <a:solidFill>
-                  <a:schemeClr val="accent5"/>
-                </a:solidFill>
-                <a:effectLst>
-                  <a:outerShdw blurRad="12700" dist="38100" dir="2700000" algn="tl" rotWithShape="0">
-                    <a:schemeClr val="accent5">
-                      <a:lumMod val="60000"/>
-                      <a:lumOff val="40000"/>
-                    </a:schemeClr>
-                  </a:outerShdw>
-                </a:effectLst>
-              </a:rPr>
-              <a:t>Thank You</a:t>
-            </a:r>
-          </a:p>
-        </p:txBody>
-      </p:sp>
-      <p:sp>
-        <p:nvSpPr>
-          <p:cNvPr id="11" name="TextBox 10">
-            <a:extLst>
-              <a:ext uri="{FF2B5EF4-FFF2-40B4-BE49-F238E27FC236}">
-                <a16:creationId xmlns:a16="http://schemas.microsoft.com/office/drawing/2014/main" id="{318C71F3-B9B8-4A6F-B98F-C3AFA20E71E5}"/>
-              </a:ext>
-            </a:extLst>
-          </p:cNvPr>
-          <p:cNvSpPr txBox="1"/>
-          <p:nvPr/>
-        </p:nvSpPr>
-        <p:spPr>
-          <a:xfrm>
-            <a:off x="6336049" y="5474812"/>
-            <a:ext cx="5766707" cy="738664"/>
-          </a:xfrm>
-          <a:prstGeom prst="rect">
-            <a:avLst/>
-          </a:prstGeom>
-          <a:solidFill>
-            <a:schemeClr val="accent5">
-              <a:lumMod val="20000"/>
-              <a:lumOff val="80000"/>
-            </a:schemeClr>
-          </a:solidFill>
-          <a:ln w="12700">
-            <a:solidFill>
-              <a:srgbClr val="0070C0"/>
-            </a:solidFill>
-          </a:ln>
-        </p:spPr>
-        <p:txBody>
-          <a:bodyPr wrap="none" rtlCol="0">
-            <a:spAutoFit/>
-          </a:bodyPr>
-          <a:lstStyle/>
-          <a:p>
-            <a:r>
-              <a:rPr lang="en-US" dirty="0">
-                <a:solidFill>
-                  <a:srgbClr val="002060"/>
-                </a:solidFill>
-                <a:latin typeface="Verdana" panose="020B0604030504040204" pitchFamily="34" charset="0"/>
-                <a:ea typeface="Verdana" panose="020B0604030504040204" pitchFamily="34" charset="0"/>
-              </a:rPr>
-              <a:t>Viswanatha Swamy</a:t>
-            </a:r>
-          </a:p>
-          <a:p>
-            <a:r>
-              <a:rPr lang="en-US" sz="1200" dirty="0">
-                <a:solidFill>
-                  <a:srgbClr val="0070C0"/>
-                </a:solidFill>
-                <a:latin typeface="Verdana" panose="020B0604030504040204" pitchFamily="34" charset="0"/>
-                <a:ea typeface="Verdana" panose="020B0604030504040204" pitchFamily="34" charset="0"/>
-              </a:rPr>
-              <a:t>LinkedIn:</a:t>
-            </a:r>
-            <a:r>
-              <a:rPr lang="en-US" sz="1200" dirty="0">
-                <a:solidFill>
-                  <a:srgbClr val="00B0F0"/>
-                </a:solidFill>
-                <a:latin typeface="Verdana" panose="020B0604030504040204" pitchFamily="34" charset="0"/>
-                <a:ea typeface="Verdana" panose="020B0604030504040204" pitchFamily="34" charset="0"/>
-              </a:rPr>
-              <a:t> </a:t>
-            </a:r>
-            <a:r>
-              <a:rPr lang="en-IN" sz="1200" dirty="0">
-                <a:solidFill>
-                  <a:srgbClr val="00B0F0"/>
-                </a:solidFill>
-                <a:latin typeface="Verdana" panose="020B0604030504040204" pitchFamily="34" charset="0"/>
-                <a:ea typeface="Verdana" panose="020B0604030504040204" pitchFamily="34" charset="0"/>
-                <a:hlinkClick r:id="rId2">
-                  <a:extLst>
-                    <a:ext uri="{A12FA001-AC4F-418D-AE19-62706E023703}">
-                      <ahyp:hlinkClr xmlns:ahyp="http://schemas.microsoft.com/office/drawing/2018/hyperlinkcolor" val="tx"/>
-                    </a:ext>
-                  </a:extLst>
-                </a:hlinkClick>
-              </a:rPr>
-              <a:t>https://www.linkedin.com/in/viswanatha-swamy-b57326128/</a:t>
-            </a:r>
-            <a:endParaRPr lang="en-US" sz="1200" dirty="0">
-              <a:solidFill>
-                <a:srgbClr val="00B0F0"/>
-              </a:solidFill>
-              <a:latin typeface="Verdana" panose="020B0604030504040204" pitchFamily="34" charset="0"/>
-              <a:ea typeface="Verdana" panose="020B0604030504040204" pitchFamily="34" charset="0"/>
-            </a:endParaRPr>
-          </a:p>
-          <a:p>
-            <a:r>
-              <a:rPr lang="en-US" sz="1200" dirty="0">
-                <a:solidFill>
-                  <a:srgbClr val="0070C0"/>
-                </a:solidFill>
-                <a:latin typeface="Verdana" panose="020B0604030504040204" pitchFamily="34" charset="0"/>
-                <a:ea typeface="Verdana" panose="020B0604030504040204" pitchFamily="34" charset="0"/>
-              </a:rPr>
-              <a:t>Twitter:</a:t>
-            </a:r>
-            <a:r>
-              <a:rPr lang="en-US" sz="1200" dirty="0">
-                <a:solidFill>
-                  <a:srgbClr val="00B0F0"/>
-                </a:solidFill>
-                <a:latin typeface="Verdana" panose="020B0604030504040204" pitchFamily="34" charset="0"/>
-                <a:ea typeface="Verdana" panose="020B0604030504040204" pitchFamily="34" charset="0"/>
-              </a:rPr>
-              <a:t> </a:t>
-            </a:r>
-            <a:r>
-              <a:rPr lang="en-IN" sz="1200" dirty="0">
-                <a:solidFill>
-                  <a:srgbClr val="00B0F0"/>
-                </a:solidFill>
-                <a:latin typeface="Verdana" panose="020B0604030504040204" pitchFamily="34" charset="0"/>
-                <a:ea typeface="Verdana" panose="020B0604030504040204" pitchFamily="34" charset="0"/>
-                <a:hlinkClick r:id="rId3">
-                  <a:extLst>
-                    <a:ext uri="{A12FA001-AC4F-418D-AE19-62706E023703}">
-                      <ahyp:hlinkClr xmlns:ahyp="http://schemas.microsoft.com/office/drawing/2018/hyperlinkcolor" val="tx"/>
-                    </a:ext>
-                  </a:extLst>
-                </a:hlinkClick>
-              </a:rPr>
-              <a:t>https://twitter.com</a:t>
-            </a:r>
-            <a:r>
-              <a:rPr lang="en-IN" sz="1200">
-                <a:solidFill>
-                  <a:srgbClr val="00B0F0"/>
-                </a:solidFill>
-                <a:latin typeface="Verdana" panose="020B0604030504040204" pitchFamily="34" charset="0"/>
-                <a:ea typeface="Verdana" panose="020B0604030504040204" pitchFamily="34" charset="0"/>
-                <a:hlinkClick r:id="rId3">
-                  <a:extLst>
-                    <a:ext uri="{A12FA001-AC4F-418D-AE19-62706E023703}">
-                      <ahyp:hlinkClr xmlns:ahyp="http://schemas.microsoft.com/office/drawing/2018/hyperlinkcolor" val="tx"/>
-                    </a:ext>
-                  </a:extLst>
-                </a:hlinkClick>
-              </a:rPr>
-              <a:t>/vishipayyallore</a:t>
-            </a:r>
-            <a:endParaRPr lang="en-US" sz="1200" dirty="0">
-              <a:solidFill>
-                <a:srgbClr val="00B0F0"/>
-              </a:solidFill>
-              <a:latin typeface="Verdana" panose="020B0604030504040204" pitchFamily="34" charset="0"/>
-              <a:ea typeface="Verdana" panose="020B0604030504040204" pitchFamily="34" charset="0"/>
-            </a:endParaRPr>
-          </a:p>
-        </p:txBody>
-      </p:sp>
-      <p:pic>
-        <p:nvPicPr>
-          <p:cNvPr id="10" name="Picture 9">
-            <a:extLst>
-              <a:ext uri="{FF2B5EF4-FFF2-40B4-BE49-F238E27FC236}">
-                <a16:creationId xmlns:a16="http://schemas.microsoft.com/office/drawing/2014/main" id="{8DDA36FE-8A23-444F-9503-314E74615EB7}"/>
-              </a:ext>
-            </a:extLst>
-          </p:cNvPr>
-          <p:cNvPicPr>
-            <a:picLocks noChangeAspect="1"/>
-          </p:cNvPicPr>
-          <p:nvPr/>
-        </p:nvPicPr>
-        <p:blipFill>
-          <a:blip r:embed="rId4">
-            <a:extLst>
-              <a:ext uri="{28A0092B-C50C-407E-A947-70E740481C1C}">
-                <a14:useLocalDpi xmlns:a14="http://schemas.microsoft.com/office/drawing/2010/main" val="0"/>
-              </a:ext>
-            </a:extLst>
-          </a:blip>
-          <a:stretch>
-            <a:fillRect/>
-          </a:stretch>
-        </p:blipFill>
-        <p:spPr>
-          <a:xfrm>
-            <a:off x="189019" y="6488466"/>
-            <a:ext cx="1905000" cy="342900"/>
-          </a:xfrm>
-          <a:prstGeom prst="rect">
-            <a:avLst/>
-          </a:prstGeom>
-        </p:spPr>
-      </p:pic>
-    </p:spTree>
-    <p:extLst>
-      <p:ext uri="{BB962C8B-B14F-4D97-AF65-F5344CB8AC3E}">
-        <p14:creationId xmlns:p14="http://schemas.microsoft.com/office/powerpoint/2010/main" val="2437233572"/>
       </p:ext>
     </p:extLst>
   </p:cSld>
@@ -11335,16 +10854,26 @@
           <a:p>
             <a:pPr algn="ctr"/>
             <a:r>
-              <a:rPr lang="en-US" b="1" dirty="0">
-                <a:latin typeface="Verdana" panose="020B0604030504040204" pitchFamily="34" charset="0"/>
-                <a:ea typeface="Verdana" panose="020B0604030504040204" pitchFamily="34" charset="0"/>
-              </a:rPr>
-              <a:t>Http Request Response</a:t>
-            </a:r>
-            <a:endParaRPr lang="en-IN" b="1" dirty="0">
-              <a:latin typeface="Verdana" panose="020B0604030504040204" pitchFamily="34" charset="0"/>
-              <a:ea typeface="Verdana" panose="020B0604030504040204" pitchFamily="34" charset="0"/>
-            </a:endParaRPr>
+              <a:rPr lang="en-IN" b="1" dirty="0">
+                <a:latin typeface="Verdana" panose="020B0604030504040204" pitchFamily="34" charset="0"/>
+                <a:ea typeface="Verdana" panose="020B0604030504040204" pitchFamily="34" charset="0"/>
+              </a:rPr>
+              <a:t>Web API and REST (</a:t>
+            </a:r>
+            <a:r>
+              <a:rPr lang="en-IN" b="1" dirty="0" err="1">
+                <a:latin typeface="Verdana" panose="020B0604030504040204" pitchFamily="34" charset="0"/>
+                <a:ea typeface="Verdana" panose="020B0604030504040204" pitchFamily="34" charset="0"/>
+              </a:rPr>
+              <a:t>REpresentational</a:t>
+            </a:r>
+            <a:r>
+              <a:rPr lang="en-IN" b="1" dirty="0">
+                <a:latin typeface="Verdana" panose="020B0604030504040204" pitchFamily="34" charset="0"/>
+                <a:ea typeface="Verdana" panose="020B0604030504040204" pitchFamily="34" charset="0"/>
+              </a:rPr>
+              <a:t> State Transfer)</a:t>
+            </a:r>
           </a:p>
         </p:txBody>
       </p:sp>
@@ -11618,6 +11147,123 @@
           </a:p>
         </p:txBody>
       </p:sp>
+      <p:sp>
+        <p:nvSpPr>
+          <p:cNvPr id="10" name="TextBox 9">
+            <a:extLst>
+              <a:ext uri="{FF2B5EF4-FFF2-40B4-BE49-F238E27FC236}">
+                <a16:creationId xmlns:a16="http://schemas.microsoft.com/office/drawing/2014/main" id="{19953791-0C49-4113-A95A-639979BFF9A6}"/>
+              </a:ext>
+            </a:extLst>
+          </p:cNvPr>
+          <p:cNvSpPr txBox="1"/>
+          <p:nvPr/>
+        </p:nvSpPr>
+        <p:spPr>
+          <a:xfrm>
+            <a:off x="80629" y="557824"/>
+            <a:ext cx="12037390" cy="1368901"/>
+          </a:xfrm>
+          <a:prstGeom prst="rect">
+            <a:avLst/>
+          </a:prstGeom>
+          <a:noFill/>
+        </p:spPr>
+        <p:txBody>
+          <a:bodyPr wrap="square" rtlCol="0">
+            <a:spAutoFit/>
+          </a:bodyPr>
+          <a:lstStyle/>
+          <a:p>
+            <a:pPr>
+              <a:lnSpc>
+                <a:spcPct val="150000"/>
+              </a:lnSpc>
+            </a:pPr>
+            <a:r>
+              <a:rPr lang="en-US" dirty="0">
+                <a:solidFill>
+                  <a:srgbClr val="0070C0"/>
+                </a:solidFill>
+                <a:latin typeface="Verdana" panose="020B0604030504040204" pitchFamily="34" charset="0"/>
+                <a:ea typeface="Verdana" panose="020B0604030504040204" pitchFamily="34" charset="0"/>
+              </a:rPr>
+              <a:t>Web API</a:t>
+            </a:r>
+          </a:p>
+          <a:p>
+            <a:pPr marL="171450" indent="-171450">
+              <a:lnSpc>
+                <a:spcPct val="150000"/>
+              </a:lnSpc>
+              <a:buFont typeface="Wingdings" panose="05000000000000000000" pitchFamily="2" charset="2"/>
+              <a:buChar char="Ø"/>
+            </a:pPr>
+            <a:r>
+              <a:rPr lang="en-US" dirty="0">
+                <a:solidFill>
+                  <a:srgbClr val="002060"/>
+                </a:solidFill>
+                <a:latin typeface="Verdana" panose="020B0604030504040204" pitchFamily="34" charset="0"/>
+                <a:ea typeface="Verdana" panose="020B0604030504040204" pitchFamily="34" charset="0"/>
+              </a:rPr>
+              <a:t> A Web API is an application programming interface for either a web server or a web browser.</a:t>
+            </a:r>
+            <a:endParaRPr lang="en-IN" dirty="0">
+              <a:solidFill>
+                <a:srgbClr val="002060"/>
+              </a:solidFill>
+              <a:latin typeface="Verdana" panose="020B0604030504040204" pitchFamily="34" charset="0"/>
+              <a:ea typeface="Verdana" panose="020B0604030504040204" pitchFamily="34" charset="0"/>
+            </a:endParaRPr>
+          </a:p>
+          <a:p>
+            <a:pPr>
+              <a:lnSpc>
+                <a:spcPct val="150000"/>
+              </a:lnSpc>
+            </a:pPr>
+            <a:r>
+              <a:rPr lang="en-IN" dirty="0">
+                <a:solidFill>
+                  <a:srgbClr val="002060"/>
+                </a:solidFill>
+                <a:latin typeface="Verdana" panose="020B0604030504040204" pitchFamily="34" charset="0"/>
+                <a:ea typeface="Verdana" panose="020B0604030504040204" pitchFamily="34" charset="0"/>
+              </a:rPr>
+              <a:t>Reference: </a:t>
+            </a:r>
+            <a:r>
+              <a:rPr lang="en-IN" dirty="0">
+                <a:solidFill>
+                  <a:srgbClr val="002060"/>
+                </a:solidFill>
+                <a:latin typeface="Verdana" panose="020B0604030504040204" pitchFamily="34" charset="0"/>
+                <a:ea typeface="Verdana" panose="020B0604030504040204" pitchFamily="34" charset="0"/>
+                <a:hlinkClick r:id="rId2"/>
+              </a:rPr>
+              <a:t>https://en.wikipedia.org/wiki/Web_API</a:t>
+            </a:r>
+            <a:r>
+              <a:rPr lang="en-IN" sz="2000" dirty="0">
+                <a:solidFill>
+                  <a:srgbClr val="002060"/>
+                </a:solidFill>
+                <a:latin typeface="Verdana" panose="020B0604030504040204" pitchFamily="34" charset="0"/>
+                <a:ea typeface="Verdana" panose="020B0604030504040204" pitchFamily="34" charset="0"/>
+              </a:rPr>
+              <a:t> </a:t>
+            </a:r>
+            <a:endParaRPr lang="en-US" sz="2000" dirty="0">
+              <a:solidFill>
+                <a:srgbClr val="002060"/>
+              </a:solidFill>
+              <a:latin typeface="Verdana" panose="020B0604030504040204" pitchFamily="34" charset="0"/>
+              <a:ea typeface="Verdana" panose="020B0604030504040204" pitchFamily="34" charset="0"/>
+            </a:endParaRPr>
+          </a:p>
+        </p:txBody>
+      </p:sp>
       <p:pic>
         <p:nvPicPr>
           <p:cNvPr id="11" name="Picture 10">
@@ -11633,7 +11279,7 @@
           <p:nvPr/>
         </p:nvPicPr>
         <p:blipFill>
-          <a:blip r:embed="rId2">
+          <a:blip r:embed="rId3">
             <a:extLst>
               <a:ext uri="{28A0092B-C50C-407E-A947-70E740481C1C}">
                 <a14:useLocalDpi xmlns:a14="http://schemas.microsoft.com/office/drawing/2010/main" val="0"/>
@@ -11654,109 +11300,175 @@
           </a:prstGeom>
         </p:spPr>
       </p:pic>
-      <p:pic>
-        <p:nvPicPr>
-          <p:cNvPr id="2" name="Picture 1">
-            <a:extLst>
-              <a:ext uri="{FF2B5EF4-FFF2-40B4-BE49-F238E27FC236}">
-                <a16:creationId xmlns:a16="http://schemas.microsoft.com/office/drawing/2014/main" id="{8365DBB7-429A-4331-9501-030D3168566C}"/>
-              </a:ext>
-            </a:extLst>
-          </p:cNvPr>
-          <p:cNvPicPr>
-            <a:picLocks noChangeAspect="1"/>
-          </p:cNvPicPr>
+      <p:sp>
+        <p:nvSpPr>
+          <p:cNvPr id="13" name="TextBox 12">
+            <a:extLst>
+              <a:ext uri="{FF2B5EF4-FFF2-40B4-BE49-F238E27FC236}">
+                <a16:creationId xmlns:a16="http://schemas.microsoft.com/office/drawing/2014/main" id="{43038380-323E-47D8-963D-6F6AB307F810}"/>
+              </a:ext>
+            </a:extLst>
+          </p:cNvPr>
+          <p:cNvSpPr txBox="1"/>
           <p:nvPr/>
-        </p:nvPicPr>
-        <p:blipFill>
-          <a:blip r:embed="rId3"/>
-          <a:stretch>
-            <a:fillRect/>
-          </a:stretch>
-        </p:blipFill>
-        <p:spPr>
-          <a:xfrm>
-            <a:off x="73608" y="586989"/>
-            <a:ext cx="5769372" cy="4867275"/>
+        </p:nvSpPr>
+        <p:spPr>
+          <a:xfrm>
+            <a:off x="82107" y="2601166"/>
+            <a:ext cx="12037390" cy="3406445"/>
           </a:xfrm>
           <a:prstGeom prst="rect">
             <a:avLst/>
           </a:prstGeom>
-          <a:ln>
-            <a:solidFill>
-              <a:schemeClr val="accent1"/>
-            </a:solidFill>
-          </a:ln>
-        </p:spPr>
-      </p:pic>
-      <p:pic>
-        <p:nvPicPr>
-          <p:cNvPr id="3" name="Picture 2">
-            <a:extLst>
-              <a:ext uri="{FF2B5EF4-FFF2-40B4-BE49-F238E27FC236}">
-                <a16:creationId xmlns:a16="http://schemas.microsoft.com/office/drawing/2014/main" id="{0C436B48-0846-4F94-A131-67C6D715AC8A}"/>
-              </a:ext>
-            </a:extLst>
-          </p:cNvPr>
-          <p:cNvPicPr>
-            <a:picLocks noChangeAspect="1"/>
-          </p:cNvPicPr>
-          <p:nvPr/>
-        </p:nvPicPr>
-        <p:blipFill>
-          <a:blip r:embed="rId4"/>
-          <a:stretch>
-            <a:fillRect/>
-          </a:stretch>
-        </p:blipFill>
-        <p:spPr>
-          <a:xfrm>
-            <a:off x="6276345" y="575257"/>
-            <a:ext cx="5772150" cy="4879007"/>
-          </a:xfrm>
-          <a:prstGeom prst="rect">
-            <a:avLst/>
-          </a:prstGeom>
-          <a:ln>
-            <a:solidFill>
-              <a:schemeClr val="accent1"/>
-            </a:solidFill>
-          </a:ln>
-        </p:spPr>
-      </p:pic>
-      <p:sp>
-        <p:nvSpPr>
-          <p:cNvPr id="5" name="Rectangle 4">
-            <a:extLst>
-              <a:ext uri="{FF2B5EF4-FFF2-40B4-BE49-F238E27FC236}">
-                <a16:creationId xmlns:a16="http://schemas.microsoft.com/office/drawing/2014/main" id="{4D8F170F-9AC6-4746-9FC9-0CB12B0881DA}"/>
-              </a:ext>
-            </a:extLst>
-          </p:cNvPr>
-          <p:cNvSpPr/>
-          <p:nvPr/>
-        </p:nvSpPr>
-        <p:spPr>
-          <a:xfrm>
-            <a:off x="143505" y="5384712"/>
-            <a:ext cx="11904990" cy="734112"/>
-          </a:xfrm>
-          <a:prstGeom prst="rect">
-            <a:avLst/>
-          </a:prstGeom>
-        </p:spPr>
-        <p:txBody>
-          <a:bodyPr wrap="square">
+          <a:noFill/>
+        </p:spPr>
+        <p:txBody>
+          <a:bodyPr wrap="square" rtlCol="0">
             <a:spAutoFit/>
           </a:bodyPr>
           <a:lstStyle/>
           <a:p>
-            <a:pPr algn="just">
+            <a:pPr>
               <a:lnSpc>
                 <a:spcPct val="150000"/>
               </a:lnSpc>
             </a:pPr>
-            <a:endParaRPr lang="en-US" sz="1000" dirty="0">
+            <a:r>
+              <a:rPr lang="en-US" dirty="0">
+                <a:solidFill>
+                  <a:srgbClr val="0070C0"/>
+                </a:solidFill>
+                <a:latin typeface="Verdana" panose="020B0604030504040204" pitchFamily="34" charset="0"/>
+                <a:ea typeface="Verdana" panose="020B0604030504040204" pitchFamily="34" charset="0"/>
+              </a:rPr>
+              <a:t>REST (</a:t>
+            </a:r>
+            <a:r>
+              <a:rPr lang="en-US" dirty="0" err="1">
+                <a:solidFill>
+                  <a:srgbClr val="0070C0"/>
+                </a:solidFill>
+                <a:latin typeface="Verdana" panose="020B0604030504040204" pitchFamily="34" charset="0"/>
+                <a:ea typeface="Verdana" panose="020B0604030504040204" pitchFamily="34" charset="0"/>
+              </a:rPr>
+              <a:t>REpresentational</a:t>
+            </a:r>
+            <a:r>
+              <a:rPr lang="en-US" dirty="0">
+                <a:solidFill>
+                  <a:srgbClr val="0070C0"/>
+                </a:solidFill>
+                <a:latin typeface="Verdana" panose="020B0604030504040204" pitchFamily="34" charset="0"/>
+                <a:ea typeface="Verdana" panose="020B0604030504040204" pitchFamily="34" charset="0"/>
+              </a:rPr>
+              <a:t> State Transfer)</a:t>
+            </a:r>
+          </a:p>
+          <a:p>
+            <a:pPr marL="171450" indent="-171450">
+              <a:lnSpc>
+                <a:spcPct val="150000"/>
+              </a:lnSpc>
+              <a:buFont typeface="Wingdings" panose="05000000000000000000" pitchFamily="2" charset="2"/>
+              <a:buChar char="Ø"/>
+            </a:pPr>
+            <a:r>
+              <a:rPr lang="en-US" sz="2000" dirty="0">
+                <a:solidFill>
+                  <a:srgbClr val="002060"/>
+                </a:solidFill>
+                <a:latin typeface="Verdana" panose="020B0604030504040204" pitchFamily="34" charset="0"/>
+                <a:ea typeface="Verdana" panose="020B0604030504040204" pitchFamily="34" charset="0"/>
+              </a:rPr>
+              <a:t> </a:t>
+            </a:r>
+            <a:r>
+              <a:rPr lang="en-US" dirty="0">
+                <a:solidFill>
+                  <a:srgbClr val="002060"/>
+                </a:solidFill>
+                <a:latin typeface="Verdana" panose="020B0604030504040204" pitchFamily="34" charset="0"/>
+                <a:ea typeface="Verdana" panose="020B0604030504040204" pitchFamily="34" charset="0"/>
+              </a:rPr>
+              <a:t>Representational state transfer (REST) is a software architectural style that defines a set of constraints to be used for creating Web services. </a:t>
+            </a:r>
+          </a:p>
+          <a:p>
+            <a:pPr marL="171450" indent="-171450">
+              <a:lnSpc>
+                <a:spcPct val="150000"/>
+              </a:lnSpc>
+              <a:buFont typeface="Wingdings" panose="05000000000000000000" pitchFamily="2" charset="2"/>
+              <a:buChar char="Ø"/>
+            </a:pPr>
+            <a:r>
+              <a:rPr lang="en-US" dirty="0">
+                <a:solidFill>
+                  <a:srgbClr val="002060"/>
+                </a:solidFill>
+                <a:latin typeface="Verdana" panose="020B0604030504040204" pitchFamily="34" charset="0"/>
+                <a:ea typeface="Verdana" panose="020B0604030504040204" pitchFamily="34" charset="0"/>
+              </a:rPr>
+              <a:t> Web services that conform to the REST architectural style, called RESTful Web services, provide interoperability between computer systems on the internet. </a:t>
+            </a:r>
+          </a:p>
+          <a:p>
+            <a:pPr marL="171450" indent="-171450">
+              <a:lnSpc>
+                <a:spcPct val="150000"/>
+              </a:lnSpc>
+              <a:buFont typeface="Wingdings" panose="05000000000000000000" pitchFamily="2" charset="2"/>
+              <a:buChar char="Ø"/>
+            </a:pPr>
+            <a:r>
+              <a:rPr lang="en-US" dirty="0">
+                <a:solidFill>
+                  <a:srgbClr val="002060"/>
+                </a:solidFill>
+                <a:latin typeface="Verdana" panose="020B0604030504040204" pitchFamily="34" charset="0"/>
+                <a:ea typeface="Verdana" panose="020B0604030504040204" pitchFamily="34" charset="0"/>
+              </a:rPr>
+              <a:t> RESTful Web services allow the requesting systems to access and manipulate textual representations of Web resources by using a uniform and predefined set of stateless operations. </a:t>
+            </a:r>
+          </a:p>
+          <a:p>
+            <a:pPr>
+              <a:lnSpc>
+                <a:spcPct val="150000"/>
+              </a:lnSpc>
+            </a:pPr>
+            <a:r>
+              <a:rPr lang="en-IN" dirty="0">
+                <a:solidFill>
+                  <a:srgbClr val="002060"/>
+                </a:solidFill>
+                <a:latin typeface="Verdana" panose="020B0604030504040204" pitchFamily="34" charset="0"/>
+                <a:ea typeface="Verdana" panose="020B0604030504040204" pitchFamily="34" charset="0"/>
+              </a:rPr>
+              <a:t>Reference: </a:t>
+            </a:r>
+            <a:r>
+              <a:rPr lang="en-IN" dirty="0">
+                <a:solidFill>
+                  <a:srgbClr val="002060"/>
+                </a:solidFill>
+                <a:latin typeface="Verdana" panose="020B0604030504040204" pitchFamily="34" charset="0"/>
+                <a:ea typeface="Verdana" panose="020B0604030504040204" pitchFamily="34" charset="0"/>
+                <a:hlinkClick r:id="rId4"/>
+              </a:rPr>
+              <a:t>https://en.wikipedia.org/wiki/Representational_state_transfer</a:t>
+            </a:r>
+            <a:r>
+              <a:rPr lang="en-IN" dirty="0">
+                <a:solidFill>
+                  <a:srgbClr val="002060"/>
+                </a:solidFill>
+                <a:latin typeface="Verdana" panose="020B0604030504040204" pitchFamily="34" charset="0"/>
+                <a:ea typeface="Verdana" panose="020B0604030504040204" pitchFamily="34" charset="0"/>
+              </a:rPr>
+              <a:t> </a:t>
+            </a:r>
+            <a:endParaRPr lang="en-US" dirty="0">
               <a:solidFill>
                 <a:srgbClr val="002060"/>
               </a:solidFill>
@@ -11764,57 +11476,12 @@
               <a:ea typeface="Verdana" panose="020B0604030504040204" pitchFamily="34" charset="0"/>
             </a:endParaRPr>
           </a:p>
-          <a:p>
-            <a:pPr algn="just">
-              <a:lnSpc>
-                <a:spcPct val="150000"/>
-              </a:lnSpc>
-            </a:pPr>
-            <a:r>
-              <a:rPr lang="en-US" dirty="0">
-                <a:solidFill>
-                  <a:srgbClr val="002060"/>
-                </a:solidFill>
-                <a:latin typeface="Verdana" panose="020B0604030504040204" pitchFamily="34" charset="0"/>
-                <a:ea typeface="Verdana" panose="020B0604030504040204" pitchFamily="34" charset="0"/>
-              </a:rPr>
-              <a:t>References: </a:t>
-            </a:r>
-            <a:r>
-              <a:rPr lang="en-US" dirty="0">
-                <a:solidFill>
-                  <a:srgbClr val="002060"/>
-                </a:solidFill>
-                <a:latin typeface="Verdana" panose="020B0604030504040204" pitchFamily="34" charset="0"/>
-                <a:ea typeface="Verdana" panose="020B0604030504040204" pitchFamily="34" charset="0"/>
-                <a:hlinkClick r:id="rId5"/>
-              </a:rPr>
-              <a:t>https://www.webdevdrops.com/en/http-primer-for-frontend-developers-f091a2070637/</a:t>
-            </a:r>
-            <a:r>
-              <a:rPr lang="en-US" sz="2000" dirty="0">
-                <a:solidFill>
-                  <a:srgbClr val="002060"/>
-                </a:solidFill>
-                <a:latin typeface="Verdana" panose="020B0604030504040204" pitchFamily="34" charset="0"/>
-                <a:ea typeface="Verdana" panose="020B0604030504040204" pitchFamily="34" charset="0"/>
-              </a:rPr>
-              <a:t> </a:t>
-            </a:r>
-            <a:endParaRPr lang="en-US" sz="2000" dirty="0">
-              <a:solidFill>
-                <a:srgbClr val="0070C0"/>
-              </a:solidFill>
-              <a:latin typeface="Verdana" panose="020B0604030504040204" pitchFamily="34" charset="0"/>
-              <a:ea typeface="Verdana" panose="020B0604030504040204" pitchFamily="34" charset="0"/>
-            </a:endParaRPr>
-          </a:p>
         </p:txBody>
       </p:sp>
     </p:spTree>
     <p:extLst>
       <p:ext uri="{BB962C8B-B14F-4D97-AF65-F5344CB8AC3E}">
-        <p14:creationId xmlns:p14="http://schemas.microsoft.com/office/powerpoint/2010/main" val="3493618328"/>
+        <p14:creationId xmlns:p14="http://schemas.microsoft.com/office/powerpoint/2010/main" val="2347164511"/>
       </p:ext>
     </p:extLst>
   </p:cSld>
@@ -11891,21 +11558,7 @@
                 <a:latin typeface="Verdana" panose="020B0604030504040204" pitchFamily="34" charset="0"/>
                 <a:ea typeface="Verdana" panose="020B0604030504040204" pitchFamily="34" charset="0"/>
               </a:rPr>
-              <a:t>Web API and REST (</a:t>
-            </a:r>
-            <a:r>
-              <a:rPr lang="en-IN" b="1" dirty="0" err="1">
-                <a:latin typeface="Verdana" panose="020B0604030504040204" pitchFamily="34" charset="0"/>
-                <a:ea typeface="Verdana" panose="020B0604030504040204" pitchFamily="34" charset="0"/>
-              </a:rPr>
-              <a:t>REpresentational</a:t>
-            </a:r>
-            <a:r>
-              <a:rPr lang="en-IN" b="1" dirty="0">
-                <a:latin typeface="Verdana" panose="020B0604030504040204" pitchFamily="34" charset="0"/>
-                <a:ea typeface="Verdana" panose="020B0604030504040204" pitchFamily="34" charset="0"/>
-              </a:rPr>
-              <a:t> State Transfer)</a:t>
+              <a:t>REST Principles / Architectural Constrains</a:t>
             </a:r>
           </a:p>
         </p:txBody>
@@ -12180,12 +11833,48 @@
           </a:p>
         </p:txBody>
       </p:sp>
-      <p:sp>
-        <p:nvSpPr>
-          <p:cNvPr id="10" name="TextBox 9">
-            <a:extLst>
-              <a:ext uri="{FF2B5EF4-FFF2-40B4-BE49-F238E27FC236}">
-                <a16:creationId xmlns:a16="http://schemas.microsoft.com/office/drawing/2014/main" id="{19953791-0C49-4113-A95A-639979BFF9A6}"/>
+      <p:pic>
+        <p:nvPicPr>
+          <p:cNvPr id="11" name="Picture 10">
+            <a:extLst>
+              <a:ext uri="{FF2B5EF4-FFF2-40B4-BE49-F238E27FC236}">
+                <a16:creationId xmlns:a16="http://schemas.microsoft.com/office/drawing/2014/main" id="{BAFAC024-A197-4E14-81E6-8E7B8CCD3120}"/>
+              </a:ext>
+            </a:extLst>
+          </p:cNvPr>
+          <p:cNvPicPr>
+            <a:picLocks noChangeAspect="1"/>
+          </p:cNvPicPr>
+          <p:nvPr/>
+        </p:nvPicPr>
+        <p:blipFill>
+          <a:blip r:embed="rId2">
+            <a:extLst>
+              <a:ext uri="{28A0092B-C50C-407E-A947-70E740481C1C}">
+                <a14:useLocalDpi xmlns:a14="http://schemas.microsoft.com/office/drawing/2010/main" val="0"/>
+              </a:ext>
+            </a:extLst>
+          </a:blip>
+          <a:stretch>
+            <a:fillRect/>
+          </a:stretch>
+        </p:blipFill>
+        <p:spPr>
+          <a:xfrm>
+            <a:off x="189019" y="6488466"/>
+            <a:ext cx="1905000" cy="342900"/>
+          </a:xfrm>
+          <a:prstGeom prst="rect">
+            <a:avLst/>
+          </a:prstGeom>
+        </p:spPr>
+      </p:pic>
+      <p:sp>
+        <p:nvSpPr>
+          <p:cNvPr id="13" name="TextBox 12">
+            <a:extLst>
+              <a:ext uri="{FF2B5EF4-FFF2-40B4-BE49-F238E27FC236}">
+                <a16:creationId xmlns:a16="http://schemas.microsoft.com/office/drawing/2014/main" id="{43038380-323E-47D8-963D-6F6AB307F810}"/>
               </a:ext>
             </a:extLst>
           </p:cNvPr>
@@ -12194,8 +11883,8 @@
         </p:nvSpPr>
         <p:spPr>
           <a:xfrm>
-            <a:off x="80629" y="557824"/>
-            <a:ext cx="12037390" cy="1368901"/>
+            <a:off x="82107" y="568172"/>
+            <a:ext cx="12037390" cy="5404108"/>
           </a:xfrm>
           <a:prstGeom prst="rect">
             <a:avLst/>
@@ -12208,41 +11897,39 @@
           </a:bodyPr>
           <a:lstStyle/>
           <a:p>
-            <a:pPr>
+            <a:pPr algn="just">
               <a:lnSpc>
                 <a:spcPct val="150000"/>
               </a:lnSpc>
             </a:pPr>
             <a:r>
-              <a:rPr lang="en-US" dirty="0">
-                <a:solidFill>
-                  <a:srgbClr val="0070C0"/>
-                </a:solidFill>
-                <a:latin typeface="Verdana" panose="020B0604030504040204" pitchFamily="34" charset="0"/>
-                <a:ea typeface="Verdana" panose="020B0604030504040204" pitchFamily="34" charset="0"/>
-              </a:rPr>
-              <a:t>Web API</a:t>
-            </a:r>
-          </a:p>
-          <a:p>
-            <a:pPr marL="171450" indent="-171450">
+              <a:rPr lang="en-US" sz="1400" u="sng" dirty="0">
+                <a:solidFill>
+                  <a:srgbClr val="002060"/>
+                </a:solidFill>
+                <a:latin typeface="Verdana" panose="020B0604030504040204" pitchFamily="34" charset="0"/>
+                <a:ea typeface="Verdana" panose="020B0604030504040204" pitchFamily="34" charset="0"/>
+              </a:rPr>
+              <a:t>Client–server</a:t>
+            </a:r>
+            <a:r>
+              <a:rPr lang="en-US" sz="1400" dirty="0">
+                <a:solidFill>
+                  <a:srgbClr val="002060"/>
+                </a:solidFill>
+                <a:latin typeface="Verdana" panose="020B0604030504040204" pitchFamily="34" charset="0"/>
+                <a:ea typeface="Verdana" panose="020B0604030504040204" pitchFamily="34" charset="0"/>
+              </a:rPr>
+              <a:t>: The principle behind the client-server constraints is the separation of concerns. Separating the user interface concerns from the data storage concerns improves the portability of the user interfaces across multiple platforms. </a:t>
+            </a:r>
+          </a:p>
+          <a:p>
+            <a:pPr algn="just">
               <a:lnSpc>
                 <a:spcPct val="150000"/>
               </a:lnSpc>
-              <a:buFont typeface="Wingdings" panose="05000000000000000000" pitchFamily="2" charset="2"/>
-              <a:buChar char="Ø"/>
             </a:pPr>
-            <a:r>
-              <a:rPr lang="en-US" dirty="0">
-                <a:solidFill>
-                  <a:srgbClr val="002060"/>
-                </a:solidFill>
-                <a:latin typeface="Verdana" panose="020B0604030504040204" pitchFamily="34" charset="0"/>
-                <a:ea typeface="Verdana" panose="020B0604030504040204" pitchFamily="34" charset="0"/>
-              </a:rPr>
-              <a:t> A Web API is an application programming interface for either a web server or a web browser.</a:t>
-            </a:r>
-            <a:endParaRPr lang="en-IN" dirty="0">
+            <a:endParaRPr lang="en-US" sz="1000" dirty="0">
               <a:solidFill>
                 <a:srgbClr val="002060"/>
               </a:solidFill>
@@ -12251,43 +11938,39 @@
             </a:endParaRPr>
           </a:p>
           <a:p>
-            <a:pPr>
+            <a:pPr algn="just">
               <a:lnSpc>
                 <a:spcPct val="150000"/>
               </a:lnSpc>
             </a:pPr>
             <a:r>
-              <a:rPr lang="en-IN" dirty="0">
+              <a:rPr lang="en-US" sz="1400" u="sng" dirty="0">
                 <a:solidFill>
                   <a:srgbClr val="002060"/>
                 </a:solidFill>
                 <a:latin typeface="Verdana" panose="020B0604030504040204" pitchFamily="34" charset="0"/>
                 <a:ea typeface="Verdana" panose="020B0604030504040204" pitchFamily="34" charset="0"/>
               </a:rPr>
-              <a:t>Reference: </a:t>
-            </a:r>
-            <a:r>
-              <a:rPr lang="en-IN" dirty="0">
+              <a:t>Stateless</a:t>
+            </a:r>
+            <a:r>
+              <a:rPr lang="en-US" sz="1400" dirty="0">
                 <a:solidFill>
                   <a:srgbClr val="002060"/>
                 </a:solidFill>
                 <a:latin typeface="Verdana" panose="020B0604030504040204" pitchFamily="34" charset="0"/>
                 <a:ea typeface="Verdana" panose="020B0604030504040204" pitchFamily="34" charset="0"/>
-                <a:hlinkClick r:id="rId2"/>
-              </a:rPr>
-              <a:t>https://en.wikipedia.org/wiki/Web_API</a:t>
-            </a:r>
-            <a:r>
-              <a:rPr lang="en-IN" sz="2000" dirty="0">
-                <a:solidFill>
-                  <a:srgbClr val="002060"/>
-                </a:solidFill>
-                <a:latin typeface="Verdana" panose="020B0604030504040204" pitchFamily="34" charset="0"/>
-                <a:ea typeface="Verdana" panose="020B0604030504040204" pitchFamily="34" charset="0"/>
-              </a:rPr>
-              <a:t> </a:t>
-            </a:r>
-            <a:endParaRPr lang="en-US" sz="2000" dirty="0">
+              </a:rPr>
+              <a:t>: Each request from client to server must contain all the information necessary to full fill the request. Session state is therefore kept entirely on the client.</a:t>
+            </a:r>
+          </a:p>
+          <a:p>
+            <a:pPr algn="just">
+              <a:lnSpc>
+                <a:spcPct val="150000"/>
+              </a:lnSpc>
+            </a:pPr>
+            <a:endParaRPr lang="en-US" sz="1000" dirty="0">
               <a:solidFill>
                 <a:srgbClr val="002060"/>
               </a:solidFill>
@@ -12295,213 +11978,40 @@
               <a:ea typeface="Verdana" panose="020B0604030504040204" pitchFamily="34" charset="0"/>
             </a:endParaRPr>
           </a:p>
-        </p:txBody>
-      </p:sp>
-      <p:pic>
-        <p:nvPicPr>
-          <p:cNvPr id="11" name="Picture 10">
-            <a:extLst>
-              <a:ext uri="{FF2B5EF4-FFF2-40B4-BE49-F238E27FC236}">
-                <a16:creationId xmlns:a16="http://schemas.microsoft.com/office/drawing/2014/main" id="{BAFAC024-A197-4E14-81E6-8E7B8CCD3120}"/>
-              </a:ext>
-            </a:extLst>
-          </p:cNvPr>
-          <p:cNvPicPr>
-            <a:picLocks noChangeAspect="1"/>
-          </p:cNvPicPr>
-          <p:nvPr/>
-        </p:nvPicPr>
-        <p:blipFill>
-          <a:blip r:embed="rId3">
-            <a:extLst>
-              <a:ext uri="{28A0092B-C50C-407E-A947-70E740481C1C}">
-                <a14:useLocalDpi xmlns:a14="http://schemas.microsoft.com/office/drawing/2010/main" val="0"/>
-              </a:ext>
-            </a:extLst>
-          </a:blip>
-          <a:stretch>
-            <a:fillRect/>
-          </a:stretch>
-        </p:blipFill>
-        <p:spPr>
-          <a:xfrm>
-            <a:off x="189019" y="6488466"/>
-            <a:ext cx="1905000" cy="342900"/>
-          </a:xfrm>
-          <a:prstGeom prst="rect">
-            <a:avLst/>
-          </a:prstGeom>
-        </p:spPr>
-      </p:pic>
-      <p:sp>
-        <p:nvSpPr>
-          <p:cNvPr id="13" name="TextBox 12">
-            <a:extLst>
-              <a:ext uri="{FF2B5EF4-FFF2-40B4-BE49-F238E27FC236}">
-                <a16:creationId xmlns:a16="http://schemas.microsoft.com/office/drawing/2014/main" id="{43038380-323E-47D8-963D-6F6AB307F810}"/>
-              </a:ext>
-            </a:extLst>
-          </p:cNvPr>
-          <p:cNvSpPr txBox="1"/>
-          <p:nvPr/>
-        </p:nvSpPr>
-        <p:spPr>
-          <a:xfrm>
-            <a:off x="82107" y="2601166"/>
-            <a:ext cx="12037390" cy="3406445"/>
-          </a:xfrm>
-          <a:prstGeom prst="rect">
-            <a:avLst/>
-          </a:prstGeom>
-          <a:noFill/>
-        </p:spPr>
-        <p:txBody>
-          <a:bodyPr wrap="square" rtlCol="0">
-            <a:spAutoFit/>
-          </a:bodyPr>
-          <a:lstStyle/>
-          <a:p>
-            <a:pPr>
+          <a:p>
+            <a:pPr algn="just">
               <a:lnSpc>
                 <a:spcPct val="150000"/>
               </a:lnSpc>
             </a:pPr>
             <a:r>
-              <a:rPr lang="en-US" dirty="0">
-                <a:solidFill>
-                  <a:srgbClr val="0070C0"/>
-                </a:solidFill>
-                <a:latin typeface="Verdana" panose="020B0604030504040204" pitchFamily="34" charset="0"/>
-                <a:ea typeface="Verdana" panose="020B0604030504040204" pitchFamily="34" charset="0"/>
-              </a:rPr>
-              <a:t>REST (</a:t>
-            </a:r>
-            <a:r>
-              <a:rPr lang="en-US" dirty="0" err="1">
-                <a:solidFill>
-                  <a:srgbClr val="0070C0"/>
-                </a:solidFill>
-                <a:latin typeface="Verdana" panose="020B0604030504040204" pitchFamily="34" charset="0"/>
-                <a:ea typeface="Verdana" panose="020B0604030504040204" pitchFamily="34" charset="0"/>
-              </a:rPr>
-              <a:t>REpresentational</a:t>
-            </a:r>
-            <a:r>
-              <a:rPr lang="en-US" dirty="0">
-                <a:solidFill>
-                  <a:srgbClr val="0070C0"/>
-                </a:solidFill>
-                <a:latin typeface="Verdana" panose="020B0604030504040204" pitchFamily="34" charset="0"/>
-                <a:ea typeface="Verdana" panose="020B0604030504040204" pitchFamily="34" charset="0"/>
-              </a:rPr>
-              <a:t> State Transfer)</a:t>
-            </a:r>
-          </a:p>
-          <a:p>
-            <a:pPr marL="171450" indent="-171450">
-              <a:lnSpc>
-                <a:spcPct val="150000"/>
-              </a:lnSpc>
-              <a:buFont typeface="Wingdings" panose="05000000000000000000" pitchFamily="2" charset="2"/>
-              <a:buChar char="Ø"/>
-            </a:pPr>
-            <a:r>
-              <a:rPr lang="en-US" sz="2000" dirty="0">
+              <a:rPr lang="en-US" sz="1400" u="sng" dirty="0">
                 <a:solidFill>
                   <a:srgbClr val="002060"/>
                 </a:solidFill>
                 <a:latin typeface="Verdana" panose="020B0604030504040204" pitchFamily="34" charset="0"/>
                 <a:ea typeface="Verdana" panose="020B0604030504040204" pitchFamily="34" charset="0"/>
               </a:rPr>
-              <a:t> </a:t>
-            </a:r>
-            <a:r>
-              <a:rPr lang="en-US" dirty="0">
+              <a:t>Cacheable</a:t>
+            </a:r>
+            <a:r>
+              <a:rPr lang="en-US" sz="1400" dirty="0">
                 <a:solidFill>
                   <a:srgbClr val="002060"/>
                 </a:solidFill>
                 <a:latin typeface="Verdana" panose="020B0604030504040204" pitchFamily="34" charset="0"/>
                 <a:ea typeface="Verdana" panose="020B0604030504040204" pitchFamily="34" charset="0"/>
               </a:rPr>
-              <a:t>Representational state transfer (REST) is a software architectural style that defines a set of constraints to be used for creating Web services. </a:t>
-            </a:r>
-          </a:p>
-          <a:p>
-            <a:pPr marL="171450" indent="-171450">
-              <a:lnSpc>
-                <a:spcPct val="150000"/>
-              </a:lnSpc>
-              <a:buFont typeface="Wingdings" panose="05000000000000000000" pitchFamily="2" charset="2"/>
-              <a:buChar char="Ø"/>
-            </a:pPr>
-            <a:r>
-              <a:rPr lang="en-US" dirty="0">
-                <a:solidFill>
-                  <a:srgbClr val="002060"/>
-                </a:solidFill>
-                <a:latin typeface="Verdana" panose="020B0604030504040204" pitchFamily="34" charset="0"/>
-                <a:ea typeface="Verdana" panose="020B0604030504040204" pitchFamily="34" charset="0"/>
-              </a:rPr>
-              <a:t> Web services that conform to the REST architectural style, called RESTful Web services, provide interoperability between computer systems on the internet. </a:t>
-            </a:r>
-          </a:p>
-          <a:p>
-            <a:pPr marL="171450" indent="-171450">
-              <a:lnSpc>
-                <a:spcPct val="150000"/>
-              </a:lnSpc>
-              <a:buFont typeface="Wingdings" panose="05000000000000000000" pitchFamily="2" charset="2"/>
-              <a:buChar char="Ø"/>
-            </a:pPr>
-            <a:r>
-              <a:rPr lang="en-US" dirty="0">
-                <a:solidFill>
-                  <a:srgbClr val="002060"/>
-                </a:solidFill>
-                <a:latin typeface="Verdana" panose="020B0604030504040204" pitchFamily="34" charset="0"/>
-                <a:ea typeface="Verdana" panose="020B0604030504040204" pitchFamily="34" charset="0"/>
-              </a:rPr>
-              <a:t> RESTful Web services allow the requesting systems to access and manipulate textual representations of Web resources by using a uniform and predefined set of stateless operations. </a:t>
-            </a:r>
-          </a:p>
-          <a:p>
-            <a:pPr>
+              <a:t>: Cache constraints require that the data within a response to a request be implicitly or explicitly labeled as cacheable or non-cacheable.</a:t>
+            </a:r>
+          </a:p>
+          <a:p>
+            <a:pPr algn="just">
               <a:lnSpc>
                 <a:spcPct val="150000"/>
               </a:lnSpc>
             </a:pPr>
-            <a:r>
-              <a:rPr lang="en-IN" dirty="0">
-                <a:solidFill>
-                  <a:srgbClr val="002060"/>
-                </a:solidFill>
-                <a:latin typeface="Verdana" panose="020B0604030504040204" pitchFamily="34" charset="0"/>
-                <a:ea typeface="Verdana" panose="020B0604030504040204" pitchFamily="34" charset="0"/>
-              </a:rPr>
-              <a:t>Reference: </a:t>
-            </a:r>
-            <a:r>
-              <a:rPr lang="en-IN" dirty="0">
-                <a:solidFill>
-                  <a:srgbClr val="002060"/>
-                </a:solidFill>
-                <a:latin typeface="Verdana" panose="020B0604030504040204" pitchFamily="34" charset="0"/>
-                <a:ea typeface="Verdana" panose="020B0604030504040204" pitchFamily="34" charset="0"/>
-                <a:hlinkClick r:id="rId4"/>
-              </a:rPr>
-              <a:t>https://en.wikipedia.org/wiki/Representational_state_transfer</a:t>
-            </a:r>
-            <a:r>
-              <a:rPr lang="en-IN" dirty="0">
-                <a:solidFill>
-                  <a:srgbClr val="002060"/>
-                </a:solidFill>
-                <a:latin typeface="Verdana" panose="020B0604030504040204" pitchFamily="34" charset="0"/>
-                <a:ea typeface="Verdana" panose="020B0604030504040204" pitchFamily="34" charset="0"/>
-              </a:rPr>
-              <a:t> </a:t>
-            </a:r>
-            <a:endParaRPr lang="en-US" dirty="0">
+            <a:endParaRPr lang="en-US" sz="1000" u="sng" dirty="0">
               <a:solidFill>
                 <a:srgbClr val="002060"/>
               </a:solidFill>
@@ -12509,12 +12019,142 @@
               <a:ea typeface="Verdana" panose="020B0604030504040204" pitchFamily="34" charset="0"/>
             </a:endParaRPr>
           </a:p>
+          <a:p>
+            <a:pPr algn="just">
+              <a:lnSpc>
+                <a:spcPct val="150000"/>
+              </a:lnSpc>
+            </a:pPr>
+            <a:r>
+              <a:rPr lang="en-US" sz="1400" u="sng" dirty="0">
+                <a:solidFill>
+                  <a:srgbClr val="002060"/>
+                </a:solidFill>
+                <a:latin typeface="Verdana" panose="020B0604030504040204" pitchFamily="34" charset="0"/>
+                <a:ea typeface="Verdana" panose="020B0604030504040204" pitchFamily="34" charset="0"/>
+              </a:rPr>
+              <a:t>Layered system</a:t>
+            </a:r>
+            <a:r>
+              <a:rPr lang="en-US" sz="1400" dirty="0">
+                <a:solidFill>
+                  <a:srgbClr val="002060"/>
+                </a:solidFill>
+                <a:latin typeface="Verdana" panose="020B0604030504040204" pitchFamily="34" charset="0"/>
+                <a:ea typeface="Verdana" panose="020B0604030504040204" pitchFamily="34" charset="0"/>
+              </a:rPr>
+              <a:t>: A client cannot ordinarily tell whether it is connected directly to the end server, or to an intermediary along the way. Intermediary servers can improve system scalability by enabling load balancing and by providing shared caches.</a:t>
+            </a:r>
+          </a:p>
+          <a:p>
+            <a:pPr algn="just">
+              <a:lnSpc>
+                <a:spcPct val="150000"/>
+              </a:lnSpc>
+            </a:pPr>
+            <a:endParaRPr lang="en-US" sz="1000" dirty="0">
+              <a:solidFill>
+                <a:srgbClr val="002060"/>
+              </a:solidFill>
+              <a:latin typeface="Verdana" panose="020B0604030504040204" pitchFamily="34" charset="0"/>
+              <a:ea typeface="Verdana" panose="020B0604030504040204" pitchFamily="34" charset="0"/>
+            </a:endParaRPr>
+          </a:p>
+          <a:p>
+            <a:pPr algn="just">
+              <a:lnSpc>
+                <a:spcPct val="150000"/>
+              </a:lnSpc>
+            </a:pPr>
+            <a:r>
+              <a:rPr lang="en-US" sz="1400" u="sng" dirty="0">
+                <a:solidFill>
+                  <a:srgbClr val="002060"/>
+                </a:solidFill>
+                <a:latin typeface="Verdana" panose="020B0604030504040204" pitchFamily="34" charset="0"/>
+                <a:ea typeface="Verdana" panose="020B0604030504040204" pitchFamily="34" charset="0"/>
+              </a:rPr>
+              <a:t>Uniform interface</a:t>
+            </a:r>
+            <a:r>
+              <a:rPr lang="en-US" sz="1400" dirty="0">
+                <a:solidFill>
+                  <a:srgbClr val="002060"/>
+                </a:solidFill>
+                <a:latin typeface="Verdana" panose="020B0604030504040204" pitchFamily="34" charset="0"/>
+                <a:ea typeface="Verdana" panose="020B0604030504040204" pitchFamily="34" charset="0"/>
+              </a:rPr>
+              <a:t>: In order to obtain a uniform interface, multiple architectural constraints are needed to guide the behavior of components. REST is defined by four interface constraints: identification of resources; manipulation of resources through representations; self-descriptive messages; and, hypermedia as the engine of application state.</a:t>
+            </a:r>
+          </a:p>
+          <a:p>
+            <a:pPr algn="just">
+              <a:lnSpc>
+                <a:spcPct val="150000"/>
+              </a:lnSpc>
+            </a:pPr>
+            <a:endParaRPr lang="en-US" sz="1000" dirty="0">
+              <a:solidFill>
+                <a:srgbClr val="002060"/>
+              </a:solidFill>
+              <a:latin typeface="Verdana" panose="020B0604030504040204" pitchFamily="34" charset="0"/>
+              <a:ea typeface="Verdana" panose="020B0604030504040204" pitchFamily="34" charset="0"/>
+            </a:endParaRPr>
+          </a:p>
+          <a:p>
+            <a:pPr algn="just">
+              <a:lnSpc>
+                <a:spcPct val="150000"/>
+              </a:lnSpc>
+            </a:pPr>
+            <a:r>
+              <a:rPr lang="en-US" sz="1400" u="sng" dirty="0">
+                <a:solidFill>
+                  <a:srgbClr val="002060"/>
+                </a:solidFill>
+                <a:latin typeface="Verdana" panose="020B0604030504040204" pitchFamily="34" charset="0"/>
+                <a:ea typeface="Verdana" panose="020B0604030504040204" pitchFamily="34" charset="0"/>
+              </a:rPr>
+              <a:t>Code on demand (optional)</a:t>
+            </a:r>
+            <a:r>
+              <a:rPr lang="en-US" sz="1400" dirty="0">
+                <a:solidFill>
+                  <a:srgbClr val="002060"/>
+                </a:solidFill>
+                <a:latin typeface="Verdana" panose="020B0604030504040204" pitchFamily="34" charset="0"/>
+                <a:ea typeface="Verdana" panose="020B0604030504040204" pitchFamily="34" charset="0"/>
+              </a:rPr>
+              <a:t>: REST allows client functionality to be extended by downloading and executing code in the form of applets or scripts. Reference: </a:t>
+            </a:r>
+            <a:r>
+              <a:rPr lang="en-US" sz="1400" dirty="0">
+                <a:solidFill>
+                  <a:srgbClr val="002060"/>
+                </a:solidFill>
+                <a:latin typeface="Verdana" panose="020B0604030504040204" pitchFamily="34" charset="0"/>
+                <a:ea typeface="Verdana" panose="020B0604030504040204" pitchFamily="34" charset="0"/>
+                <a:hlinkClick r:id="rId3"/>
+              </a:rPr>
+              <a:t>https://en.wikipedia.org/wiki/Representational_state_transfer</a:t>
+            </a:r>
+            <a:r>
+              <a:rPr lang="en-US" sz="1400" dirty="0">
+                <a:solidFill>
+                  <a:srgbClr val="002060"/>
+                </a:solidFill>
+                <a:latin typeface="Verdana" panose="020B0604030504040204" pitchFamily="34" charset="0"/>
+                <a:ea typeface="Verdana" panose="020B0604030504040204" pitchFamily="34" charset="0"/>
+              </a:rPr>
+              <a:t> </a:t>
+            </a:r>
+          </a:p>
         </p:txBody>
       </p:sp>
     </p:spTree>
     <p:extLst>
       <p:ext uri="{BB962C8B-B14F-4D97-AF65-F5344CB8AC3E}">
-        <p14:creationId xmlns:p14="http://schemas.microsoft.com/office/powerpoint/2010/main" val="2347164511"/>
+        <p14:creationId xmlns:p14="http://schemas.microsoft.com/office/powerpoint/2010/main" val="1587389083"/>
       </p:ext>
     </p:extLst>
   </p:cSld>
@@ -12591,7 +12231,7 @@
                 <a:latin typeface="Verdana" panose="020B0604030504040204" pitchFamily="34" charset="0"/>
                 <a:ea typeface="Verdana" panose="020B0604030504040204" pitchFamily="34" charset="0"/>
               </a:rPr>
-              <a:t>REST Principles / Architectural Constrains</a:t>
+              <a:t>Motivation for choosing Web API</a:t>
             </a:r>
           </a:p>
         </p:txBody>
@@ -12917,7 +12557,7 @@
         <p:spPr>
           <a:xfrm>
             <a:off x="82107" y="568172"/>
-            <a:ext cx="12037390" cy="5404108"/>
+            <a:ext cx="12037390" cy="5139548"/>
           </a:xfrm>
           <a:prstGeom prst="rect">
             <a:avLst/>
@@ -12930,39 +12570,33 @@
           </a:bodyPr>
           <a:lstStyle/>
           <a:p>
-            <a:pPr algn="just">
+            <a:pPr marL="285750" indent="-285750" algn="just">
               <a:lnSpc>
                 <a:spcPct val="150000"/>
               </a:lnSpc>
+              <a:buFont typeface="Wingdings" panose="05000000000000000000" pitchFamily="2" charset="2"/>
+              <a:buChar char="Ø"/>
             </a:pPr>
             <a:r>
-              <a:rPr lang="en-US" sz="1400" u="sng" dirty="0">
+              <a:rPr lang="en-US" sz="1600" dirty="0">
                 <a:solidFill>
                   <a:srgbClr val="002060"/>
                 </a:solidFill>
                 <a:latin typeface="Verdana" panose="020B0604030504040204" pitchFamily="34" charset="0"/>
                 <a:ea typeface="Verdana" panose="020B0604030504040204" pitchFamily="34" charset="0"/>
               </a:rPr>
-              <a:t>Client–server</a:t>
-            </a:r>
-            <a:r>
-              <a:rPr lang="en-US" sz="1400" dirty="0">
-                <a:solidFill>
-                  <a:srgbClr val="002060"/>
-                </a:solidFill>
-                <a:latin typeface="Verdana" panose="020B0604030504040204" pitchFamily="34" charset="0"/>
-                <a:ea typeface="Verdana" panose="020B0604030504040204" pitchFamily="34" charset="0"/>
-              </a:rPr>
-              <a:t>: The principle behind the client-server constraints is the separation of concerns. Separating the user interface concerns from the data storage concerns improves the portability of the user interfaces across multiple platforms. </a:t>
-            </a:r>
-          </a:p>
-          <a:p>
-            <a:pPr algn="just">
+              <a:t>For creating resource-oriented services, the web API services are the best to choose. By using HTTP or restful service, these services are established.</a:t>
+            </a:r>
+          </a:p>
+          <a:p>
+            <a:pPr marL="285750" indent="-285750" algn="just">
               <a:lnSpc>
                 <a:spcPct val="150000"/>
               </a:lnSpc>
+              <a:buFont typeface="Wingdings" panose="05000000000000000000" pitchFamily="2" charset="2"/>
+              <a:buChar char="Ø"/>
             </a:pPr>
-            <a:endParaRPr lang="en-US" sz="1000" dirty="0">
+            <a:endParaRPr lang="en-US" sz="1600" dirty="0">
               <a:solidFill>
                 <a:srgbClr val="002060"/>
               </a:solidFill>
@@ -12971,39 +12605,33 @@
             </a:endParaRPr>
           </a:p>
           <a:p>
-            <a:pPr algn="just">
+            <a:pPr marL="285750" indent="-285750" algn="just">
               <a:lnSpc>
                 <a:spcPct val="150000"/>
               </a:lnSpc>
+              <a:buFont typeface="Wingdings" panose="05000000000000000000" pitchFamily="2" charset="2"/>
+              <a:buChar char="Ø"/>
             </a:pPr>
             <a:r>
-              <a:rPr lang="en-US" sz="1400" u="sng" dirty="0">
+              <a:rPr lang="en-US" sz="1600" dirty="0">
                 <a:solidFill>
                   <a:srgbClr val="002060"/>
                 </a:solidFill>
                 <a:latin typeface="Verdana" panose="020B0604030504040204" pitchFamily="34" charset="0"/>
                 <a:ea typeface="Verdana" panose="020B0604030504040204" pitchFamily="34" charset="0"/>
               </a:rPr>
-              <a:t>Stateless</a:t>
-            </a:r>
-            <a:r>
-              <a:rPr lang="en-US" sz="1400" dirty="0">
-                <a:solidFill>
-                  <a:srgbClr val="002060"/>
-                </a:solidFill>
-                <a:latin typeface="Verdana" panose="020B0604030504040204" pitchFamily="34" charset="0"/>
-                <a:ea typeface="Verdana" panose="020B0604030504040204" pitchFamily="34" charset="0"/>
-              </a:rPr>
-              <a:t>: Each request from client to server must contain all the information necessary to full fill the request. Session state is therefore kept entirely on the client.</a:t>
-            </a:r>
-          </a:p>
-          <a:p>
-            <a:pPr algn="just">
+              <a:t>Uses the full features of HTTP (like URIs, request/response headers, caching, versioning, various content formats).</a:t>
+            </a:r>
+          </a:p>
+          <a:p>
+            <a:pPr marL="285750" indent="-285750" algn="just">
               <a:lnSpc>
                 <a:spcPct val="150000"/>
               </a:lnSpc>
+              <a:buFont typeface="Wingdings" panose="05000000000000000000" pitchFamily="2" charset="2"/>
+              <a:buChar char="Ø"/>
             </a:pPr>
-            <a:endParaRPr lang="en-US" sz="1000" dirty="0">
+            <a:endParaRPr lang="en-US" sz="1600" dirty="0">
               <a:solidFill>
                 <a:srgbClr val="002060"/>
               </a:solidFill>
@@ -13012,30 +12640,127 @@
             </a:endParaRPr>
           </a:p>
           <a:p>
-            <a:pPr algn="just">
+            <a:pPr marL="285750" indent="-285750" algn="just">
               <a:lnSpc>
                 <a:spcPct val="150000"/>
               </a:lnSpc>
+              <a:buFont typeface="Wingdings" panose="05000000000000000000" pitchFamily="2" charset="2"/>
+              <a:buChar char="Ø"/>
             </a:pPr>
             <a:r>
-              <a:rPr lang="en-US" sz="1400" u="sng" dirty="0">
+              <a:rPr lang="en-US" sz="1600" dirty="0">
                 <a:solidFill>
                   <a:srgbClr val="002060"/>
                 </a:solidFill>
                 <a:latin typeface="Verdana" panose="020B0604030504040204" pitchFamily="34" charset="0"/>
                 <a:ea typeface="Verdana" panose="020B0604030504040204" pitchFamily="34" charset="0"/>
               </a:rPr>
-              <a:t>Cacheable</a:t>
-            </a:r>
-            <a:r>
-              <a:rPr lang="en-US" sz="1400" dirty="0">
+              <a:t>Best suits for CRUD operation services to a broad range of clients including browsers, mobiles and tablets etc.</a:t>
+            </a:r>
+          </a:p>
+          <a:p>
+            <a:pPr marL="285750" indent="-285750" algn="just">
+              <a:lnSpc>
+                <a:spcPct val="150000"/>
+              </a:lnSpc>
+              <a:buFont typeface="Wingdings" panose="05000000000000000000" pitchFamily="2" charset="2"/>
+              <a:buChar char="Ø"/>
+            </a:pPr>
+            <a:endParaRPr lang="en-US" sz="1600" dirty="0">
+              <a:solidFill>
+                <a:srgbClr val="002060"/>
+              </a:solidFill>
+              <a:latin typeface="Verdana" panose="020B0604030504040204" pitchFamily="34" charset="0"/>
+              <a:ea typeface="Verdana" panose="020B0604030504040204" pitchFamily="34" charset="0"/>
+            </a:endParaRPr>
+          </a:p>
+          <a:p>
+            <a:pPr marL="285750" indent="-285750" algn="just">
+              <a:lnSpc>
+                <a:spcPct val="150000"/>
+              </a:lnSpc>
+              <a:buFont typeface="Wingdings" panose="05000000000000000000" pitchFamily="2" charset="2"/>
+              <a:buChar char="Ø"/>
+            </a:pPr>
+            <a:r>
+              <a:rPr lang="en-US" sz="1600" dirty="0">
                 <a:solidFill>
                   <a:srgbClr val="002060"/>
                 </a:solidFill>
                 <a:latin typeface="Verdana" panose="020B0604030504040204" pitchFamily="34" charset="0"/>
                 <a:ea typeface="Verdana" panose="020B0604030504040204" pitchFamily="34" charset="0"/>
               </a:rPr>
-              <a:t>: Cache constraints require that the data within a response to a request be implicitly or explicitly labeled as cacheable or non-cacheable.</a:t>
+              <a:t>Content Negotiation many format like XML, JSON, Text etc.</a:t>
+            </a:r>
+          </a:p>
+          <a:p>
+            <a:pPr marL="285750" indent="-285750" algn="just">
+              <a:lnSpc>
+                <a:spcPct val="150000"/>
+              </a:lnSpc>
+              <a:buFont typeface="Wingdings" panose="05000000000000000000" pitchFamily="2" charset="2"/>
+              <a:buChar char="Ø"/>
+            </a:pPr>
+            <a:endParaRPr lang="en-US" sz="1600" dirty="0">
+              <a:solidFill>
+                <a:srgbClr val="002060"/>
+              </a:solidFill>
+              <a:latin typeface="Verdana" panose="020B0604030504040204" pitchFamily="34" charset="0"/>
+              <a:ea typeface="Verdana" panose="020B0604030504040204" pitchFamily="34" charset="0"/>
+            </a:endParaRPr>
+          </a:p>
+          <a:p>
+            <a:pPr marL="285750" indent="-285750" algn="just">
+              <a:lnSpc>
+                <a:spcPct val="150000"/>
+              </a:lnSpc>
+              <a:buFont typeface="Wingdings" panose="05000000000000000000" pitchFamily="2" charset="2"/>
+              <a:buChar char="Ø"/>
+            </a:pPr>
+            <a:r>
+              <a:rPr lang="en-US" sz="1600" dirty="0">
+                <a:solidFill>
+                  <a:srgbClr val="002060"/>
+                </a:solidFill>
+                <a:latin typeface="Verdana" panose="020B0604030504040204" pitchFamily="34" charset="0"/>
+                <a:ea typeface="Verdana" panose="020B0604030504040204" pitchFamily="34" charset="0"/>
+              </a:rPr>
+              <a:t>Light weighted and maintainable web services. </a:t>
+            </a:r>
+          </a:p>
+          <a:p>
+            <a:pPr marL="285750" indent="-285750" algn="just">
+              <a:lnSpc>
+                <a:spcPct val="150000"/>
+              </a:lnSpc>
+              <a:buFont typeface="Wingdings" panose="05000000000000000000" pitchFamily="2" charset="2"/>
+              <a:buChar char="Ø"/>
+            </a:pPr>
+            <a:endParaRPr lang="en-US" sz="1600" dirty="0">
+              <a:solidFill>
+                <a:srgbClr val="002060"/>
+              </a:solidFill>
+              <a:latin typeface="Verdana" panose="020B0604030504040204" pitchFamily="34" charset="0"/>
+              <a:ea typeface="Verdana" panose="020B0604030504040204" pitchFamily="34" charset="0"/>
+            </a:endParaRPr>
+          </a:p>
+          <a:p>
+            <a:pPr marL="285750" indent="-285750" algn="just">
+              <a:lnSpc>
+                <a:spcPct val="150000"/>
+              </a:lnSpc>
+              <a:buFont typeface="Wingdings" panose="05000000000000000000" pitchFamily="2" charset="2"/>
+              <a:buChar char="Ø"/>
+            </a:pPr>
+            <a:r>
+              <a:rPr lang="en-US" sz="1600" dirty="0">
+                <a:solidFill>
+                  <a:srgbClr val="002060"/>
+                </a:solidFill>
+                <a:latin typeface="Verdana" panose="020B0604030504040204" pitchFamily="34" charset="0"/>
+                <a:ea typeface="Verdana" panose="020B0604030504040204" pitchFamily="34" charset="0"/>
+              </a:rPr>
+              <a:t>Good performance and fast development of services.</a:t>
             </a:r>
           </a:p>
           <a:p>
@@ -13052,142 +12777,12 @@
               <a:ea typeface="Verdana" panose="020B0604030504040204" pitchFamily="34" charset="0"/>
             </a:endParaRPr>
           </a:p>
-          <a:p>
-            <a:pPr algn="just">
-              <a:lnSpc>
-                <a:spcPct val="150000"/>
-              </a:lnSpc>
-            </a:pPr>
-            <a:r>
-              <a:rPr lang="en-US" sz="1400" u="sng" dirty="0">
-                <a:solidFill>
-                  <a:srgbClr val="002060"/>
-                </a:solidFill>
-                <a:latin typeface="Verdana" panose="020B0604030504040204" pitchFamily="34" charset="0"/>
-                <a:ea typeface="Verdana" panose="020B0604030504040204" pitchFamily="34" charset="0"/>
-              </a:rPr>
-              <a:t>Layered system</a:t>
-            </a:r>
-            <a:r>
-              <a:rPr lang="en-US" sz="1400" dirty="0">
-                <a:solidFill>
-                  <a:srgbClr val="002060"/>
-                </a:solidFill>
-                <a:latin typeface="Verdana" panose="020B0604030504040204" pitchFamily="34" charset="0"/>
-                <a:ea typeface="Verdana" panose="020B0604030504040204" pitchFamily="34" charset="0"/>
-              </a:rPr>
-              <a:t>: A client cannot ordinarily tell whether it is connected directly to the end server, or to an intermediary along the way. Intermediary servers can improve system scalability by enabling load balancing and by providing shared caches.</a:t>
-            </a:r>
-          </a:p>
-          <a:p>
-            <a:pPr algn="just">
-              <a:lnSpc>
-                <a:spcPct val="150000"/>
-              </a:lnSpc>
-            </a:pPr>
-            <a:endParaRPr lang="en-US" sz="1000" dirty="0">
-              <a:solidFill>
-                <a:srgbClr val="002060"/>
-              </a:solidFill>
-              <a:latin typeface="Verdana" panose="020B0604030504040204" pitchFamily="34" charset="0"/>
-              <a:ea typeface="Verdana" panose="020B0604030504040204" pitchFamily="34" charset="0"/>
-            </a:endParaRPr>
-          </a:p>
-          <a:p>
-            <a:pPr algn="just">
-              <a:lnSpc>
-                <a:spcPct val="150000"/>
-              </a:lnSpc>
-            </a:pPr>
-            <a:r>
-              <a:rPr lang="en-US" sz="1400" u="sng" dirty="0">
-                <a:solidFill>
-                  <a:srgbClr val="002060"/>
-                </a:solidFill>
-                <a:latin typeface="Verdana" panose="020B0604030504040204" pitchFamily="34" charset="0"/>
-                <a:ea typeface="Verdana" panose="020B0604030504040204" pitchFamily="34" charset="0"/>
-              </a:rPr>
-              <a:t>Uniform interface</a:t>
-            </a:r>
-            <a:r>
-              <a:rPr lang="en-US" sz="1400" dirty="0">
-                <a:solidFill>
-                  <a:srgbClr val="002060"/>
-                </a:solidFill>
-                <a:latin typeface="Verdana" panose="020B0604030504040204" pitchFamily="34" charset="0"/>
-                <a:ea typeface="Verdana" panose="020B0604030504040204" pitchFamily="34" charset="0"/>
-              </a:rPr>
-              <a:t>: In order to obtain a uniform interface, multiple architectural constraints are needed to guide the behavior of components. REST is defined by four interface constraints: identification of resources; manipulation of resources through representations; self-descriptive messages; and, hypermedia as the engine of application state.</a:t>
-            </a:r>
-          </a:p>
-          <a:p>
-            <a:pPr algn="just">
-              <a:lnSpc>
-                <a:spcPct val="150000"/>
-              </a:lnSpc>
-            </a:pPr>
-            <a:endParaRPr lang="en-US" sz="1000" dirty="0">
-              <a:solidFill>
-                <a:srgbClr val="002060"/>
-              </a:solidFill>
-              <a:latin typeface="Verdana" panose="020B0604030504040204" pitchFamily="34" charset="0"/>
-              <a:ea typeface="Verdana" panose="020B0604030504040204" pitchFamily="34" charset="0"/>
-            </a:endParaRPr>
-          </a:p>
-          <a:p>
-            <a:pPr algn="just">
-              <a:lnSpc>
-                <a:spcPct val="150000"/>
-              </a:lnSpc>
-            </a:pPr>
-            <a:r>
-              <a:rPr lang="en-US" sz="1400" u="sng" dirty="0">
-                <a:solidFill>
-                  <a:srgbClr val="002060"/>
-                </a:solidFill>
-                <a:latin typeface="Verdana" panose="020B0604030504040204" pitchFamily="34" charset="0"/>
-                <a:ea typeface="Verdana" panose="020B0604030504040204" pitchFamily="34" charset="0"/>
-              </a:rPr>
-              <a:t>Code on demand (optional)</a:t>
-            </a:r>
-            <a:r>
-              <a:rPr lang="en-US" sz="1400" dirty="0">
-                <a:solidFill>
-                  <a:srgbClr val="002060"/>
-                </a:solidFill>
-                <a:latin typeface="Verdana" panose="020B0604030504040204" pitchFamily="34" charset="0"/>
-                <a:ea typeface="Verdana" panose="020B0604030504040204" pitchFamily="34" charset="0"/>
-              </a:rPr>
-              <a:t>: REST allows client functionality to be extended by downloading and executing code in the form of applets or scripts. Reference: </a:t>
-            </a:r>
-            <a:r>
-              <a:rPr lang="en-US" sz="1400" dirty="0">
-                <a:solidFill>
-                  <a:srgbClr val="002060"/>
-                </a:solidFill>
-                <a:latin typeface="Verdana" panose="020B0604030504040204" pitchFamily="34" charset="0"/>
-                <a:ea typeface="Verdana" panose="020B0604030504040204" pitchFamily="34" charset="0"/>
-                <a:hlinkClick r:id="rId3"/>
-              </a:rPr>
-              <a:t>https://en.wikipedia.org/wiki/Representational_state_transfer</a:t>
-            </a:r>
-            <a:r>
-              <a:rPr lang="en-US" sz="1400" dirty="0">
-                <a:solidFill>
-                  <a:srgbClr val="002060"/>
-                </a:solidFill>
-                <a:latin typeface="Verdana" panose="020B0604030504040204" pitchFamily="34" charset="0"/>
-                <a:ea typeface="Verdana" panose="020B0604030504040204" pitchFamily="34" charset="0"/>
-              </a:rPr>
-              <a:t> </a:t>
-            </a:r>
-          </a:p>
         </p:txBody>
       </p:sp>
     </p:spTree>
     <p:extLst>
       <p:ext uri="{BB962C8B-B14F-4D97-AF65-F5344CB8AC3E}">
-        <p14:creationId xmlns:p14="http://schemas.microsoft.com/office/powerpoint/2010/main" val="1587389083"/>
+        <p14:creationId xmlns:p14="http://schemas.microsoft.com/office/powerpoint/2010/main" val="185324291"/>
       </p:ext>
     </p:extLst>
   </p:cSld>
@@ -13264,7 +12859,7 @@
                 <a:latin typeface="Verdana" panose="020B0604030504040204" pitchFamily="34" charset="0"/>
                 <a:ea typeface="Verdana" panose="020B0604030504040204" pitchFamily="34" charset="0"/>
               </a:rPr>
-              <a:t>Motivation for choosing Web API</a:t>
+              <a:t>Motivation for ASP.Net Core</a:t>
             </a:r>
           </a:p>
         </p:txBody>
@@ -13590,7 +13185,7 @@
         <p:spPr>
           <a:xfrm>
             <a:off x="82107" y="568172"/>
-            <a:ext cx="12037390" cy="5139548"/>
+            <a:ext cx="12037390" cy="4662495"/>
           </a:xfrm>
           <a:prstGeom prst="rect">
             <a:avLst/>
@@ -13605,7 +13200,7 @@
           <a:p>
             <a:pPr marL="285750" indent="-285750" algn="just">
               <a:lnSpc>
-                <a:spcPct val="150000"/>
+                <a:spcPct val="200000"/>
               </a:lnSpc>
               <a:buFont typeface="Wingdings" panose="05000000000000000000" pitchFamily="2" charset="2"/>
               <a:buChar char="Ø"/>
@@ -13618,16 +13213,128 @@
                 <a:latin typeface="Verdana" panose="020B0604030504040204" pitchFamily="34" charset="0"/>
                 <a:ea typeface="Verdana" panose="020B0604030504040204" pitchFamily="34" charset="0"/>
               </a:rPr>
-              <a:t>For creating resource-oriented services, the web API services are the best to choose. By using HTTP or restful service, these services are established.</a:t>
+              <a:t>A unified framework for building web UI and web APIs.</a:t>
             </a:r>
           </a:p>
           <a:p>
             <a:pPr marL="285750" indent="-285750" algn="just">
               <a:lnSpc>
-                <a:spcPct val="150000"/>
+                <a:spcPct val="200000"/>
               </a:lnSpc>
               <a:buFont typeface="Wingdings" panose="05000000000000000000" pitchFamily="2" charset="2"/>
               <a:buChar char="Ø"/>
+            </a:pPr>
+            <a:r>
+              <a:rPr lang="en-US" sz="1600" dirty="0">
+                <a:solidFill>
+                  <a:srgbClr val="002060"/>
+                </a:solidFill>
+                <a:latin typeface="Verdana" panose="020B0604030504040204" pitchFamily="34" charset="0"/>
+                <a:ea typeface="Verdana" panose="020B0604030504040204" pitchFamily="34" charset="0"/>
+              </a:rPr>
+              <a:t>Ability to develop and run on Windows, macOS, and Linux. Open-source and community-focused.</a:t>
+            </a:r>
+          </a:p>
+          <a:p>
+            <a:pPr marL="285750" indent="-285750" algn="just">
+              <a:lnSpc>
+                <a:spcPct val="200000"/>
+              </a:lnSpc>
+              <a:buFont typeface="Wingdings" panose="05000000000000000000" pitchFamily="2" charset="2"/>
+              <a:buChar char="Ø"/>
+            </a:pPr>
+            <a:r>
+              <a:rPr lang="en-US" sz="1600" dirty="0">
+                <a:solidFill>
+                  <a:srgbClr val="002060"/>
+                </a:solidFill>
+                <a:latin typeface="Verdana" panose="020B0604030504040204" pitchFamily="34" charset="0"/>
+                <a:ea typeface="Verdana" panose="020B0604030504040204" pitchFamily="34" charset="0"/>
+              </a:rPr>
+              <a:t>A cloud-ready, environment-based configuration system.</a:t>
+            </a:r>
+          </a:p>
+          <a:p>
+            <a:pPr marL="285750" indent="-285750" algn="just">
+              <a:lnSpc>
+                <a:spcPct val="200000"/>
+              </a:lnSpc>
+              <a:buFont typeface="Wingdings" panose="05000000000000000000" pitchFamily="2" charset="2"/>
+              <a:buChar char="Ø"/>
+            </a:pPr>
+            <a:r>
+              <a:rPr lang="en-US" sz="1600" dirty="0">
+                <a:solidFill>
+                  <a:srgbClr val="002060"/>
+                </a:solidFill>
+                <a:latin typeface="Verdana" panose="020B0604030504040204" pitchFamily="34" charset="0"/>
+                <a:ea typeface="Verdana" panose="020B0604030504040204" pitchFamily="34" charset="0"/>
+              </a:rPr>
+              <a:t>Built-in dependency injection.</a:t>
+            </a:r>
+          </a:p>
+          <a:p>
+            <a:pPr marL="285750" indent="-285750" algn="just">
+              <a:lnSpc>
+                <a:spcPct val="200000"/>
+              </a:lnSpc>
+              <a:buFont typeface="Wingdings" panose="05000000000000000000" pitchFamily="2" charset="2"/>
+              <a:buChar char="Ø"/>
+            </a:pPr>
+            <a:r>
+              <a:rPr lang="en-US" sz="1600" dirty="0">
+                <a:solidFill>
+                  <a:srgbClr val="002060"/>
+                </a:solidFill>
+                <a:latin typeface="Verdana" panose="020B0604030504040204" pitchFamily="34" charset="0"/>
+                <a:ea typeface="Verdana" panose="020B0604030504040204" pitchFamily="34" charset="0"/>
+              </a:rPr>
+              <a:t>A lightweight, high-performance, and modular HTTP request pipeline.</a:t>
+            </a:r>
+          </a:p>
+          <a:p>
+            <a:pPr marL="285750" indent="-285750" algn="just">
+              <a:lnSpc>
+                <a:spcPct val="200000"/>
+              </a:lnSpc>
+              <a:buFont typeface="Wingdings" panose="05000000000000000000" pitchFamily="2" charset="2"/>
+              <a:buChar char="Ø"/>
+            </a:pPr>
+            <a:r>
+              <a:rPr lang="en-US" sz="1600" dirty="0">
+                <a:solidFill>
+                  <a:srgbClr val="002060"/>
+                </a:solidFill>
+                <a:latin typeface="Verdana" panose="020B0604030504040204" pitchFamily="34" charset="0"/>
+                <a:ea typeface="Verdana" panose="020B0604030504040204" pitchFamily="34" charset="0"/>
+              </a:rPr>
+              <a:t>Ability to host on the following: Kestrel | IIS | HTTP.sys | Nginx | Apache | Docker</a:t>
+            </a:r>
+          </a:p>
+          <a:p>
+            <a:pPr marL="285750" indent="-285750" algn="just">
+              <a:lnSpc>
+                <a:spcPct val="200000"/>
+              </a:lnSpc>
+              <a:buFont typeface="Wingdings" panose="05000000000000000000" pitchFamily="2" charset="2"/>
+              <a:buChar char="Ø"/>
+            </a:pPr>
+            <a:r>
+              <a:rPr lang="en-US" sz="1600" dirty="0">
+                <a:solidFill>
+                  <a:srgbClr val="002060"/>
+                </a:solidFill>
+                <a:latin typeface="Verdana" panose="020B0604030504040204" pitchFamily="34" charset="0"/>
+                <a:ea typeface="Verdana" panose="020B0604030504040204" pitchFamily="34" charset="0"/>
+              </a:rPr>
+              <a:t>Side-by-side versioning.</a:t>
+            </a:r>
+          </a:p>
+          <a:p>
+            <a:pPr algn="just">
+              <a:lnSpc>
+                <a:spcPct val="200000"/>
+              </a:lnSpc>
             </a:pPr>
             <a:endParaRPr lang="en-US" sz="1600" dirty="0">
               <a:solidFill>
@@ -13638,162 +13345,41 @@
             </a:endParaRPr>
           </a:p>
           <a:p>
-            <a:pPr marL="285750" indent="-285750" algn="just">
+            <a:pPr algn="just">
               <a:lnSpc>
-                <a:spcPct val="150000"/>
+                <a:spcPct val="200000"/>
               </a:lnSpc>
-              <a:buFont typeface="Wingdings" panose="05000000000000000000" pitchFamily="2" charset="2"/>
-              <a:buChar char="Ø"/>
             </a:pPr>
             <a:r>
-              <a:rPr lang="en-US" sz="1600" dirty="0">
+              <a:rPr lang="en-US" sz="1400" dirty="0">
                 <a:solidFill>
                   <a:srgbClr val="002060"/>
                 </a:solidFill>
                 <a:latin typeface="Verdana" panose="020B0604030504040204" pitchFamily="34" charset="0"/>
                 <a:ea typeface="Verdana" panose="020B0604030504040204" pitchFamily="34" charset="0"/>
               </a:rPr>
-              <a:t>Uses the full features of HTTP (like URIs, request/response headers, caching, versioning, various content formats).</a:t>
-            </a:r>
-          </a:p>
-          <a:p>
-            <a:pPr marL="285750" indent="-285750" algn="just">
-              <a:lnSpc>
-                <a:spcPct val="150000"/>
-              </a:lnSpc>
-              <a:buFont typeface="Wingdings" panose="05000000000000000000" pitchFamily="2" charset="2"/>
-              <a:buChar char="Ø"/>
-            </a:pPr>
-            <a:endParaRPr lang="en-US" sz="1600" dirty="0">
-              <a:solidFill>
-                <a:srgbClr val="002060"/>
-              </a:solidFill>
-              <a:latin typeface="Verdana" panose="020B0604030504040204" pitchFamily="34" charset="0"/>
-              <a:ea typeface="Verdana" panose="020B0604030504040204" pitchFamily="34" charset="0"/>
-            </a:endParaRPr>
-          </a:p>
-          <a:p>
-            <a:pPr marL="285750" indent="-285750" algn="just">
-              <a:lnSpc>
-                <a:spcPct val="150000"/>
-              </a:lnSpc>
-              <a:buFont typeface="Wingdings" panose="05000000000000000000" pitchFamily="2" charset="2"/>
-              <a:buChar char="Ø"/>
-            </a:pPr>
-            <a:r>
-              <a:rPr lang="en-US" sz="1600" dirty="0">
+              <a:t>Reference: </a:t>
+            </a:r>
+            <a:r>
+              <a:rPr lang="en-US" sz="1400" dirty="0">
                 <a:solidFill>
                   <a:srgbClr val="002060"/>
                 </a:solidFill>
                 <a:latin typeface="Verdana" panose="020B0604030504040204" pitchFamily="34" charset="0"/>
                 <a:ea typeface="Verdana" panose="020B0604030504040204" pitchFamily="34" charset="0"/>
-              </a:rPr>
-              <a:t>Best suits for CRUD operation services to a broad range of clients including browsers, mobiles and tablets etc.</a:t>
-            </a:r>
-          </a:p>
-          <a:p>
-            <a:pPr marL="285750" indent="-285750" algn="just">
-              <a:lnSpc>
-                <a:spcPct val="150000"/>
-              </a:lnSpc>
-              <a:buFont typeface="Wingdings" panose="05000000000000000000" pitchFamily="2" charset="2"/>
-              <a:buChar char="Ø"/>
-            </a:pPr>
-            <a:endParaRPr lang="en-US" sz="1600" dirty="0">
-              <a:solidFill>
-                <a:srgbClr val="002060"/>
-              </a:solidFill>
-              <a:latin typeface="Verdana" panose="020B0604030504040204" pitchFamily="34" charset="0"/>
-              <a:ea typeface="Verdana" panose="020B0604030504040204" pitchFamily="34" charset="0"/>
-            </a:endParaRPr>
-          </a:p>
-          <a:p>
-            <a:pPr marL="285750" indent="-285750" algn="just">
-              <a:lnSpc>
-                <a:spcPct val="150000"/>
-              </a:lnSpc>
-              <a:buFont typeface="Wingdings" panose="05000000000000000000" pitchFamily="2" charset="2"/>
-              <a:buChar char="Ø"/>
-            </a:pPr>
-            <a:r>
-              <a:rPr lang="en-US" sz="1600" dirty="0">
+                <a:hlinkClick r:id="rId3"/>
+              </a:rPr>
+              <a:t>https://docs.microsoft.com/en-gb/aspnet/core/fundamentals/choose-aspnet-framework?view=aspnetcore-3.1</a:t>
+            </a:r>
+            <a:r>
+              <a:rPr lang="en-US" sz="1400" dirty="0">
                 <a:solidFill>
                   <a:srgbClr val="002060"/>
                 </a:solidFill>
                 <a:latin typeface="Verdana" panose="020B0604030504040204" pitchFamily="34" charset="0"/>
                 <a:ea typeface="Verdana" panose="020B0604030504040204" pitchFamily="34" charset="0"/>
               </a:rPr>
-              <a:t>Content Negotiation many format like XML, JSON, Text etc.</a:t>
-            </a:r>
-          </a:p>
-          <a:p>
-            <a:pPr marL="285750" indent="-285750" algn="just">
-              <a:lnSpc>
-                <a:spcPct val="150000"/>
-              </a:lnSpc>
-              <a:buFont typeface="Wingdings" panose="05000000000000000000" pitchFamily="2" charset="2"/>
-              <a:buChar char="Ø"/>
-            </a:pPr>
-            <a:endParaRPr lang="en-US" sz="1600" dirty="0">
-              <a:solidFill>
-                <a:srgbClr val="002060"/>
-              </a:solidFill>
-              <a:latin typeface="Verdana" panose="020B0604030504040204" pitchFamily="34" charset="0"/>
-              <a:ea typeface="Verdana" panose="020B0604030504040204" pitchFamily="34" charset="0"/>
-            </a:endParaRPr>
-          </a:p>
-          <a:p>
-            <a:pPr marL="285750" indent="-285750" algn="just">
-              <a:lnSpc>
-                <a:spcPct val="150000"/>
-              </a:lnSpc>
-              <a:buFont typeface="Wingdings" panose="05000000000000000000" pitchFamily="2" charset="2"/>
-              <a:buChar char="Ø"/>
-            </a:pPr>
-            <a:r>
-              <a:rPr lang="en-US" sz="1600" dirty="0">
-                <a:solidFill>
-                  <a:srgbClr val="002060"/>
-                </a:solidFill>
-                <a:latin typeface="Verdana" panose="020B0604030504040204" pitchFamily="34" charset="0"/>
-                <a:ea typeface="Verdana" panose="020B0604030504040204" pitchFamily="34" charset="0"/>
-              </a:rPr>
-              <a:t>Light weighted and maintainable web services. </a:t>
-            </a:r>
-          </a:p>
-          <a:p>
-            <a:pPr marL="285750" indent="-285750" algn="just">
-              <a:lnSpc>
-                <a:spcPct val="150000"/>
-              </a:lnSpc>
-              <a:buFont typeface="Wingdings" panose="05000000000000000000" pitchFamily="2" charset="2"/>
-              <a:buChar char="Ø"/>
-            </a:pPr>
-            <a:endParaRPr lang="en-US" sz="1600" dirty="0">
-              <a:solidFill>
-                <a:srgbClr val="002060"/>
-              </a:solidFill>
-              <a:latin typeface="Verdana" panose="020B0604030504040204" pitchFamily="34" charset="0"/>
-              <a:ea typeface="Verdana" panose="020B0604030504040204" pitchFamily="34" charset="0"/>
-            </a:endParaRPr>
-          </a:p>
-          <a:p>
-            <a:pPr marL="285750" indent="-285750" algn="just">
-              <a:lnSpc>
-                <a:spcPct val="150000"/>
-              </a:lnSpc>
-              <a:buFont typeface="Wingdings" panose="05000000000000000000" pitchFamily="2" charset="2"/>
-              <a:buChar char="Ø"/>
-            </a:pPr>
-            <a:r>
-              <a:rPr lang="en-US" sz="1600" dirty="0">
-                <a:solidFill>
-                  <a:srgbClr val="002060"/>
-                </a:solidFill>
-                <a:latin typeface="Verdana" panose="020B0604030504040204" pitchFamily="34" charset="0"/>
-                <a:ea typeface="Verdana" panose="020B0604030504040204" pitchFamily="34" charset="0"/>
-              </a:rPr>
-              <a:t>Good performance and fast development of services.</a:t>
+              <a:t> </a:t>
             </a:r>
           </a:p>
           <a:p>
@@ -13815,7 +13401,7 @@
     </p:spTree>
     <p:extLst>
       <p:ext uri="{BB962C8B-B14F-4D97-AF65-F5344CB8AC3E}">
-        <p14:creationId xmlns:p14="http://schemas.microsoft.com/office/powerpoint/2010/main" val="185324291"/>
+        <p14:creationId xmlns:p14="http://schemas.microsoft.com/office/powerpoint/2010/main" val="2390578185"/>
       </p:ext>
     </p:extLst>
   </p:cSld>
@@ -13887,13 +13473,10 @@
           <a:lstStyle/>
           <a:p>
             <a:pPr algn="ctr"/>
-            <a:r>
-              <a:rPr lang="en-IN" b="1" dirty="0">
-                <a:latin typeface="Verdana" panose="020B0604030504040204" pitchFamily="34" charset="0"/>
-                <a:ea typeface="Verdana" panose="020B0604030504040204" pitchFamily="34" charset="0"/>
-              </a:rPr>
-              <a:t>Motivation for ASP.Net Core</a:t>
-            </a:r>
+            <a:endParaRPr lang="en-IN" b="1" dirty="0">
+              <a:latin typeface="Verdana" panose="020B0604030504040204" pitchFamily="34" charset="0"/>
+              <a:ea typeface="Verdana" panose="020B0604030504040204" pitchFamily="34" charset="0"/>
+            </a:endParaRPr>
           </a:p>
         </p:txBody>
       </p:sp>
@@ -14205,20 +13788,20 @@
       </p:pic>
       <p:sp>
         <p:nvSpPr>
-          <p:cNvPr id="13" name="TextBox 12">
-            <a:extLst>
-              <a:ext uri="{FF2B5EF4-FFF2-40B4-BE49-F238E27FC236}">
-                <a16:creationId xmlns:a16="http://schemas.microsoft.com/office/drawing/2014/main" id="{43038380-323E-47D8-963D-6F6AB307F810}"/>
-              </a:ext>
-            </a:extLst>
-          </p:cNvPr>
-          <p:cNvSpPr txBox="1"/>
+          <p:cNvPr id="14" name="Rectangle 13">
+            <a:extLst>
+              <a:ext uri="{FF2B5EF4-FFF2-40B4-BE49-F238E27FC236}">
+                <a16:creationId xmlns:a16="http://schemas.microsoft.com/office/drawing/2014/main" id="{75C033DB-F1B9-4A03-8E7D-8A90E1EB0C86}"/>
+              </a:ext>
+            </a:extLst>
+          </p:cNvPr>
+          <p:cNvSpPr/>
           <p:nvPr/>
         </p:nvSpPr>
         <p:spPr>
           <a:xfrm>
-            <a:off x="82107" y="568172"/>
-            <a:ext cx="12037390" cy="4662495"/>
+            <a:off x="1579533" y="1006700"/>
+            <a:ext cx="8913877" cy="4524315"/>
           </a:xfrm>
           <a:prstGeom prst="rect">
             <a:avLst/>
@@ -14226,215 +13809,49 @@
           <a:noFill/>
         </p:spPr>
         <p:txBody>
-          <a:bodyPr wrap="square" rtlCol="0">
+          <a:bodyPr wrap="square" lIns="91440" tIns="45720" rIns="91440" bIns="45720">
             <a:spAutoFit/>
+            <a:scene3d>
+              <a:camera prst="orthographicFront"/>
+              <a:lightRig rig="soft" dir="t">
+                <a:rot lat="0" lon="0" rev="15600000"/>
+              </a:lightRig>
+            </a:scene3d>
+            <a:sp3d extrusionH="57150" prstMaterial="softEdge">
+              <a:bevelT w="25400" h="38100"/>
+            </a:sp3d>
           </a:bodyPr>
           <a:lstStyle/>
           <a:p>
-            <a:pPr marL="285750" indent="-285750" algn="just">
-              <a:lnSpc>
-                <a:spcPct val="200000"/>
-              </a:lnSpc>
-              <a:buFont typeface="Wingdings" panose="05000000000000000000" pitchFamily="2" charset="2"/>
-              <a:buChar char="Ø"/>
-            </a:pPr>
-            <a:r>
-              <a:rPr lang="en-US" sz="1600" dirty="0">
-                <a:solidFill>
-                  <a:srgbClr val="002060"/>
-                </a:solidFill>
-                <a:latin typeface="Verdana" panose="020B0604030504040204" pitchFamily="34" charset="0"/>
-                <a:ea typeface="Verdana" panose="020B0604030504040204" pitchFamily="34" charset="0"/>
-              </a:rPr>
-              <a:t>A unified framework for building web UI and web APIs.</a:t>
-            </a:r>
-          </a:p>
-          <a:p>
-            <a:pPr marL="285750" indent="-285750" algn="just">
-              <a:lnSpc>
-                <a:spcPct val="200000"/>
-              </a:lnSpc>
-              <a:buFont typeface="Wingdings" panose="05000000000000000000" pitchFamily="2" charset="2"/>
-              <a:buChar char="Ø"/>
-            </a:pPr>
-            <a:r>
-              <a:rPr lang="en-US" sz="1600" dirty="0">
-                <a:solidFill>
-                  <a:srgbClr val="002060"/>
-                </a:solidFill>
-                <a:latin typeface="Verdana" panose="020B0604030504040204" pitchFamily="34" charset="0"/>
-                <a:ea typeface="Verdana" panose="020B0604030504040204" pitchFamily="34" charset="0"/>
-              </a:rPr>
-              <a:t>Ability to develop and run on Windows, macOS, and Linux. Open-source and community-focused.</a:t>
-            </a:r>
-          </a:p>
-          <a:p>
-            <a:pPr marL="285750" indent="-285750" algn="just">
-              <a:lnSpc>
-                <a:spcPct val="200000"/>
-              </a:lnSpc>
-              <a:buFont typeface="Wingdings" panose="05000000000000000000" pitchFamily="2" charset="2"/>
-              <a:buChar char="Ø"/>
-            </a:pPr>
-            <a:r>
-              <a:rPr lang="en-US" sz="1600" dirty="0">
-                <a:solidFill>
-                  <a:srgbClr val="002060"/>
-                </a:solidFill>
-                <a:latin typeface="Verdana" panose="020B0604030504040204" pitchFamily="34" charset="0"/>
-                <a:ea typeface="Verdana" panose="020B0604030504040204" pitchFamily="34" charset="0"/>
-              </a:rPr>
-              <a:t>A cloud-ready, environment-based configuration system.</a:t>
-            </a:r>
-          </a:p>
-          <a:p>
-            <a:pPr marL="285750" indent="-285750" algn="just">
-              <a:lnSpc>
-                <a:spcPct val="200000"/>
-              </a:lnSpc>
-              <a:buFont typeface="Wingdings" panose="05000000000000000000" pitchFamily="2" charset="2"/>
-              <a:buChar char="Ø"/>
-            </a:pPr>
-            <a:r>
-              <a:rPr lang="en-US" sz="1600" dirty="0">
-                <a:solidFill>
-                  <a:srgbClr val="002060"/>
-                </a:solidFill>
-                <a:latin typeface="Verdana" panose="020B0604030504040204" pitchFamily="34" charset="0"/>
-                <a:ea typeface="Verdana" panose="020B0604030504040204" pitchFamily="34" charset="0"/>
-              </a:rPr>
-              <a:t>Built-in dependency injection.</a:t>
-            </a:r>
-          </a:p>
-          <a:p>
-            <a:pPr marL="285750" indent="-285750" algn="just">
-              <a:lnSpc>
-                <a:spcPct val="200000"/>
-              </a:lnSpc>
-              <a:buFont typeface="Wingdings" panose="05000000000000000000" pitchFamily="2" charset="2"/>
-              <a:buChar char="Ø"/>
-            </a:pPr>
-            <a:r>
-              <a:rPr lang="en-US" sz="1600" dirty="0">
-                <a:solidFill>
-                  <a:srgbClr val="002060"/>
-                </a:solidFill>
-                <a:latin typeface="Verdana" panose="020B0604030504040204" pitchFamily="34" charset="0"/>
-                <a:ea typeface="Verdana" panose="020B0604030504040204" pitchFamily="34" charset="0"/>
-              </a:rPr>
-              <a:t>A lightweight, high-performance, and modular HTTP request pipeline.</a:t>
-            </a:r>
-          </a:p>
-          <a:p>
-            <a:pPr marL="285750" indent="-285750" algn="just">
-              <a:lnSpc>
-                <a:spcPct val="200000"/>
-              </a:lnSpc>
-              <a:buFont typeface="Wingdings" panose="05000000000000000000" pitchFamily="2" charset="2"/>
-              <a:buChar char="Ø"/>
-            </a:pPr>
-            <a:r>
-              <a:rPr lang="en-US" sz="1600" dirty="0">
-                <a:solidFill>
-                  <a:srgbClr val="002060"/>
-                </a:solidFill>
-                <a:latin typeface="Verdana" panose="020B0604030504040204" pitchFamily="34" charset="0"/>
-                <a:ea typeface="Verdana" panose="020B0604030504040204" pitchFamily="34" charset="0"/>
-              </a:rPr>
-              <a:t>Ability to host on the following: Kestrel | IIS | HTTP.sys | Nginx | Apache | Docker</a:t>
-            </a:r>
-          </a:p>
-          <a:p>
-            <a:pPr marL="285750" indent="-285750" algn="just">
-              <a:lnSpc>
-                <a:spcPct val="200000"/>
-              </a:lnSpc>
-              <a:buFont typeface="Wingdings" panose="05000000000000000000" pitchFamily="2" charset="2"/>
-              <a:buChar char="Ø"/>
-            </a:pPr>
-            <a:r>
-              <a:rPr lang="en-US" sz="1600" dirty="0">
-                <a:solidFill>
-                  <a:srgbClr val="002060"/>
-                </a:solidFill>
-                <a:latin typeface="Verdana" panose="020B0604030504040204" pitchFamily="34" charset="0"/>
-                <a:ea typeface="Verdana" panose="020B0604030504040204" pitchFamily="34" charset="0"/>
-              </a:rPr>
-              <a:t>Side-by-side versioning.</a:t>
-            </a:r>
-          </a:p>
-          <a:p>
-            <a:pPr algn="just">
-              <a:lnSpc>
-                <a:spcPct val="200000"/>
-              </a:lnSpc>
-            </a:pPr>
-            <a:endParaRPr lang="en-US" sz="1600" dirty="0">
+            <a:pPr algn="ctr"/>
+            <a:r>
+              <a:rPr lang="en-US" sz="9600" b="1" cap="none" spc="0" dirty="0">
+                <a:ln/>
+                <a:solidFill>
+                  <a:schemeClr val="accent4"/>
+                </a:solidFill>
+                <a:effectLst/>
+                <a:latin typeface="Verdana" panose="020B0604030504040204" pitchFamily="34" charset="0"/>
+                <a:ea typeface="Verdana" panose="020B0604030504040204" pitchFamily="34" charset="0"/>
+              </a:rPr>
+              <a:t>Let’s make our hands dirt !!!</a:t>
+            </a:r>
+            <a:endParaRPr lang="en-IN" sz="9600" b="1" cap="none" spc="0" dirty="0">
+              <a:ln/>
               <a:solidFill>
-                <a:srgbClr val="002060"/>
+                <a:schemeClr val="accent4"/>
               </a:solidFill>
+              <a:effectLst/>
               <a:latin typeface="Verdana" panose="020B0604030504040204" pitchFamily="34" charset="0"/>
               <a:ea typeface="Verdana" panose="020B0604030504040204" pitchFamily="34" charset="0"/>
             </a:endParaRPr>
           </a:p>
-          <a:p>
-            <a:pPr algn="just">
-              <a:lnSpc>
-                <a:spcPct val="200000"/>
-              </a:lnSpc>
-            </a:pPr>
-            <a:r>
-              <a:rPr lang="en-US" sz="1400" dirty="0">
-                <a:solidFill>
-                  <a:srgbClr val="002060"/>
-                </a:solidFill>
-                <a:latin typeface="Verdana" panose="020B0604030504040204" pitchFamily="34" charset="0"/>
-                <a:ea typeface="Verdana" panose="020B0604030504040204" pitchFamily="34" charset="0"/>
-              </a:rPr>
-              <a:t>Reference: </a:t>
-            </a:r>
-            <a:r>
-              <a:rPr lang="en-US" sz="1400" dirty="0">
-                <a:solidFill>
-                  <a:srgbClr val="002060"/>
-                </a:solidFill>
-                <a:latin typeface="Verdana" panose="020B0604030504040204" pitchFamily="34" charset="0"/>
-                <a:ea typeface="Verdana" panose="020B0604030504040204" pitchFamily="34" charset="0"/>
-                <a:hlinkClick r:id="rId3"/>
-              </a:rPr>
-              <a:t>https://docs.microsoft.com/en-gb/aspnet/core/fundamentals/choose-aspnet-framework?view=aspnetcore-3.1</a:t>
-            </a:r>
-            <a:r>
-              <a:rPr lang="en-US" sz="1400" dirty="0">
-                <a:solidFill>
-                  <a:srgbClr val="002060"/>
-                </a:solidFill>
-                <a:latin typeface="Verdana" panose="020B0604030504040204" pitchFamily="34" charset="0"/>
-                <a:ea typeface="Verdana" panose="020B0604030504040204" pitchFamily="34" charset="0"/>
-              </a:rPr>
-              <a:t> </a:t>
-            </a:r>
-          </a:p>
-          <a:p>
-            <a:pPr algn="just">
-              <a:lnSpc>
-                <a:spcPct val="150000"/>
-              </a:lnSpc>
-            </a:pPr>
-            <a:endParaRPr lang="en-US" sz="1000" u="sng" dirty="0">
-              <a:solidFill>
-                <a:srgbClr val="002060"/>
-              </a:solidFill>
-              <a:latin typeface="Verdana" panose="020B0604030504040204" pitchFamily="34" charset="0"/>
-              <a:ea typeface="Verdana" panose="020B0604030504040204" pitchFamily="34" charset="0"/>
-            </a:endParaRPr>
-          </a:p>
         </p:txBody>
       </p:sp>
     </p:spTree>
     <p:extLst>
       <p:ext uri="{BB962C8B-B14F-4D97-AF65-F5344CB8AC3E}">
-        <p14:creationId xmlns:p14="http://schemas.microsoft.com/office/powerpoint/2010/main" val="2390578185"/>
+        <p14:creationId xmlns:p14="http://schemas.microsoft.com/office/powerpoint/2010/main" val="2844915735"/>
       </p:ext>
     </p:extLst>
   </p:cSld>

--- a/DotNetTricks/06Sep2020_.NetCore_WebAPI/Documentation/ASP.NETCore_WebAPI_EFCore_SQL_CosmosDb.pptx
+++ b/DotNetTricks/06Sep2020_.NetCore_WebAPI/Documentation/ASP.NETCore_WebAPI_EFCore_SQL_CosmosDb.pptx
@@ -227,7 +227,7 @@
           <a:p>
             <a:fld id="{289D7669-2C4F-4057-B198-13E596C98571}" type="datetimeFigureOut">
               <a:rPr lang="en-IN" smtClean="0"/>
-              <a:t>07-09-2020</a:t>
+              <a:t>11-10-2020</a:t>
             </a:fld>
             <a:endParaRPr lang="en-IN"/>
           </a:p>
@@ -644,7 +644,7 @@
           <a:p>
             <a:fld id="{AAAFDAC1-E73E-4D41-B9D9-D9AB5226AECC}" type="datetimeFigureOut">
               <a:rPr lang="en-IN" smtClean="0"/>
-              <a:t>07-09-2020</a:t>
+              <a:t>11-10-2020</a:t>
             </a:fld>
             <a:endParaRPr lang="en-IN"/>
           </a:p>
@@ -844,7 +844,7 @@
           <a:p>
             <a:fld id="{AAAFDAC1-E73E-4D41-B9D9-D9AB5226AECC}" type="datetimeFigureOut">
               <a:rPr lang="en-IN" smtClean="0"/>
-              <a:t>07-09-2020</a:t>
+              <a:t>11-10-2020</a:t>
             </a:fld>
             <a:endParaRPr lang="en-IN"/>
           </a:p>
@@ -1054,7 +1054,7 @@
           <a:p>
             <a:fld id="{AAAFDAC1-E73E-4D41-B9D9-D9AB5226AECC}" type="datetimeFigureOut">
               <a:rPr lang="en-IN" smtClean="0"/>
-              <a:t>07-09-2020</a:t>
+              <a:t>11-10-2020</a:t>
             </a:fld>
             <a:endParaRPr lang="en-IN"/>
           </a:p>
@@ -1254,7 +1254,7 @@
           <a:p>
             <a:fld id="{AAAFDAC1-E73E-4D41-B9D9-D9AB5226AECC}" type="datetimeFigureOut">
               <a:rPr lang="en-IN" smtClean="0"/>
-              <a:t>07-09-2020</a:t>
+              <a:t>11-10-2020</a:t>
             </a:fld>
             <a:endParaRPr lang="en-IN"/>
           </a:p>
@@ -1530,7 +1530,7 @@
           <a:p>
             <a:fld id="{AAAFDAC1-E73E-4D41-B9D9-D9AB5226AECC}" type="datetimeFigureOut">
               <a:rPr lang="en-IN" smtClean="0"/>
-              <a:t>07-09-2020</a:t>
+              <a:t>11-10-2020</a:t>
             </a:fld>
             <a:endParaRPr lang="en-IN"/>
           </a:p>
@@ -1798,7 +1798,7 @@
           <a:p>
             <a:fld id="{AAAFDAC1-E73E-4D41-B9D9-D9AB5226AECC}" type="datetimeFigureOut">
               <a:rPr lang="en-IN" smtClean="0"/>
-              <a:t>07-09-2020</a:t>
+              <a:t>11-10-2020</a:t>
             </a:fld>
             <a:endParaRPr lang="en-IN"/>
           </a:p>
@@ -2213,7 +2213,7 @@
           <a:p>
             <a:fld id="{AAAFDAC1-E73E-4D41-B9D9-D9AB5226AECC}" type="datetimeFigureOut">
               <a:rPr lang="en-IN" smtClean="0"/>
-              <a:t>07-09-2020</a:t>
+              <a:t>11-10-2020</a:t>
             </a:fld>
             <a:endParaRPr lang="en-IN"/>
           </a:p>
@@ -2355,7 +2355,7 @@
           <a:p>
             <a:fld id="{AAAFDAC1-E73E-4D41-B9D9-D9AB5226AECC}" type="datetimeFigureOut">
               <a:rPr lang="en-IN" smtClean="0"/>
-              <a:t>07-09-2020</a:t>
+              <a:t>11-10-2020</a:t>
             </a:fld>
             <a:endParaRPr lang="en-IN"/>
           </a:p>
@@ -2468,7 +2468,7 @@
           <a:p>
             <a:fld id="{AAAFDAC1-E73E-4D41-B9D9-D9AB5226AECC}" type="datetimeFigureOut">
               <a:rPr lang="en-IN" smtClean="0"/>
-              <a:t>07-09-2020</a:t>
+              <a:t>11-10-2020</a:t>
             </a:fld>
             <a:endParaRPr lang="en-IN"/>
           </a:p>
@@ -2781,7 +2781,7 @@
           <a:p>
             <a:fld id="{AAAFDAC1-E73E-4D41-B9D9-D9AB5226AECC}" type="datetimeFigureOut">
               <a:rPr lang="en-IN" smtClean="0"/>
-              <a:t>07-09-2020</a:t>
+              <a:t>11-10-2020</a:t>
             </a:fld>
             <a:endParaRPr lang="en-IN"/>
           </a:p>
@@ -3070,7 +3070,7 @@
           <a:p>
             <a:fld id="{AAAFDAC1-E73E-4D41-B9D9-D9AB5226AECC}" type="datetimeFigureOut">
               <a:rPr lang="en-IN" smtClean="0"/>
-              <a:t>07-09-2020</a:t>
+              <a:t>11-10-2020</a:t>
             </a:fld>
             <a:endParaRPr lang="en-IN"/>
           </a:p>
@@ -3313,7 +3313,7 @@
           <a:p>
             <a:fld id="{AAAFDAC1-E73E-4D41-B9D9-D9AB5226AECC}" type="datetimeFigureOut">
               <a:rPr lang="en-IN" smtClean="0"/>
-              <a:t>07-09-2020</a:t>
+              <a:t>11-10-2020</a:t>
             </a:fld>
             <a:endParaRPr lang="en-IN"/>
           </a:p>
@@ -3868,7 +3868,7 @@
                 <a:latin typeface="Verdana" panose="020B0604030504040204" pitchFamily="34" charset="0"/>
                 <a:ea typeface="Verdana" panose="020B0604030504040204" pitchFamily="34" charset="0"/>
               </a:rPr>
-              <a:t>06-Sep-2020</a:t>
+              <a:t>11-Oct-2020</a:t>
             </a:r>
           </a:p>
         </p:txBody>
@@ -4545,7 +4545,7 @@
                 <a:latin typeface="Verdana" panose="020B0604030504040204" pitchFamily="34" charset="0"/>
                 <a:ea typeface="Verdana" panose="020B0604030504040204" pitchFamily="34" charset="0"/>
               </a:rPr>
-              <a:t>06-Sep-2020</a:t>
+              <a:t>11-Oct-2020</a:t>
             </a:r>
           </a:p>
         </p:txBody>
@@ -4975,7 +4975,7 @@
                 <a:latin typeface="Verdana" panose="020B0604030504040204" pitchFamily="34" charset="0"/>
                 <a:ea typeface="Verdana" panose="020B0604030504040204" pitchFamily="34" charset="0"/>
               </a:rPr>
-              <a:t>06-Sep-2020</a:t>
+              <a:t>11-Oct-2020</a:t>
             </a:r>
           </a:p>
         </p:txBody>
@@ -5528,7 +5528,7 @@
                 <a:latin typeface="Verdana" panose="020B0604030504040204" pitchFamily="34" charset="0"/>
                 <a:ea typeface="Verdana" panose="020B0604030504040204" pitchFamily="34" charset="0"/>
               </a:rPr>
-              <a:t>06-Sep-2020</a:t>
+              <a:t>11-Oct-2020</a:t>
             </a:r>
           </a:p>
         </p:txBody>
@@ -6052,7 +6052,7 @@
                 <a:latin typeface="Verdana" panose="020B0604030504040204" pitchFamily="34" charset="0"/>
                 <a:ea typeface="Verdana" panose="020B0604030504040204" pitchFamily="34" charset="0"/>
               </a:rPr>
-              <a:t>06-Sep-2020</a:t>
+              <a:t>11-Oct-2020</a:t>
             </a:r>
           </a:p>
         </p:txBody>
@@ -6715,7 +6715,7 @@
                 <a:latin typeface="Verdana" panose="020B0604030504040204" pitchFamily="34" charset="0"/>
                 <a:ea typeface="Verdana" panose="020B0604030504040204" pitchFamily="34" charset="0"/>
               </a:rPr>
-              <a:t>06-Sep-2020</a:t>
+              <a:t>11-Oct-2020</a:t>
             </a:r>
           </a:p>
         </p:txBody>
@@ -7145,7 +7145,7 @@
                 <a:latin typeface="Verdana" panose="020B0604030504040204" pitchFamily="34" charset="0"/>
                 <a:ea typeface="Verdana" panose="020B0604030504040204" pitchFamily="34" charset="0"/>
               </a:rPr>
-              <a:t>06-Sep-2020</a:t>
+              <a:t>11-Oct-2020</a:t>
             </a:r>
           </a:p>
         </p:txBody>
@@ -8259,7 +8259,7 @@
                 <a:latin typeface="Verdana" panose="020B0604030504040204" pitchFamily="34" charset="0"/>
                 <a:ea typeface="Verdana" panose="020B0604030504040204" pitchFamily="34" charset="0"/>
               </a:rPr>
-              <a:t>06-Sep-2020</a:t>
+              <a:t>11-Oct-2020</a:t>
             </a:r>
           </a:p>
         </p:txBody>
@@ -8701,7 +8701,7 @@
                 <a:latin typeface="Verdana" panose="020B0604030504040204" pitchFamily="34" charset="0"/>
                 <a:ea typeface="Verdana" panose="020B0604030504040204" pitchFamily="34" charset="0"/>
               </a:rPr>
-              <a:t>06-Sep-2020</a:t>
+              <a:t>11-Oct-2020</a:t>
             </a:r>
           </a:p>
         </p:txBody>
@@ -9310,7 +9310,7 @@
                 <a:latin typeface="Verdana" panose="020B0604030504040204" pitchFamily="34" charset="0"/>
                 <a:ea typeface="Verdana" panose="020B0604030504040204" pitchFamily="34" charset="0"/>
               </a:rPr>
-              <a:t>06-Sep-2020</a:t>
+              <a:t>11-Oct-2020</a:t>
             </a:r>
           </a:p>
         </p:txBody>
@@ -9868,7 +9868,7 @@
                 <a:latin typeface="Verdana" panose="020B0604030504040204" pitchFamily="34" charset="0"/>
                 <a:ea typeface="Verdana" panose="020B0604030504040204" pitchFamily="34" charset="0"/>
               </a:rPr>
-              <a:t>06-Sep-2020</a:t>
+              <a:t>11-Oct-2020</a:t>
             </a:r>
           </a:p>
         </p:txBody>
@@ -10394,7 +10394,7 @@
                 <a:latin typeface="Verdana" panose="020B0604030504040204" pitchFamily="34" charset="0"/>
                 <a:ea typeface="Verdana" panose="020B0604030504040204" pitchFamily="34" charset="0"/>
               </a:rPr>
-              <a:t>06-Sep-2020</a:t>
+              <a:t>11-Oct-2020</a:t>
             </a:r>
           </a:p>
         </p:txBody>
@@ -10963,7 +10963,7 @@
                 <a:latin typeface="Verdana" panose="020B0604030504040204" pitchFamily="34" charset="0"/>
                 <a:ea typeface="Verdana" panose="020B0604030504040204" pitchFamily="34" charset="0"/>
               </a:rPr>
-              <a:t>06-Sep-2020</a:t>
+              <a:t>11-Oct-2020</a:t>
             </a:r>
           </a:p>
         </p:txBody>
@@ -11649,7 +11649,7 @@
                 <a:latin typeface="Verdana" panose="020B0604030504040204" pitchFamily="34" charset="0"/>
                 <a:ea typeface="Verdana" panose="020B0604030504040204" pitchFamily="34" charset="0"/>
               </a:rPr>
-              <a:t>06-Sep-2020</a:t>
+              <a:t>11-Oct-2020</a:t>
             </a:r>
           </a:p>
         </p:txBody>
@@ -12322,7 +12322,7 @@
                 <a:latin typeface="Verdana" panose="020B0604030504040204" pitchFamily="34" charset="0"/>
                 <a:ea typeface="Verdana" panose="020B0604030504040204" pitchFamily="34" charset="0"/>
               </a:rPr>
-              <a:t>06-Sep-2020</a:t>
+              <a:t>11-Oct-2020</a:t>
             </a:r>
           </a:p>
         </p:txBody>
@@ -12950,7 +12950,7 @@
                 <a:latin typeface="Verdana" panose="020B0604030504040204" pitchFamily="34" charset="0"/>
                 <a:ea typeface="Verdana" panose="020B0604030504040204" pitchFamily="34" charset="0"/>
               </a:rPr>
-              <a:t>06-Sep-2020</a:t>
+              <a:t>11-Oct-2020</a:t>
             </a:r>
           </a:p>
         </p:txBody>
@@ -13566,7 +13566,7 @@
                 <a:latin typeface="Verdana" panose="020B0604030504040204" pitchFamily="34" charset="0"/>
                 <a:ea typeface="Verdana" panose="020B0604030504040204" pitchFamily="34" charset="0"/>
               </a:rPr>
-              <a:t>06-Sep-2020</a:t>
+              <a:t>11-Oct-2020</a:t>
             </a:r>
           </a:p>
         </p:txBody>
